--- a/First Review.pptx
+++ b/First Review.pptx
@@ -5,15 +5,17 @@
     <p:sldMasterId id="2147483648" r:id="rId1"/>
   </p:sldMasterIdLst>
   <p:notesMasterIdLst>
-    <p:notesMasterId r:id="rId8"/>
+    <p:notesMasterId r:id="rId10"/>
   </p:notesMasterIdLst>
   <p:sldIdLst>
     <p:sldId id="256" r:id="rId2"/>
-    <p:sldId id="257" r:id="rId3"/>
-    <p:sldId id="258" r:id="rId4"/>
-    <p:sldId id="270" r:id="rId5"/>
-    <p:sldId id="259" r:id="rId6"/>
-    <p:sldId id="269" r:id="rId7"/>
+    <p:sldId id="270" r:id="rId3"/>
+    <p:sldId id="272" r:id="rId4"/>
+    <p:sldId id="258" r:id="rId5"/>
+    <p:sldId id="257" r:id="rId6"/>
+    <p:sldId id="271" r:id="rId7"/>
+    <p:sldId id="259" r:id="rId8"/>
+    <p:sldId id="269" r:id="rId9"/>
   </p:sldIdLst>
   <p:sldSz cx="12192000" cy="6858000"/>
   <p:notesSz cx="6858000" cy="9144000"/>
@@ -3520,38 +3522,23 @@
           <a:lstStyle/>
           <a:p>
             <a:r>
-              <a:rPr lang="en-US" sz="4010" b="1" dirty="0" smtClean="0">
-                <a:latin typeface="Times New Roman" pitchFamily="18" charset="0"/>
-              </a:rPr>
-              <a:t>Secure Chat API: Encrypted </a:t>
-            </a:r>
-            <a:r>
               <a:rPr lang="en-US" sz="4010" b="1" dirty="0">
                 <a:latin typeface="Times New Roman" pitchFamily="18" charset="0"/>
               </a:rPr>
-              <a:t>Chat Application </a:t>
-            </a:r>
-            <a:r>
-              <a:rPr lang="en-US" sz="4010" b="1" dirty="0" smtClean="0">
-                <a:latin typeface="Times New Roman" pitchFamily="18" charset="0"/>
-              </a:rPr>
-              <a:t>Program Interface with </a:t>
-            </a:r>
-            <a:r>
-              <a:rPr lang="en-US" sz="4010" b="1" dirty="0" err="1" smtClean="0">
+              <a:t>Secure Chat API: Encrypted Chat Application Program Interface with </a:t>
+            </a:r>
+            <a:r>
+              <a:rPr lang="en-US" sz="4010" b="1" dirty="0" err="1">
                 <a:latin typeface="Times New Roman" pitchFamily="18" charset="0"/>
               </a:rPr>
               <a:t>Blockchain</a:t>
             </a:r>
             <a:r>
-              <a:rPr lang="en-US" sz="4010" b="1" dirty="0" smtClean="0">
+              <a:rPr lang="en-US" sz="4010" b="1" dirty="0">
                 <a:latin typeface="Times New Roman" pitchFamily="18" charset="0"/>
               </a:rPr>
               <a:t> Authentication</a:t>
             </a:r>
-            <a:endParaRPr lang="en-US" sz="4010" b="1" dirty="0">
-              <a:latin typeface="Times New Roman" pitchFamily="18" charset="0"/>
-            </a:endParaRPr>
           </a:p>
         </p:txBody>
       </p:sp>
@@ -3664,17 +3651,16 @@
                 </a:solidFill>
                 <a:latin typeface="Times New Roman" panose="02020603050405020304" pitchFamily="18" charset="0"/>
               </a:rPr>
-              <a:t>Mr. </a:t>
-            </a:r>
-            <a:r>
-              <a:rPr lang="en-US" sz="3500" dirty="0" smtClean="0">
-                <a:solidFill>
-                  <a:srgbClr val="000000"/>
-                </a:solidFill>
-                <a:latin typeface="Times New Roman" panose="02020603050405020304" pitchFamily="18" charset="0"/>
-              </a:rPr>
-              <a:t>P. </a:t>
-            </a:r>
+              <a:t>Mr. P. MANIKANDAN M.E</a:t>
+            </a:r>
+          </a:p>
+          <a:p>
+            <a:pPr lvl="0" algn="ctr" defTabSz="914400">
+              <a:spcBef>
+                <a:spcPct val="20000"/>
+              </a:spcBef>
+              <a:defRPr/>
+            </a:pPr>
             <a:r>
               <a:rPr lang="en-US" sz="3500" dirty="0">
                 <a:solidFill>
@@ -3682,26 +3668,9 @@
                 </a:solidFill>
                 <a:latin typeface="Times New Roman" panose="02020603050405020304" pitchFamily="18" charset="0"/>
               </a:rPr>
-              <a:t>MANIKANDAN M.E</a:t>
-            </a:r>
-          </a:p>
-          <a:p>
-            <a:pPr lvl="0" algn="ctr" defTabSz="914400">
-              <a:spcBef>
-                <a:spcPct val="20000"/>
-              </a:spcBef>
-              <a:defRPr/>
-            </a:pPr>
-            <a:r>
-              <a:rPr lang="en-US" sz="3500" dirty="0" smtClean="0">
-                <a:solidFill>
-                  <a:srgbClr val="000000"/>
-                </a:solidFill>
-                <a:latin typeface="Times New Roman" panose="02020603050405020304" pitchFamily="18" charset="0"/>
-              </a:rPr>
               <a:t>HEAD OF THE DEPARTMENT </a:t>
             </a:r>
-            <a:endParaRPr lang="en-US" sz="3500" i="0" u="none" strike="noStrike" baseline="0" dirty="0" smtClean="0">
+            <a:endParaRPr lang="en-US" sz="3500" i="0" u="none" strike="noStrike" baseline="0" dirty="0">
               <a:solidFill>
                 <a:srgbClr val="000000"/>
               </a:solidFill>
@@ -3727,22 +3696,13 @@
               <a:defRPr/>
             </a:pPr>
             <a:r>
-              <a:rPr lang="en-US" sz="3500" i="0" u="none" strike="noStrike" baseline="0" dirty="0" smtClean="0">
-                <a:solidFill>
-                  <a:srgbClr val="000000"/>
-                </a:solidFill>
-                <a:latin typeface="Times New Roman" panose="02020603050405020304" pitchFamily="18" charset="0"/>
-              </a:rPr>
-              <a:t> </a:t>
-            </a:r>
-            <a:r>
               <a:rPr lang="en-US" sz="3500" i="0" u="none" strike="noStrike" baseline="0" dirty="0">
                 <a:solidFill>
                   <a:srgbClr val="000000"/>
                 </a:solidFill>
                 <a:latin typeface="Times New Roman" panose="02020603050405020304" pitchFamily="18" charset="0"/>
               </a:rPr>
-              <a:t>Department of Computer Science and Engineering </a:t>
+              <a:t> Department of Computer Science and Engineering </a:t>
             </a:r>
             <a:endParaRPr kumimoji="0" lang="en-US" sz="3500" i="0" u="none" strike="noStrike" kern="1200" cap="none" spc="0" normalizeH="0" baseline="0" noProof="0" dirty="0">
               <a:ln>
@@ -3800,21 +3760,9 @@
                 <a:cs typeface="Times New Roman"/>
                 <a:sym typeface="Times New Roman"/>
               </a:rPr>
-              <a:t>BATCH </a:t>
-            </a:r>
-            <a:r>
-              <a:rPr lang="en-US" sz="2000" b="1" kern="0" dirty="0" smtClean="0">
-                <a:solidFill>
-                  <a:srgbClr val="000000"/>
-                </a:solidFill>
-                <a:latin typeface="Times New Roman"/>
-                <a:ea typeface="Times New Roman"/>
-                <a:cs typeface="Times New Roman"/>
-                <a:sym typeface="Times New Roman"/>
-              </a:rPr>
-              <a:t>MEMBER</a:t>
-            </a:r>
-            <a:endParaRPr lang="en-US" sz="2000" dirty="0" smtClean="0">
+              <a:t>BATCH MEMBER</a:t>
+            </a:r>
+            <a:endParaRPr lang="en-US" sz="2000" dirty="0">
               <a:latin typeface="Times New Roman" panose="02020603050405020304" pitchFamily="18" charset="0"/>
               <a:cs typeface="Times New Roman" panose="02020603050405020304" pitchFamily="18" charset="0"/>
               <a:sym typeface="Times New Roman"/>
@@ -3831,28 +3779,7 @@
                 <a:latin typeface="Times New Roman" panose="02020603050405020304" pitchFamily="18" charset="0"/>
                 <a:cs typeface="Times New Roman" panose="02020603050405020304" pitchFamily="18" charset="0"/>
               </a:rPr>
-              <a:t>G</a:t>
-            </a:r>
-            <a:r>
-              <a:rPr lang="en-US" sz="2000" dirty="0" smtClean="0">
-                <a:latin typeface="Times New Roman" panose="02020603050405020304" pitchFamily="18" charset="0"/>
-                <a:cs typeface="Times New Roman" panose="02020603050405020304" pitchFamily="18" charset="0"/>
-              </a:rPr>
-              <a:t>. GOKUL </a:t>
-            </a:r>
-            <a:r>
-              <a:rPr lang="en-US" sz="2000" dirty="0">
-                <a:latin typeface="Times New Roman" panose="02020603050405020304" pitchFamily="18" charset="0"/>
-                <a:cs typeface="Times New Roman" panose="02020603050405020304" pitchFamily="18" charset="0"/>
-              </a:rPr>
-              <a:t>	</a:t>
-            </a:r>
-            <a:r>
-              <a:rPr lang="en-US" sz="2000" dirty="0" smtClean="0">
-                <a:latin typeface="Times New Roman" panose="02020603050405020304" pitchFamily="18" charset="0"/>
-                <a:cs typeface="Times New Roman" panose="02020603050405020304" pitchFamily="18" charset="0"/>
-              </a:rPr>
-              <a:t>						(812420104027)</a:t>
+              <a:t>G. GOKUL 							(812420104027)</a:t>
             </a:r>
           </a:p>
           <a:p>
@@ -3862,18 +3789,11 @@
               </a:buClr>
             </a:pPr>
             <a:r>
-              <a:rPr lang="en-US" sz="2000" dirty="0" smtClean="0">
-                <a:latin typeface="Times New Roman" panose="02020603050405020304" pitchFamily="18" charset="0"/>
-                <a:cs typeface="Times New Roman" panose="02020603050405020304" pitchFamily="18" charset="0"/>
-              </a:rPr>
-              <a:t>M</a:t>
-            </a:r>
-            <a:r>
               <a:rPr lang="en-US" sz="2000" dirty="0">
                 <a:latin typeface="Times New Roman" panose="02020603050405020304" pitchFamily="18" charset="0"/>
                 <a:cs typeface="Times New Roman" panose="02020603050405020304" pitchFamily="18" charset="0"/>
               </a:rPr>
-              <a:t>. PREMSRIDEV 					(812420104071)</a:t>
+              <a:t>M. PREMSRIDEV 					(812420104071)</a:t>
             </a:r>
           </a:p>
           <a:p>
@@ -3887,14 +3807,7 @@
                 <a:latin typeface="Times New Roman" panose="02020603050405020304" pitchFamily="18" charset="0"/>
                 <a:cs typeface="Times New Roman" panose="02020603050405020304" pitchFamily="18" charset="0"/>
               </a:rPr>
-              <a:t>A. RAHMATHULLAH 				(812420104073</a:t>
-            </a:r>
-            <a:r>
-              <a:rPr lang="en-US" sz="2000" dirty="0" smtClean="0">
-                <a:latin typeface="Times New Roman" panose="02020603050405020304" pitchFamily="18" charset="0"/>
-                <a:cs typeface="Times New Roman" panose="02020603050405020304" pitchFamily="18" charset="0"/>
-              </a:rPr>
-              <a:t>)</a:t>
+              <a:t>A. RAHMATHULLAH 				(812420104073)</a:t>
             </a:r>
           </a:p>
           <a:p>
@@ -3904,39 +3817,11 @@
               </a:buClr>
             </a:pPr>
             <a:r>
-              <a:rPr lang="en-US" sz="2000" dirty="0" smtClean="0">
-                <a:latin typeface="Times New Roman" panose="02020603050405020304" pitchFamily="18" charset="0"/>
-                <a:cs typeface="Times New Roman" panose="02020603050405020304" pitchFamily="18" charset="0"/>
-              </a:rPr>
-              <a:t>T</a:t>
-            </a:r>
-            <a:r>
               <a:rPr lang="en-US" sz="2000" dirty="0">
                 <a:latin typeface="Times New Roman" panose="02020603050405020304" pitchFamily="18" charset="0"/>
                 <a:cs typeface="Times New Roman" panose="02020603050405020304" pitchFamily="18" charset="0"/>
               </a:rPr>
-              <a:t>. SHAIK MOHAMED </a:t>
-            </a:r>
-            <a:r>
-              <a:rPr lang="en-US" sz="2000" dirty="0" smtClean="0">
-                <a:latin typeface="Times New Roman" panose="02020603050405020304" pitchFamily="18" charset="0"/>
-                <a:cs typeface="Times New Roman" panose="02020603050405020304" pitchFamily="18" charset="0"/>
-              </a:rPr>
-              <a:t>FAHAD	</a:t>
-            </a:r>
-            <a:r>
-              <a:rPr lang="en-US" sz="2000" dirty="0">
-                <a:latin typeface="Times New Roman" panose="02020603050405020304" pitchFamily="18" charset="0"/>
-                <a:cs typeface="Times New Roman" panose="02020603050405020304" pitchFamily="18" charset="0"/>
-              </a:rPr>
-              <a:t>	(812420104083</a:t>
-            </a:r>
-            <a:r>
-              <a:rPr lang="en-US" sz="2000" dirty="0" smtClean="0">
-                <a:latin typeface="Times New Roman" panose="02020603050405020304" pitchFamily="18" charset="0"/>
-                <a:cs typeface="Times New Roman" panose="02020603050405020304" pitchFamily="18" charset="0"/>
-              </a:rPr>
-              <a:t>)</a:t>
+              <a:t>T. SHAIK MOHAMED FAHAD		(812420104083)</a:t>
             </a:r>
           </a:p>
         </p:txBody>
@@ -6143,16 +6028,12 @@
             <a:lstStyle/>
             <a:p>
               <a:r>
-                <a:rPr lang="en-US" sz="900" b="1" dirty="0" smtClean="0">
+                <a:rPr lang="en-US" sz="900" b="1" dirty="0">
                   <a:latin typeface="Franklin Gothic Heavy" panose="020B0903020102020204" pitchFamily="34" charset="0"/>
                   <a:cs typeface="Cascadia Mono SemiBold" panose="020B0609020000020004" pitchFamily="49" charset="0"/>
                 </a:rPr>
                 <a:t>PROGRESS THROUGH KNOWLEDGE</a:t>
               </a:r>
-              <a:endParaRPr lang="en-US" sz="900" b="1" dirty="0">
-                <a:latin typeface="Franklin Gothic Heavy" panose="020B0903020102020204" pitchFamily="34" charset="0"/>
-                <a:cs typeface="Cascadia Mono SemiBold" panose="020B0609020000020004" pitchFamily="49" charset="0"/>
-              </a:endParaRPr>
             </a:p>
           </p:txBody>
         </p:sp>
@@ -6200,164 +6081,20 @@
   <p:clrMapOvr>
     <a:masterClrMapping/>
   </p:clrMapOvr>
-  <mc:AlternateContent xmlns:mc="http://schemas.openxmlformats.org/markup-compatibility/2006" xmlns:p14="http://schemas.microsoft.com/office/powerpoint/2010/main">
-    <mc:Choice Requires="p14">
+  <mc:AlternateContent xmlns:mc="http://schemas.openxmlformats.org/markup-compatibility/2006">
+    <mc:Choice xmlns:p14="http://schemas.microsoft.com/office/powerpoint/2010/main" Requires="p14">
       <p:transition p14:dur="0"/>
     </mc:Choice>
-    <mc:Fallback xmlns="">
+    <mc:Fallback>
       <p:transition/>
     </mc:Fallback>
   </mc:AlternateContent>
   <p:timing>
     <p:tnLst>
       <p:par>
-        <p:cTn id="1" dur="indefinite" restart="never" nodeType="tmRoot">
-          <p:childTnLst>
-            <p:seq concurrent="1" nextAc="seek">
-              <p:cTn id="2" dur="indefinite" nodeType="mainSeq">
-                <p:childTnLst>
-                  <p:par>
-                    <p:cTn id="3" fill="hold">
-                      <p:stCondLst>
-                        <p:cond delay="indefinite"/>
-                        <p:cond evt="onBegin" delay="0">
-                          <p:tn val="2"/>
-                        </p:cond>
-                      </p:stCondLst>
-                      <p:childTnLst>
-                        <p:par>
-                          <p:cTn id="4" fill="hold">
-                            <p:stCondLst>
-                              <p:cond delay="0"/>
-                            </p:stCondLst>
-                            <p:childTnLst>
-                              <p:par>
-                                <p:cTn id="5" presetID="1" presetClass="entr" presetSubtype="0" fill="hold" grpId="0" nodeType="withEffect">
-                                  <p:stCondLst>
-                                    <p:cond delay="6100"/>
-                                  </p:stCondLst>
-                                  <p:iterate type="lt">
-                                    <p:tmAbs val="100"/>
-                                  </p:iterate>
-                                  <p:childTnLst>
-                                    <p:set>
-                                      <p:cBhvr>
-                                        <p:cTn id="6" dur="1" fill="hold">
-                                          <p:stCondLst>
-                                            <p:cond delay="0"/>
-                                          </p:stCondLst>
-                                        </p:cTn>
-                                        <p:tgtEl>
-                                          <p:spTgt spid="2"/>
-                                        </p:tgtEl>
-                                        <p:attrNameLst>
-                                          <p:attrName>style.visibility</p:attrName>
-                                        </p:attrNameLst>
-                                      </p:cBhvr>
-                                      <p:to>
-                                        <p:strVal val="visible"/>
-                                      </p:to>
-                                    </p:set>
-                                  </p:childTnLst>
-                                </p:cTn>
-                              </p:par>
-                              <p:par>
-                                <p:cTn id="7" presetID="1" presetClass="entr" presetSubtype="0" fill="hold" grpId="0" nodeType="withEffect">
-                                  <p:stCondLst>
-                                    <p:cond delay="4100"/>
-                                  </p:stCondLst>
-                                  <p:iterate type="wd">
-                                    <p:tmAbs val="100"/>
-                                  </p:iterate>
-                                  <p:childTnLst>
-                                    <p:set>
-                                      <p:cBhvr>
-                                        <p:cTn id="8" dur="1" fill="hold">
-                                          <p:stCondLst>
-                                            <p:cond delay="0"/>
-                                          </p:stCondLst>
-                                        </p:cTn>
-                                        <p:tgtEl>
-                                          <p:spTgt spid="7"/>
-                                        </p:tgtEl>
-                                        <p:attrNameLst>
-                                          <p:attrName>style.visibility</p:attrName>
-                                        </p:attrNameLst>
-                                      </p:cBhvr>
-                                      <p:to>
-                                        <p:strVal val="visible"/>
-                                      </p:to>
-                                    </p:set>
-                                  </p:childTnLst>
-                                </p:cTn>
-                              </p:par>
-                              <p:par>
-                                <p:cTn id="9" presetID="14" presetClass="entr" presetSubtype="10" fill="hold" grpId="0" nodeType="withEffect">
-                                  <p:stCondLst>
-                                    <p:cond delay="6800"/>
-                                  </p:stCondLst>
-                                  <p:childTnLst>
-                                    <p:set>
-                                      <p:cBhvr>
-                                        <p:cTn id="10" dur="1" fill="hold">
-                                          <p:stCondLst>
-                                            <p:cond delay="0"/>
-                                          </p:stCondLst>
-                                        </p:cTn>
-                                        <p:tgtEl>
-                                          <p:spTgt spid="6"/>
-                                        </p:tgtEl>
-                                        <p:attrNameLst>
-                                          <p:attrName>style.visibility</p:attrName>
-                                        </p:attrNameLst>
-                                      </p:cBhvr>
-                                      <p:to>
-                                        <p:strVal val="visible"/>
-                                      </p:to>
-                                    </p:set>
-                                    <p:animEffect transition="in" filter="randombar(horizontal)">
-                                      <p:cBhvr>
-                                        <p:cTn id="11" dur="2500"/>
-                                        <p:tgtEl>
-                                          <p:spTgt spid="6"/>
-                                        </p:tgtEl>
-                                      </p:cBhvr>
-                                    </p:animEffect>
-                                  </p:childTnLst>
-                                </p:cTn>
-                              </p:par>
-                            </p:childTnLst>
-                          </p:cTn>
-                        </p:par>
-                      </p:childTnLst>
-                    </p:cTn>
-                  </p:par>
-                </p:childTnLst>
-              </p:cTn>
-              <p:prevCondLst>
-                <p:cond evt="onPrev" delay="0">
-                  <p:tgtEl>
-                    <p:sldTgt/>
-                  </p:tgtEl>
-                </p:cond>
-              </p:prevCondLst>
-              <p:nextCondLst>
-                <p:cond evt="onNext" delay="0">
-                  <p:tgtEl>
-                    <p:sldTgt/>
-                  </p:tgtEl>
-                </p:cond>
-              </p:nextCondLst>
-            </p:seq>
-          </p:childTnLst>
-        </p:cTn>
+        <p:cTn id="1" dur="indefinite" restart="never" nodeType="tmRoot"/>
       </p:par>
     </p:tnLst>
-    <p:bldLst>
-      <p:bldP spid="2" grpId="0"/>
-      <p:bldP spid="6" grpId="0"/>
-      <p:bldP spid="7" grpId="0"/>
-    </p:bldLst>
   </p:timing>
 </p:sld>
 </file>
@@ -6392,45 +6129,54 @@
         <p:spPr>
           <a:xfrm>
             <a:off x="609600" y="245455"/>
-            <a:ext cx="10972800" cy="630034"/>
+            <a:ext cx="10972800" cy="673812"/>
           </a:xfrm>
         </p:spPr>
         <p:txBody>
           <a:bodyPr>
-            <a:normAutofit fontScale="90000"/>
+            <a:normAutofit/>
           </a:bodyPr>
           <a:lstStyle/>
           <a:p>
             <a:r>
-              <a:rPr lang="en-US" sz="3600" b="1" dirty="0">
+              <a:rPr lang="en-US" sz="3600" dirty="0">
                 <a:latin typeface="Times New Roman" panose="02020603050405020304" pitchFamily="18" charset="0"/>
                 <a:cs typeface="Times New Roman" panose="02020603050405020304" pitchFamily="18" charset="0"/>
               </a:rPr>
-              <a:t>OBJECTIVE</a:t>
-            </a:r>
-            <a:endParaRPr lang="en-US" sz="3600" b="1" dirty="0"/>
-          </a:p>
-        </p:txBody>
-      </p:sp>
-      <p:sp>
-        <p:nvSpPr>
-          <p:cNvPr id="5" name="TextBox 4"/>
-          <p:cNvSpPr txBox="1"/>
-          <p:nvPr/>
+              <a:t> </a:t>
+            </a:r>
+            <a:r>
+              <a:rPr lang="en-US" sz="3600" b="1" dirty="0" smtClean="0">
+                <a:latin typeface="Times New Roman" panose="02020603050405020304" pitchFamily="18" charset="0"/>
+                <a:cs typeface="Times New Roman" panose="02020603050405020304" pitchFamily="18" charset="0"/>
+              </a:rPr>
+              <a:t>DOMAIN</a:t>
+            </a:r>
+            <a:endParaRPr lang="en-US" sz="3600" dirty="0">
+              <a:latin typeface="Times New Roman" pitchFamily="18" charset="0"/>
+            </a:endParaRPr>
+          </a:p>
+        </p:txBody>
+      </p:sp>
+      <p:sp>
+        <p:nvSpPr>
+          <p:cNvPr id="4" name="Text Placeholder 3"/>
+          <p:cNvSpPr>
+            <a:spLocks noGrp="1"/>
+          </p:cNvSpPr>
+          <p:nvPr>
+            <p:ph idx="1"/>
+          </p:nvPr>
         </p:nvSpPr>
         <p:spPr>
           <a:xfrm>
-            <a:off x="1067942" y="1080272"/>
-            <a:ext cx="10056115" cy="4467057"/>
+            <a:off x="1342418" y="1444009"/>
+            <a:ext cx="9065366" cy="740398"/>
           </a:xfrm>
-          <a:prstGeom prst="rect">
-            <a:avLst/>
-          </a:prstGeom>
-          <a:noFill/>
         </p:spPr>
         <p:txBody>
-          <a:bodyPr wrap="square" rtlCol="0">
-            <a:spAutoFit/>
+          <a:bodyPr>
+            <a:noAutofit/>
           </a:bodyPr>
           <a:lstStyle/>
           <a:p>
@@ -6438,45 +6184,41 @@
               <a:lnSpc>
                 <a:spcPct val="150000"/>
               </a:lnSpc>
+              <a:buFont typeface="Wingdings" panose="05000000000000000000" pitchFamily="2" charset="2"/>
+              <a:buChar char="Ø"/>
             </a:pPr>
             <a:r>
-              <a:rPr lang="en-US" sz="2400" dirty="0"/>
-              <a:t>Develop a highly secure and reliable Chat API, named Secure Chat API, designed to facilitate encrypted communication within a Chat Application. The primary focus will be on implementing robust encryption protocols to ensure the confidentiality of messages. Additionally, integrate </a:t>
-            </a:r>
-            <a:r>
-              <a:rPr lang="en-US" sz="2400" dirty="0" err="1"/>
-              <a:t>Blockchain</a:t>
-            </a:r>
-            <a:r>
-              <a:rPr lang="en-US" sz="2400" dirty="0"/>
-              <a:t> Authentication mechanisms to enhance user identity verification and authentication, thereby fortifying the overall security posture of the Chat API. The objective is to deliver a cutting-edge, privacy-centric communication solution that prioritizes user data protection and authentication integrity</a:t>
-            </a:r>
-            <a:r>
-              <a:rPr lang="en-US" sz="2400" dirty="0" smtClean="0"/>
-              <a:t>.</a:t>
-            </a:r>
-            <a:endParaRPr lang="en-US" sz="2400" dirty="0"/>
+              <a:rPr lang="en-US" sz="2400" dirty="0" smtClean="0">
+                <a:latin typeface="Times New Roman" panose="02020603050405020304" pitchFamily="18" charset="0"/>
+                <a:cs typeface="Times New Roman" panose="02020603050405020304" pitchFamily="18" charset="0"/>
+              </a:rPr>
+              <a:t>Software Development</a:t>
+            </a:r>
+            <a:endParaRPr lang="en-US" sz="2400" dirty="0">
+              <a:latin typeface="Times New Roman" panose="02020603050405020304" pitchFamily="18" charset="0"/>
+              <a:cs typeface="Times New Roman" panose="02020603050405020304" pitchFamily="18" charset="0"/>
+            </a:endParaRPr>
           </a:p>
         </p:txBody>
       </p:sp>
     </p:spTree>
     <p:extLst>
       <p:ext uri="{BB962C8B-B14F-4D97-AF65-F5344CB8AC3E}">
-        <p14:creationId xmlns:p14="http://schemas.microsoft.com/office/powerpoint/2010/main" val="1613798898"/>
+        <p14:creationId xmlns:p14="http://schemas.microsoft.com/office/powerpoint/2010/main" val="3543076718"/>
       </p:ext>
     </p:extLst>
   </p:cSld>
   <p:clrMapOvr>
     <a:masterClrMapping/>
   </p:clrMapOvr>
-  <mc:AlternateContent xmlns:mc="http://schemas.openxmlformats.org/markup-compatibility/2006" xmlns:p14="http://schemas.microsoft.com/office/powerpoint/2010/main">
-    <mc:Choice Requires="p14">
-      <p:transition spd="slow" p14:dur="900">
-        <p14:warp dir="in"/>
+  <mc:AlternateContent xmlns:mc="http://schemas.openxmlformats.org/markup-compatibility/2006">
+    <mc:Choice xmlns:p14="http://schemas.microsoft.com/office/powerpoint/2010/main" Requires="p14">
+      <p:transition spd="med" p14:dur="700">
+        <p:fade/>
       </p:transition>
     </mc:Choice>
-    <mc:Fallback xmlns="">
-      <p:transition spd="slow">
+    <mc:Fallback>
+      <p:transition spd="med">
         <p:fade/>
       </p:transition>
     </mc:Fallback>
@@ -6542,7 +6284,7 @@
                 <a:latin typeface="Times New Roman" panose="02020603050405020304" pitchFamily="18" charset="0"/>
                 <a:cs typeface="Times New Roman" panose="02020603050405020304" pitchFamily="18" charset="0"/>
               </a:rPr>
-              <a:t>INTRODUCTION</a:t>
+              <a:t>ABSTRACT</a:t>
             </a:r>
             <a:endParaRPr lang="en-US" sz="3600" dirty="0">
               <a:latin typeface="Times New Roman" pitchFamily="18" charset="0"/>
@@ -6562,8 +6304,8 @@
         </p:nvSpPr>
         <p:spPr>
           <a:xfrm>
-            <a:off x="559340" y="919267"/>
-            <a:ext cx="11073319" cy="5578810"/>
+            <a:off x="559340" y="1273228"/>
+            <a:ext cx="11073319" cy="4783443"/>
           </a:xfrm>
         </p:spPr>
         <p:txBody>
@@ -6572,61 +6314,77 @@
           </a:bodyPr>
           <a:lstStyle/>
           <a:p>
-            <a:pPr marL="0" indent="0" algn="just">
+            <a:pPr algn="just">
               <a:lnSpc>
                 <a:spcPct val="150000"/>
               </a:lnSpc>
-              <a:buNone/>
+              <a:buFont typeface="Wingdings" panose="05000000000000000000" pitchFamily="2" charset="2"/>
+              <a:buChar char="Ø"/>
             </a:pPr>
             <a:r>
-              <a:rPr lang="en-US" sz="2400" dirty="0"/>
-              <a:t>In an era where digital communication plays a pivotal role in our daily lives, ensuring the </a:t>
-            </a:r>
-            <a:r>
-              <a:rPr lang="en-US" sz="2400" dirty="0" smtClean="0"/>
-              <a:t>confidentiality </a:t>
-            </a:r>
-            <a:r>
-              <a:rPr lang="en-US" sz="2400" dirty="0"/>
-              <a:t>and integrity of our conversations is paramount. Introducing the "Secure Chat API," a revolutionary development in the realm of encrypted communication. This cutting-edge Chat Application Program Interface (API) not only prioritizes user privacy through robust encryption but also leverages the power of </a:t>
-            </a:r>
-            <a:r>
-              <a:rPr lang="en-US" sz="2400" dirty="0" err="1"/>
-              <a:t>blockchain</a:t>
-            </a:r>
-            <a:r>
-              <a:rPr lang="en-US" sz="2400" dirty="0"/>
-              <a:t> authentication for an unprecedented level of security. In this age of cyber threats and data breaches, the Secure Chat API stands as a formidable solution, providing users with a trustworthy and resilient platform for confidential conversations. Join us as we delve into the innovative fusion of encryption and </a:t>
-            </a:r>
-            <a:r>
-              <a:rPr lang="en-US" sz="2400" dirty="0" err="1"/>
-              <a:t>blockchain</a:t>
-            </a:r>
-            <a:r>
-              <a:rPr lang="en-US" sz="2400" dirty="0"/>
-              <a:t> technology, redefining the standards for secure communication in the digital landscape</a:t>
-            </a:r>
-            <a:r>
-              <a:rPr lang="en-US" sz="2400" dirty="0" smtClean="0"/>
-              <a:t>.</a:t>
-            </a:r>
-            <a:endParaRPr lang="en-US" sz="2400" dirty="0"/>
+              <a:rPr lang="en-US" sz="2400" dirty="0">
+                <a:latin typeface="Times New Roman" panose="02020603050405020304" pitchFamily="18" charset="0"/>
+                <a:cs typeface="Times New Roman" panose="02020603050405020304" pitchFamily="18" charset="0"/>
+              </a:rPr>
+              <a:t>The "Secure Chat API" introduces a robust and privacy-focused Encrypted Chat Application Program Interface (API) enhanced by Blockchain Authentication. </a:t>
+            </a:r>
+          </a:p>
+          <a:p>
+            <a:pPr algn="just">
+              <a:lnSpc>
+                <a:spcPct val="150000"/>
+              </a:lnSpc>
+              <a:buFont typeface="Wingdings" panose="05000000000000000000" pitchFamily="2" charset="2"/>
+              <a:buChar char="Ø"/>
+            </a:pPr>
+            <a:r>
+              <a:rPr lang="en-US" sz="2400" dirty="0">
+                <a:latin typeface="Times New Roman" panose="02020603050405020304" pitchFamily="18" charset="0"/>
+                <a:cs typeface="Times New Roman" panose="02020603050405020304" pitchFamily="18" charset="0"/>
+              </a:rPr>
+              <a:t>This API facilitates the development of secure communication applications by integrating end-to-end encryption protocols, ensuring the confidentiality and integrity of user messages. </a:t>
+            </a:r>
+          </a:p>
+          <a:p>
+            <a:pPr algn="just">
+              <a:lnSpc>
+                <a:spcPct val="150000"/>
+              </a:lnSpc>
+              <a:buFont typeface="Wingdings" panose="05000000000000000000" pitchFamily="2" charset="2"/>
+              <a:buChar char="Ø"/>
+            </a:pPr>
+            <a:r>
+              <a:rPr lang="en-US" sz="2400" dirty="0">
+                <a:latin typeface="Times New Roman" panose="02020603050405020304" pitchFamily="18" charset="0"/>
+                <a:cs typeface="Times New Roman" panose="02020603050405020304" pitchFamily="18" charset="0"/>
+              </a:rPr>
+              <a:t>This integration marks a significant step towards fostering trust in communication platforms by prioritizing user privacy and security in the evolving landscape of digital communication.</a:t>
+            </a:r>
           </a:p>
         </p:txBody>
       </p:sp>
     </p:spTree>
     <p:extLst>
       <p:ext uri="{BB962C8B-B14F-4D97-AF65-F5344CB8AC3E}">
-        <p14:creationId xmlns:p14="http://schemas.microsoft.com/office/powerpoint/2010/main" val="1832769471"/>
+        <p14:creationId xmlns:p14="http://schemas.microsoft.com/office/powerpoint/2010/main" val="3927590374"/>
       </p:ext>
     </p:extLst>
   </p:cSld>
   <p:clrMapOvr>
     <a:masterClrMapping/>
   </p:clrMapOvr>
-  <p:transition spd="slow">
-    <p:push dir="u"/>
-  </p:transition>
+  <mc:AlternateContent xmlns:mc="http://schemas.openxmlformats.org/markup-compatibility/2006">
+    <mc:Choice xmlns:p14="http://schemas.microsoft.com/office/powerpoint/2010/main" Requires="p14">
+      <p:transition spd="med" p14:dur="700">
+        <p:fade/>
+      </p:transition>
+    </mc:Choice>
+    <mc:Fallback>
+      <p:transition spd="med">
+        <p:fade/>
+      </p:transition>
+    </mc:Fallback>
+  </mc:AlternateContent>
   <p:timing>
     <p:tnLst>
       <p:par>
@@ -6677,18 +6435,18 @@
           <a:lstStyle/>
           <a:p>
             <a:r>
-              <a:rPr lang="en-US" sz="3600" dirty="0" smtClean="0">
+              <a:rPr lang="en-US" sz="3600" dirty="0">
                 <a:latin typeface="Times New Roman" panose="02020603050405020304" pitchFamily="18" charset="0"/>
                 <a:cs typeface="Times New Roman" panose="02020603050405020304" pitchFamily="18" charset="0"/>
               </a:rPr>
               <a:t> </a:t>
             </a:r>
             <a:r>
-              <a:rPr lang="en-US" sz="3600" b="1" dirty="0" smtClean="0">
+              <a:rPr lang="en-US" sz="3600" b="1" dirty="0">
                 <a:latin typeface="Times New Roman" panose="02020603050405020304" pitchFamily="18" charset="0"/>
                 <a:cs typeface="Times New Roman" panose="02020603050405020304" pitchFamily="18" charset="0"/>
               </a:rPr>
-              <a:t>ABSTRACT</a:t>
+              <a:t>INTRODUCTION</a:t>
             </a:r>
             <a:endParaRPr lang="en-US" sz="3600" dirty="0">
               <a:latin typeface="Times New Roman" pitchFamily="18" charset="0"/>
@@ -6708,8 +6466,8 @@
         </p:nvSpPr>
         <p:spPr>
           <a:xfrm>
-            <a:off x="559340" y="582361"/>
-            <a:ext cx="11073319" cy="5578810"/>
+            <a:off x="559340" y="1381381"/>
+            <a:ext cx="11073319" cy="3554410"/>
           </a:xfrm>
         </p:spPr>
         <p:txBody>
@@ -6725,54 +6483,37 @@
               <a:buNone/>
             </a:pPr>
             <a:r>
-              <a:rPr lang="en-US" sz="2400" dirty="0" smtClean="0"/>
-              <a:t>The </a:t>
-            </a:r>
-            <a:r>
-              <a:rPr lang="en-US" sz="2400" dirty="0"/>
-              <a:t>"Secure Chat API" introduces a robust and privacy-focused Encrypted Chat Application Program Interface (API) enhanced by </a:t>
-            </a:r>
-            <a:r>
-              <a:rPr lang="en-US" sz="2400" dirty="0" err="1"/>
-              <a:t>Blockchain</a:t>
-            </a:r>
-            <a:r>
-              <a:rPr lang="en-US" sz="2400" dirty="0"/>
-              <a:t> Authentication. This API facilitates the development of secure communication applications by integrating end-to-end encryption protocols, ensuring the confidentiality and integrity of user messages. Leveraging </a:t>
-            </a:r>
-            <a:r>
-              <a:rPr lang="en-US" sz="2400" dirty="0" err="1"/>
-              <a:t>blockchain</a:t>
-            </a:r>
-            <a:r>
-              <a:rPr lang="en-US" sz="2400" dirty="0"/>
-              <a:t> technology for user authentication adds an extra layer of security, mitigating the risks associated with centralized authentication systems. The Secure Chat API empowers developers to create reliable and private chat applications while harnessing the decentralized and tamper-resistant nature of </a:t>
-            </a:r>
-            <a:r>
-              <a:rPr lang="en-US" sz="2400" dirty="0" err="1"/>
-              <a:t>blockchain</a:t>
-            </a:r>
-            <a:r>
-              <a:rPr lang="en-US" sz="2400" dirty="0"/>
-              <a:t> for enhanced user authentication and data protection. This integration marks a significant step towards fostering trust in communication platforms by prioritizing user privacy and security in the evolving landscape of digital communication.</a:t>
-            </a:r>
-            <a:endParaRPr lang="en-US" sz="2400" dirty="0"/>
+              <a:rPr lang="en-US" sz="2400" dirty="0">
+                <a:latin typeface="Times New Roman" panose="02020603050405020304" pitchFamily="18" charset="0"/>
+                <a:cs typeface="Times New Roman" panose="02020603050405020304" pitchFamily="18" charset="0"/>
+              </a:rPr>
+              <a:t>In an era where digital communication plays a pivotal role in our daily lives, ensuring the confidentiality and integrity of our conversations is paramount. Introducing the "Secure Chat API," a revolutionary development in the realm of encrypted communication. This cutting-edge Chat Application Program Interface (API) not only prioritizes user privacy through robust encryption but also leverages the power of blockchain authentication for an unprecedented level of security. </a:t>
+            </a:r>
           </a:p>
         </p:txBody>
       </p:sp>
     </p:spTree>
     <p:extLst>
       <p:ext uri="{BB962C8B-B14F-4D97-AF65-F5344CB8AC3E}">
-        <p14:creationId xmlns:p14="http://schemas.microsoft.com/office/powerpoint/2010/main" val="3543076718"/>
+        <p14:creationId xmlns:p14="http://schemas.microsoft.com/office/powerpoint/2010/main" val="1832769471"/>
       </p:ext>
     </p:extLst>
   </p:cSld>
   <p:clrMapOvr>
     <a:masterClrMapping/>
   </p:clrMapOvr>
-  <p:transition spd="slow">
-    <p:push dir="u"/>
-  </p:transition>
+  <mc:AlternateContent xmlns:mc="http://schemas.openxmlformats.org/markup-compatibility/2006">
+    <mc:Choice xmlns:p14="http://schemas.microsoft.com/office/powerpoint/2010/main" Requires="p14">
+      <p:transition spd="slow" p14:dur="1500">
+        <p:split orient="vert"/>
+      </p:transition>
+    </mc:Choice>
+    <mc:Fallback>
+      <p:transition spd="slow">
+        <p:split orient="vert"/>
+      </p:transition>
+    </mc:Fallback>
+  </mc:AlternateContent>
   <p:timing>
     <p:tnLst>
       <p:par>
@@ -6812,8 +6553,8 @@
         </p:nvSpPr>
         <p:spPr>
           <a:xfrm>
-            <a:off x="609600" y="245455"/>
-            <a:ext cx="10972800" cy="1143000"/>
+            <a:off x="609600" y="194655"/>
+            <a:ext cx="10972800" cy="799742"/>
           </a:xfrm>
         </p:spPr>
         <p:txBody>
@@ -6824,277 +6565,108 @@
           <a:p>
             <a:r>
               <a:rPr lang="en-US" sz="3600" b="1" dirty="0">
-                <a:latin typeface="Times New Roman" pitchFamily="18" charset="0"/>
+                <a:latin typeface="Times New Roman" panose="02020603050405020304" pitchFamily="18" charset="0"/>
+                <a:cs typeface="Times New Roman" panose="02020603050405020304" pitchFamily="18" charset="0"/>
               </a:rPr>
-              <a:t>SOFTWARE AND HARDWARE REQUIREMENTS</a:t>
-            </a:r>
-          </a:p>
-        </p:txBody>
-      </p:sp>
-      <p:sp>
-        <p:nvSpPr>
-          <p:cNvPr id="12" name="Content Placeholder 11"/>
-          <p:cNvSpPr>
-            <a:spLocks noGrp="1"/>
-          </p:cNvSpPr>
-          <p:nvPr>
-            <p:ph idx="1"/>
-          </p:nvPr>
+              <a:t>OBJECTIVE</a:t>
+            </a:r>
+            <a:endParaRPr lang="en-US" sz="3600" b="1" dirty="0"/>
+          </a:p>
+        </p:txBody>
+      </p:sp>
+      <p:sp>
+        <p:nvSpPr>
+          <p:cNvPr id="5" name="TextBox 4"/>
+          <p:cNvSpPr txBox="1"/>
+          <p:nvPr/>
         </p:nvSpPr>
         <p:spPr>
           <a:xfrm>
-            <a:off x="609600" y="1347284"/>
-            <a:ext cx="10972800" cy="4525963"/>
+            <a:off x="1067942" y="1345746"/>
+            <a:ext cx="10056115" cy="4467057"/>
           </a:xfrm>
+          <a:prstGeom prst="rect">
+            <a:avLst/>
+          </a:prstGeom>
+          <a:noFill/>
         </p:spPr>
         <p:txBody>
-          <a:bodyPr>
-            <a:normAutofit fontScale="85000" lnSpcReduction="10000"/>
+          <a:bodyPr wrap="square" rtlCol="0">
+            <a:spAutoFit/>
           </a:bodyPr>
           <a:lstStyle/>
           <a:p>
-            <a:pPr>
+            <a:pPr marL="342900" indent="-342900" algn="just">
               <a:lnSpc>
                 <a:spcPct val="150000"/>
               </a:lnSpc>
-              <a:buNone/>
+              <a:buFont typeface="Wingdings" panose="05000000000000000000" pitchFamily="2" charset="2"/>
+              <a:buChar char="Ø"/>
             </a:pPr>
-            <a:r>
-              <a:rPr lang="en-US" sz="2400" b="1" dirty="0">
-                <a:latin typeface="Times New Roman" panose="02020603050405020304" pitchFamily="18" charset="0"/>
-                <a:cs typeface="Times New Roman" panose="02020603050405020304" pitchFamily="18" charset="0"/>
-              </a:rPr>
-              <a:t>FRONT END </a:t>
-            </a:r>
-          </a:p>
-          <a:p>
-            <a:pPr>
-              <a:lnSpc>
-                <a:spcPct val="150000"/>
-              </a:lnSpc>
-            </a:pPr>
-            <a:r>
-              <a:rPr lang="en-US" sz="2400" dirty="0" smtClean="0">
-                <a:latin typeface="Times New Roman" panose="02020603050405020304" pitchFamily="18" charset="0"/>
-                <a:cs typeface="Times New Roman" panose="02020603050405020304" pitchFamily="18" charset="0"/>
-              </a:rPr>
-              <a:t>Python (Toolkit Interface - </a:t>
-            </a:r>
-            <a:r>
-              <a:rPr lang="en-US" sz="2400" dirty="0" err="1" smtClean="0">
-                <a:latin typeface="Times New Roman" panose="02020603050405020304" pitchFamily="18" charset="0"/>
-                <a:cs typeface="Times New Roman" panose="02020603050405020304" pitchFamily="18" charset="0"/>
-              </a:rPr>
-              <a:t>Tkinter</a:t>
-            </a:r>
-            <a:r>
-              <a:rPr lang="en-US" sz="2400" dirty="0" smtClean="0">
-                <a:latin typeface="Times New Roman" panose="02020603050405020304" pitchFamily="18" charset="0"/>
-                <a:cs typeface="Times New Roman" panose="02020603050405020304" pitchFamily="18" charset="0"/>
-              </a:rPr>
-              <a:t>)</a:t>
-            </a:r>
-            <a:endParaRPr lang="en-US" sz="2400" b="1" dirty="0">
-              <a:latin typeface="Times New Roman" panose="02020603050405020304" pitchFamily="18" charset="0"/>
-              <a:cs typeface="Times New Roman" panose="02020603050405020304" pitchFamily="18" charset="0"/>
-            </a:endParaRPr>
-          </a:p>
-          <a:p>
-            <a:pPr>
-              <a:lnSpc>
-                <a:spcPct val="150000"/>
-              </a:lnSpc>
-              <a:buNone/>
-            </a:pPr>
-            <a:r>
-              <a:rPr lang="en-US" sz="2400" b="1" dirty="0">
-                <a:latin typeface="Times New Roman" panose="02020603050405020304" pitchFamily="18" charset="0"/>
-                <a:cs typeface="Times New Roman" panose="02020603050405020304" pitchFamily="18" charset="0"/>
-              </a:rPr>
-              <a:t>BACK END</a:t>
-            </a:r>
-          </a:p>
-          <a:p>
-            <a:pPr>
-              <a:lnSpc>
-                <a:spcPct val="150000"/>
-              </a:lnSpc>
-            </a:pPr>
-            <a:r>
-              <a:rPr lang="en-US" sz="2400" dirty="0" smtClean="0">
-                <a:latin typeface="Times New Roman" panose="02020603050405020304" pitchFamily="18" charset="0"/>
-                <a:cs typeface="Times New Roman" panose="02020603050405020304" pitchFamily="18" charset="0"/>
-              </a:rPr>
-              <a:t>Python (threading, socket</a:t>
-            </a:r>
             <a:r>
               <a:rPr lang="en-US" sz="2400" dirty="0">
                 <a:latin typeface="Times New Roman" panose="02020603050405020304" pitchFamily="18" charset="0"/>
                 <a:cs typeface="Times New Roman" panose="02020603050405020304" pitchFamily="18" charset="0"/>
               </a:rPr>
-              <a:t>, </a:t>
-            </a:r>
-            <a:r>
-              <a:rPr lang="en-US" sz="2400" dirty="0" err="1" smtClean="0">
-                <a:latin typeface="Times New Roman" panose="02020603050405020304" pitchFamily="18" charset="0"/>
-                <a:cs typeface="Times New Roman" panose="02020603050405020304" pitchFamily="18" charset="0"/>
-              </a:rPr>
-              <a:t>cryptography.fernet</a:t>
-            </a:r>
+              <a:t>Develop a highly secure and reliable Chat API, named Secure Chat API, designed to facilitate encrypted communication within a Chat Application. </a:t>
+            </a:r>
+          </a:p>
+          <a:p>
+            <a:pPr marL="342900" indent="-342900" algn="just">
+              <a:lnSpc>
+                <a:spcPct val="150000"/>
+              </a:lnSpc>
+              <a:buFont typeface="Wingdings" panose="05000000000000000000" pitchFamily="2" charset="2"/>
+              <a:buChar char="Ø"/>
+            </a:pPr>
             <a:r>
               <a:rPr lang="en-US" sz="2400" dirty="0">
                 <a:latin typeface="Times New Roman" panose="02020603050405020304" pitchFamily="18" charset="0"/>
                 <a:cs typeface="Times New Roman" panose="02020603050405020304" pitchFamily="18" charset="0"/>
               </a:rPr>
-              <a:t>, </a:t>
-            </a:r>
-            <a:r>
-              <a:rPr lang="en-US" sz="2400" dirty="0" err="1" smtClean="0">
-                <a:latin typeface="Times New Roman" panose="02020603050405020304" pitchFamily="18" charset="0"/>
-                <a:cs typeface="Times New Roman" panose="02020603050405020304" pitchFamily="18" charset="0"/>
-              </a:rPr>
-              <a:t>hashlib</a:t>
-            </a:r>
-            <a:r>
-              <a:rPr lang="en-US" sz="2400" dirty="0" smtClean="0">
-                <a:latin typeface="Times New Roman" panose="02020603050405020304" pitchFamily="18" charset="0"/>
-                <a:cs typeface="Times New Roman" panose="02020603050405020304" pitchFamily="18" charset="0"/>
-              </a:rPr>
-              <a:t>)</a:t>
-            </a:r>
-            <a:endParaRPr lang="en-US" sz="2400" dirty="0" smtClean="0">
-              <a:latin typeface="Times New Roman" panose="02020603050405020304" pitchFamily="18" charset="0"/>
-              <a:cs typeface="Times New Roman" panose="02020603050405020304" pitchFamily="18" charset="0"/>
-            </a:endParaRPr>
-          </a:p>
-          <a:p>
-            <a:pPr marL="0" indent="0">
+              <a:t>The primary focus will be on implementing robust encryption protocols among the various platforms without implementing the actual cryptographic technique.</a:t>
+            </a:r>
+          </a:p>
+          <a:p>
+            <a:pPr marL="342900" indent="-342900" algn="just">
               <a:lnSpc>
                 <a:spcPct val="150000"/>
               </a:lnSpc>
-              <a:buNone/>
-            </a:pPr>
-            <a:r>
-              <a:rPr lang="en-US" sz="2400" b="1" dirty="0" smtClean="0">
-                <a:latin typeface="Times New Roman" panose="02020603050405020304" pitchFamily="18" charset="0"/>
-                <a:cs typeface="Times New Roman" panose="02020603050405020304" pitchFamily="18" charset="0"/>
-              </a:rPr>
-              <a:t>HARDWARE</a:t>
-            </a:r>
-            <a:endParaRPr lang="en-US" sz="2400" b="1" dirty="0" smtClean="0">
-              <a:latin typeface="Times New Roman" panose="02020603050405020304" pitchFamily="18" charset="0"/>
-              <a:cs typeface="Times New Roman" panose="02020603050405020304" pitchFamily="18" charset="0"/>
-            </a:endParaRPr>
-          </a:p>
-          <a:p>
-            <a:pPr>
-              <a:lnSpc>
-                <a:spcPct val="150000"/>
-              </a:lnSpc>
+              <a:buFont typeface="Wingdings" panose="05000000000000000000" pitchFamily="2" charset="2"/>
+              <a:buChar char="Ø"/>
             </a:pPr>
             <a:r>
               <a:rPr lang="en-US" sz="2400" dirty="0">
                 <a:latin typeface="Times New Roman" panose="02020603050405020304" pitchFamily="18" charset="0"/>
                 <a:cs typeface="Times New Roman" panose="02020603050405020304" pitchFamily="18" charset="0"/>
               </a:rPr>
-              <a:t>Basic requirements for a </a:t>
-            </a:r>
-            <a:r>
-              <a:rPr lang="en-US" sz="2400" dirty="0" smtClean="0">
-                <a:latin typeface="Times New Roman" panose="02020603050405020304" pitchFamily="18" charset="0"/>
-                <a:cs typeface="Times New Roman" panose="02020603050405020304" pitchFamily="18" charset="0"/>
-              </a:rPr>
-              <a:t>system</a:t>
-            </a:r>
-            <a:endParaRPr lang="en-US" sz="2400" dirty="0">
-              <a:latin typeface="Times New Roman" panose="02020603050405020304" pitchFamily="18" charset="0"/>
-              <a:cs typeface="Times New Roman" panose="02020603050405020304" pitchFamily="18" charset="0"/>
-            </a:endParaRPr>
-          </a:p>
-          <a:p>
-            <a:pPr marL="0" indent="0">
-              <a:lnSpc>
-                <a:spcPct val="150000"/>
-              </a:lnSpc>
-              <a:buNone/>
-            </a:pPr>
-            <a:r>
-              <a:rPr lang="en-US" sz="2400" b="1" dirty="0" smtClean="0">
-                <a:latin typeface="Times New Roman" panose="02020603050405020304" pitchFamily="18" charset="0"/>
-                <a:cs typeface="Times New Roman" panose="02020603050405020304" pitchFamily="18" charset="0"/>
-              </a:rPr>
-              <a:t>SPECIFICATION</a:t>
-            </a:r>
-            <a:endParaRPr lang="en-US" sz="2400" b="1" dirty="0">
-              <a:latin typeface="Times New Roman" panose="02020603050405020304" pitchFamily="18" charset="0"/>
-              <a:cs typeface="Times New Roman" panose="02020603050405020304" pitchFamily="18" charset="0"/>
-            </a:endParaRPr>
-          </a:p>
-          <a:p>
-            <a:pPr>
-              <a:lnSpc>
-                <a:spcPct val="150000"/>
-              </a:lnSpc>
-            </a:pPr>
-            <a:r>
-              <a:rPr lang="en-US" sz="2400" dirty="0" smtClean="0">
-                <a:latin typeface="Times New Roman" panose="02020603050405020304" pitchFamily="18" charset="0"/>
-                <a:cs typeface="Times New Roman" panose="02020603050405020304" pitchFamily="18" charset="0"/>
-              </a:rPr>
-              <a:t>Minimum </a:t>
-            </a:r>
-            <a:r>
-              <a:rPr lang="en-US" sz="2400" dirty="0">
-                <a:latin typeface="Times New Roman" panose="02020603050405020304" pitchFamily="18" charset="0"/>
-                <a:cs typeface="Times New Roman" panose="02020603050405020304" pitchFamily="18" charset="0"/>
-              </a:rPr>
-              <a:t>4 GB </a:t>
-            </a:r>
-            <a:r>
-              <a:rPr lang="en-US" sz="2400" dirty="0" smtClean="0">
-                <a:latin typeface="Times New Roman" panose="02020603050405020304" pitchFamily="18" charset="0"/>
-                <a:cs typeface="Times New Roman" panose="02020603050405020304" pitchFamily="18" charset="0"/>
-              </a:rPr>
-              <a:t>ram</a:t>
-            </a:r>
-          </a:p>
-          <a:p>
-            <a:pPr>
-              <a:lnSpc>
-                <a:spcPct val="150000"/>
-              </a:lnSpc>
-            </a:pPr>
-            <a:r>
-              <a:rPr lang="en-US" sz="2400" dirty="0" smtClean="0">
-                <a:latin typeface="Times New Roman" panose="02020603050405020304" pitchFamily="18" charset="0"/>
-                <a:cs typeface="Times New Roman" panose="02020603050405020304" pitchFamily="18" charset="0"/>
-              </a:rPr>
-              <a:t>Window 8,10 and 11 </a:t>
-            </a:r>
-            <a:r>
-              <a:rPr lang="en-US" sz="2400" dirty="0" smtClean="0">
-                <a:latin typeface="Times New Roman" panose="02020603050405020304" pitchFamily="18" charset="0"/>
-                <a:cs typeface="Times New Roman" panose="02020603050405020304" pitchFamily="18" charset="0"/>
-              </a:rPr>
-              <a:t>versions</a:t>
-            </a:r>
-            <a:endParaRPr lang="en-US" sz="2400" dirty="0">
-              <a:latin typeface="Times New Roman" panose="02020603050405020304" pitchFamily="18" charset="0"/>
-              <a:cs typeface="Times New Roman" panose="02020603050405020304" pitchFamily="18" charset="0"/>
-            </a:endParaRPr>
+              <a:t>To integrate Blockchain Authentication mechanisms to enhance user identity verification and authentication, thereby fortifying the overall security posture of the Chat API. </a:t>
+            </a:r>
           </a:p>
         </p:txBody>
       </p:sp>
     </p:spTree>
     <p:extLst>
       <p:ext uri="{BB962C8B-B14F-4D97-AF65-F5344CB8AC3E}">
-        <p14:creationId xmlns:p14="http://schemas.microsoft.com/office/powerpoint/2010/main" val="4290836956"/>
+        <p14:creationId xmlns:p14="http://schemas.microsoft.com/office/powerpoint/2010/main" val="1613798898"/>
       </p:ext>
     </p:extLst>
   </p:cSld>
   <p:clrMapOvr>
     <a:masterClrMapping/>
   </p:clrMapOvr>
+  <mc:AlternateContent xmlns:mc="http://schemas.openxmlformats.org/markup-compatibility/2006">
+    <mc:Choice xmlns:p14="http://schemas.microsoft.com/office/powerpoint/2010/main" Requires="p14">
+      <p:transition spd="slow" p14:dur="800">
+        <p:circle/>
+      </p:transition>
+    </mc:Choice>
+    <mc:Fallback>
+      <p:transition spd="slow">
+        <p:circle/>
+      </p:transition>
+    </mc:Fallback>
+  </mc:AlternateContent>
   <p:timing>
     <p:tnLst>
       <p:par>
@@ -7134,8 +6706,607 @@
         </p:nvSpPr>
         <p:spPr>
           <a:xfrm>
-            <a:off x="452846" y="2547575"/>
+            <a:off x="609600" y="245455"/>
+            <a:ext cx="10972800" cy="673812"/>
+          </a:xfrm>
+        </p:spPr>
+        <p:txBody>
+          <a:bodyPr>
+            <a:normAutofit/>
+          </a:bodyPr>
+          <a:lstStyle/>
+          <a:p>
+            <a:r>
+              <a:rPr lang="en-US" sz="3600" dirty="0">
+                <a:latin typeface="Times New Roman" panose="02020603050405020304" pitchFamily="18" charset="0"/>
+                <a:cs typeface="Times New Roman" panose="02020603050405020304" pitchFamily="18" charset="0"/>
+              </a:rPr>
+              <a:t> </a:t>
+            </a:r>
+            <a:r>
+              <a:rPr lang="en-US" sz="3600" b="1" dirty="0">
+                <a:latin typeface="Times New Roman" panose="02020603050405020304" pitchFamily="18" charset="0"/>
+                <a:cs typeface="Times New Roman" panose="02020603050405020304" pitchFamily="18" charset="0"/>
+              </a:rPr>
+              <a:t>BASE PAPERS</a:t>
+            </a:r>
+            <a:endParaRPr lang="en-US" sz="3600" dirty="0">
+              <a:latin typeface="Times New Roman" pitchFamily="18" charset="0"/>
+            </a:endParaRPr>
+          </a:p>
+        </p:txBody>
+      </p:sp>
+      <p:sp>
+        <p:nvSpPr>
+          <p:cNvPr id="3" name="TextBox 2">
+            <a:extLst>
+              <a:ext uri="{FF2B5EF4-FFF2-40B4-BE49-F238E27FC236}">
+                <a16:creationId xmlns:a16="http://schemas.microsoft.com/office/drawing/2014/main" id="{A8CC6EC7-53F3-9BB9-DC3B-4702CB186EB2}"/>
+              </a:ext>
+            </a:extLst>
+          </p:cNvPr>
+          <p:cNvSpPr txBox="1"/>
+          <p:nvPr/>
+        </p:nvSpPr>
+        <p:spPr>
+          <a:xfrm>
+            <a:off x="887384" y="1469856"/>
+            <a:ext cx="10893136" cy="4524315"/>
+          </a:xfrm>
+          <a:prstGeom prst="rect">
+            <a:avLst/>
+          </a:prstGeom>
+          <a:noFill/>
+        </p:spPr>
+        <p:txBody>
+          <a:bodyPr wrap="square" rtlCol="0">
+            <a:spAutoFit/>
+          </a:bodyPr>
+          <a:lstStyle/>
+          <a:p>
+            <a:pPr marL="285750" indent="-285750">
+              <a:lnSpc>
+                <a:spcPct val="150000"/>
+              </a:lnSpc>
+              <a:buFont typeface="Wingdings" panose="05000000000000000000" pitchFamily="2" charset="2"/>
+              <a:buChar char="v"/>
+            </a:pPr>
+            <a:r>
+              <a:rPr lang="en-IN" sz="2400" dirty="0">
+                <a:latin typeface="Times New Roman" panose="02020603050405020304" pitchFamily="18" charset="0"/>
+                <a:cs typeface="Times New Roman" panose="02020603050405020304" pitchFamily="18" charset="0"/>
+              </a:rPr>
+              <a:t>[1]. Mirza K. B. Shuhan1, Tariqul Islam2. </a:t>
+            </a:r>
+            <a:r>
+              <a:rPr lang="en-IN" sz="2400" dirty="0" smtClean="0">
+                <a:latin typeface="Times New Roman" panose="02020603050405020304" pitchFamily="18" charset="0"/>
+                <a:cs typeface="Times New Roman" panose="02020603050405020304" pitchFamily="18" charset="0"/>
+              </a:rPr>
+              <a:t>IEEE (</a:t>
+            </a:r>
+            <a:r>
+              <a:rPr lang="en-IN" sz="2400" dirty="0" smtClean="0">
+                <a:latin typeface="Times New Roman" panose="02020603050405020304" pitchFamily="18" charset="0"/>
+                <a:cs typeface="Times New Roman" panose="02020603050405020304" pitchFamily="18" charset="0"/>
+                <a:hlinkClick r:id="rId2"/>
+              </a:rPr>
+              <a:t>arXiv:2308.04452v1</a:t>
+            </a:r>
+            <a:r>
+              <a:rPr lang="en-IN" sz="2400" dirty="0" smtClean="0">
+                <a:latin typeface="Times New Roman" panose="02020603050405020304" pitchFamily="18" charset="0"/>
+                <a:cs typeface="Times New Roman" panose="02020603050405020304" pitchFamily="18" charset="0"/>
+              </a:rPr>
+              <a:t>) </a:t>
+            </a:r>
+            <a:r>
+              <a:rPr lang="en-IN" sz="2400" dirty="0">
+                <a:latin typeface="Times New Roman" panose="02020603050405020304" pitchFamily="18" charset="0"/>
+                <a:cs typeface="Times New Roman" panose="02020603050405020304" pitchFamily="18" charset="0"/>
+              </a:rPr>
+              <a:t>[cs.CR] 5 Aug 2023. </a:t>
+            </a:r>
+            <a:r>
+              <a:rPr lang="en-US" sz="2400" dirty="0">
+                <a:latin typeface="Times New Roman" panose="02020603050405020304" pitchFamily="18" charset="0"/>
+                <a:cs typeface="Times New Roman" panose="02020603050405020304" pitchFamily="18" charset="0"/>
+              </a:rPr>
+              <a:t>Quarks: A Secure and </a:t>
+            </a:r>
+            <a:r>
+              <a:rPr lang="en-US" sz="2400" dirty="0" smtClean="0">
+                <a:latin typeface="Times New Roman" panose="02020603050405020304" pitchFamily="18" charset="0"/>
+                <a:cs typeface="Times New Roman" panose="02020603050405020304" pitchFamily="18" charset="0"/>
+              </a:rPr>
+              <a:t>Decentralized Block-chain Based </a:t>
+            </a:r>
+            <a:r>
+              <a:rPr lang="en-US" sz="2400" dirty="0">
+                <a:latin typeface="Times New Roman" panose="02020603050405020304" pitchFamily="18" charset="0"/>
+                <a:cs typeface="Times New Roman" panose="02020603050405020304" pitchFamily="18" charset="0"/>
+              </a:rPr>
+              <a:t>Messaging Network</a:t>
+            </a:r>
+          </a:p>
+          <a:p>
+            <a:pPr marL="285750" indent="-285750">
+              <a:lnSpc>
+                <a:spcPct val="150000"/>
+              </a:lnSpc>
+              <a:buFont typeface="Wingdings" panose="05000000000000000000" pitchFamily="2" charset="2"/>
+              <a:buChar char="v"/>
+            </a:pPr>
+            <a:r>
+              <a:rPr lang="en-IN" sz="2400" dirty="0" smtClean="0">
+                <a:latin typeface="Times New Roman" panose="02020603050405020304" pitchFamily="18" charset="0"/>
+                <a:cs typeface="Times New Roman" panose="02020603050405020304" pitchFamily="18" charset="0"/>
+              </a:rPr>
+              <a:t>[2]. </a:t>
+            </a:r>
+            <a:r>
+              <a:rPr lang="en-IN" sz="2400" dirty="0">
+                <a:latin typeface="Times New Roman" panose="02020603050405020304" pitchFamily="18" charset="0"/>
+                <a:cs typeface="Times New Roman" panose="02020603050405020304" pitchFamily="18" charset="0"/>
+              </a:rPr>
+              <a:t>Samira </a:t>
+            </a:r>
+            <a:r>
+              <a:rPr lang="en-IN" sz="2400" dirty="0" err="1">
+                <a:latin typeface="Times New Roman" panose="02020603050405020304" pitchFamily="18" charset="0"/>
+                <a:cs typeface="Times New Roman" panose="02020603050405020304" pitchFamily="18" charset="0"/>
+              </a:rPr>
+              <a:t>Prabhune</a:t>
+            </a:r>
+            <a:r>
+              <a:rPr lang="en-IN" sz="2400" dirty="0">
+                <a:latin typeface="Times New Roman" panose="02020603050405020304" pitchFamily="18" charset="0"/>
+                <a:cs typeface="Times New Roman" panose="02020603050405020304" pitchFamily="18" charset="0"/>
+              </a:rPr>
+              <a:t>, </a:t>
+            </a:r>
+            <a:r>
+              <a:rPr lang="en-IN" sz="2400" dirty="0" err="1">
+                <a:latin typeface="Times New Roman" panose="02020603050405020304" pitchFamily="18" charset="0"/>
+                <a:cs typeface="Times New Roman" panose="02020603050405020304" pitchFamily="18" charset="0"/>
+              </a:rPr>
+              <a:t>Sonal</a:t>
+            </a:r>
+            <a:r>
+              <a:rPr lang="en-IN" sz="2400" dirty="0">
+                <a:latin typeface="Times New Roman" panose="02020603050405020304" pitchFamily="18" charset="0"/>
+                <a:cs typeface="Times New Roman" panose="02020603050405020304" pitchFamily="18" charset="0"/>
+              </a:rPr>
+              <a:t> Sharma. IEEE (</a:t>
+            </a:r>
+            <a:r>
+              <a:rPr lang="en-IN" sz="2400" dirty="0">
+                <a:latin typeface="Times New Roman" panose="02020603050405020304" pitchFamily="18" charset="0"/>
+                <a:cs typeface="Times New Roman" panose="02020603050405020304" pitchFamily="18" charset="0"/>
+                <a:hlinkClick r:id="rId3"/>
+              </a:rPr>
+              <a:t>9725597</a:t>
+            </a:r>
+            <a:r>
+              <a:rPr lang="en-IN" sz="2400" dirty="0">
+                <a:latin typeface="Times New Roman" panose="02020603050405020304" pitchFamily="18" charset="0"/>
+                <a:cs typeface="Times New Roman" panose="02020603050405020304" pitchFamily="18" charset="0"/>
+              </a:rPr>
+              <a:t>). </a:t>
+            </a:r>
+            <a:r>
+              <a:rPr lang="en-US" sz="2400" dirty="0" smtClean="0">
+                <a:latin typeface="Times New Roman" panose="02020603050405020304" pitchFamily="18" charset="0"/>
+                <a:cs typeface="Times New Roman" panose="02020603050405020304" pitchFamily="18" charset="0"/>
+              </a:rPr>
+              <a:t>End-to-End </a:t>
+            </a:r>
+            <a:r>
+              <a:rPr lang="en-US" sz="2400" dirty="0">
+                <a:latin typeface="Times New Roman" panose="02020603050405020304" pitchFamily="18" charset="0"/>
+                <a:cs typeface="Times New Roman" panose="02020603050405020304" pitchFamily="18" charset="0"/>
+              </a:rPr>
+              <a:t>Encryption for Chat App with Dynamic Encryption Key</a:t>
+            </a:r>
+          </a:p>
+          <a:p>
+            <a:pPr marL="285750" indent="-285750">
+              <a:lnSpc>
+                <a:spcPct val="150000"/>
+              </a:lnSpc>
+              <a:buFont typeface="Wingdings" panose="05000000000000000000" pitchFamily="2" charset="2"/>
+              <a:buChar char="v"/>
+            </a:pPr>
+            <a:r>
+              <a:rPr lang="en-IN" sz="2400" dirty="0" smtClean="0">
+                <a:latin typeface="Times New Roman" panose="02020603050405020304" pitchFamily="18" charset="0"/>
+                <a:cs typeface="Times New Roman" panose="02020603050405020304" pitchFamily="18" charset="0"/>
+              </a:rPr>
+              <a:t>[3]. </a:t>
+            </a:r>
+            <a:r>
+              <a:rPr lang="sv-SE" sz="2400" dirty="0">
+                <a:latin typeface="Times New Roman" panose="02020603050405020304" pitchFamily="18" charset="0"/>
+                <a:cs typeface="Times New Roman" panose="02020603050405020304" pitchFamily="18" charset="0"/>
+              </a:rPr>
+              <a:t>Ammar Hammad Ali, Ali Makki Sagheer</a:t>
+            </a:r>
+            <a:r>
+              <a:rPr lang="en-IN" sz="2400" dirty="0">
+                <a:latin typeface="Times New Roman" panose="02020603050405020304" pitchFamily="18" charset="0"/>
+                <a:cs typeface="Times New Roman" panose="02020603050405020304" pitchFamily="18" charset="0"/>
+              </a:rPr>
+              <a:t>. IASJ (</a:t>
+            </a:r>
+            <a:r>
+              <a:rPr lang="en-IN" sz="2400" dirty="0">
+                <a:latin typeface="Times New Roman" panose="02020603050405020304" pitchFamily="18" charset="0"/>
+                <a:cs typeface="Times New Roman" panose="02020603050405020304" pitchFamily="18" charset="0"/>
+                <a:hlinkClick r:id="rId4"/>
+              </a:rPr>
+              <a:t>doi:10.25195/2017/4315</a:t>
+            </a:r>
+            <a:r>
+              <a:rPr lang="en-IN" sz="2400" dirty="0">
+                <a:latin typeface="Times New Roman" panose="02020603050405020304" pitchFamily="18" charset="0"/>
+                <a:cs typeface="Times New Roman" panose="02020603050405020304" pitchFamily="18" charset="0"/>
+              </a:rPr>
+              <a:t>) Vol.[43] Issue[1] 2017. </a:t>
+            </a:r>
+            <a:r>
+              <a:rPr lang="en-US" sz="2400" dirty="0">
+                <a:latin typeface="Times New Roman" panose="02020603050405020304" pitchFamily="18" charset="0"/>
+                <a:cs typeface="Times New Roman" panose="02020603050405020304" pitchFamily="18" charset="0"/>
+              </a:rPr>
+              <a:t>Design of Secure Chatting Application with End to End Encryption for Android </a:t>
+            </a:r>
+            <a:r>
+              <a:rPr lang="en-US" sz="2400" dirty="0" smtClean="0">
+                <a:latin typeface="Times New Roman" panose="02020603050405020304" pitchFamily="18" charset="0"/>
+                <a:cs typeface="Times New Roman" panose="02020603050405020304" pitchFamily="18" charset="0"/>
+              </a:rPr>
+              <a:t>Platform</a:t>
+            </a:r>
+            <a:endParaRPr lang="en-US" sz="2400" dirty="0">
+              <a:latin typeface="Times New Roman" panose="02020603050405020304" pitchFamily="18" charset="0"/>
+              <a:cs typeface="Times New Roman" panose="02020603050405020304" pitchFamily="18" charset="0"/>
+            </a:endParaRPr>
+          </a:p>
+        </p:txBody>
+      </p:sp>
+    </p:spTree>
+    <p:extLst>
+      <p:ext uri="{BB962C8B-B14F-4D97-AF65-F5344CB8AC3E}">
+        <p14:creationId xmlns:p14="http://schemas.microsoft.com/office/powerpoint/2010/main" val="135775123"/>
+      </p:ext>
+    </p:extLst>
+  </p:cSld>
+  <p:clrMapOvr>
+    <a:masterClrMapping/>
+  </p:clrMapOvr>
+  <p:transition spd="slow">
+    <p:wipe/>
+  </p:transition>
+  <p:timing>
+    <p:tnLst>
+      <p:par>
+        <p:cTn id="1" dur="indefinite" restart="never" nodeType="tmRoot"/>
+      </p:par>
+    </p:tnLst>
+  </p:timing>
+</p:sld>
+</file>
+
+<file path=ppt/slides/slide7.xml><?xml version="1.0" encoding="utf-8"?>
+<p:sld xmlns:a="http://schemas.openxmlformats.org/drawingml/2006/main" xmlns:r="http://schemas.openxmlformats.org/officeDocument/2006/relationships" xmlns:p="http://schemas.openxmlformats.org/presentationml/2006/main">
+  <p:cSld>
+    <p:spTree>
+      <p:nvGrpSpPr>
+        <p:cNvPr id="1" name=""/>
+        <p:cNvGrpSpPr/>
+        <p:nvPr/>
+      </p:nvGrpSpPr>
+      <p:grpSpPr>
+        <a:xfrm>
+          <a:off x="0" y="0"/>
+          <a:ext cx="0" cy="0"/>
+          <a:chOff x="0" y="0"/>
+          <a:chExt cx="0" cy="0"/>
+        </a:xfrm>
+      </p:grpSpPr>
+      <p:sp>
+        <p:nvSpPr>
+          <p:cNvPr id="2" name="Title 1"/>
+          <p:cNvSpPr>
+            <a:spLocks noGrp="1"/>
+          </p:cNvSpPr>
+          <p:nvPr>
+            <p:ph type="title"/>
+          </p:nvPr>
+        </p:nvSpPr>
+        <p:spPr>
+          <a:xfrm>
+            <a:off x="609600" y="245455"/>
             <a:ext cx="10972800" cy="1143000"/>
+          </a:xfrm>
+        </p:spPr>
+        <p:txBody>
+          <a:bodyPr>
+            <a:normAutofit/>
+          </a:bodyPr>
+          <a:lstStyle/>
+          <a:p>
+            <a:r>
+              <a:rPr lang="en-US" sz="3600" b="1" dirty="0">
+                <a:latin typeface="Times New Roman" pitchFamily="18" charset="0"/>
+              </a:rPr>
+              <a:t>SOFTWARE AND HARDWARE REQUIREMENTS</a:t>
+            </a:r>
+          </a:p>
+        </p:txBody>
+      </p:sp>
+      <p:sp>
+        <p:nvSpPr>
+          <p:cNvPr id="12" name="Content Placeholder 11"/>
+          <p:cNvSpPr>
+            <a:spLocks noGrp="1"/>
+          </p:cNvSpPr>
+          <p:nvPr>
+            <p:ph idx="1"/>
+          </p:nvPr>
+        </p:nvSpPr>
+        <p:spPr>
+          <a:xfrm>
+            <a:off x="609600" y="1347284"/>
+            <a:ext cx="10972800" cy="5129716"/>
+          </a:xfrm>
+        </p:spPr>
+        <p:txBody>
+          <a:bodyPr>
+            <a:normAutofit fontScale="92500" lnSpcReduction="10000"/>
+          </a:bodyPr>
+          <a:lstStyle/>
+          <a:p>
+            <a:pPr>
+              <a:lnSpc>
+                <a:spcPct val="150000"/>
+              </a:lnSpc>
+              <a:buNone/>
+            </a:pPr>
+            <a:r>
+              <a:rPr lang="en-US" sz="2400" b="1" dirty="0">
+                <a:latin typeface="Times New Roman" panose="02020603050405020304" pitchFamily="18" charset="0"/>
+                <a:cs typeface="Times New Roman" panose="02020603050405020304" pitchFamily="18" charset="0"/>
+              </a:rPr>
+              <a:t>FRONT END </a:t>
+            </a:r>
+          </a:p>
+          <a:p>
+            <a:pPr>
+              <a:lnSpc>
+                <a:spcPct val="150000"/>
+              </a:lnSpc>
+            </a:pPr>
+            <a:r>
+              <a:rPr lang="en-US" sz="2600" dirty="0">
+                <a:latin typeface="Times New Roman" panose="02020603050405020304" pitchFamily="18" charset="0"/>
+                <a:cs typeface="Times New Roman" panose="02020603050405020304" pitchFamily="18" charset="0"/>
+              </a:rPr>
+              <a:t>Python (Toolkit Interface - </a:t>
+            </a:r>
+            <a:r>
+              <a:rPr lang="en-US" sz="2600" dirty="0" err="1">
+                <a:latin typeface="Times New Roman" panose="02020603050405020304" pitchFamily="18" charset="0"/>
+                <a:cs typeface="Times New Roman" panose="02020603050405020304" pitchFamily="18" charset="0"/>
+              </a:rPr>
+              <a:t>Tkinter</a:t>
+            </a:r>
+            <a:r>
+              <a:rPr lang="en-US" sz="2600" dirty="0">
+                <a:latin typeface="Times New Roman" panose="02020603050405020304" pitchFamily="18" charset="0"/>
+                <a:cs typeface="Times New Roman" panose="02020603050405020304" pitchFamily="18" charset="0"/>
+              </a:rPr>
+              <a:t>)</a:t>
+            </a:r>
+            <a:endParaRPr lang="en-US" sz="2600" b="1" dirty="0">
+              <a:latin typeface="Times New Roman" panose="02020603050405020304" pitchFamily="18" charset="0"/>
+              <a:cs typeface="Times New Roman" panose="02020603050405020304" pitchFamily="18" charset="0"/>
+            </a:endParaRPr>
+          </a:p>
+          <a:p>
+            <a:pPr>
+              <a:lnSpc>
+                <a:spcPct val="150000"/>
+              </a:lnSpc>
+              <a:buNone/>
+            </a:pPr>
+            <a:r>
+              <a:rPr lang="en-US" sz="2400" b="1" dirty="0">
+                <a:latin typeface="Times New Roman" panose="02020603050405020304" pitchFamily="18" charset="0"/>
+                <a:cs typeface="Times New Roman" panose="02020603050405020304" pitchFamily="18" charset="0"/>
+              </a:rPr>
+              <a:t>BACK END</a:t>
+            </a:r>
+          </a:p>
+          <a:p>
+            <a:pPr>
+              <a:lnSpc>
+                <a:spcPct val="150000"/>
+              </a:lnSpc>
+            </a:pPr>
+            <a:r>
+              <a:rPr lang="en-US" sz="2600" dirty="0">
+                <a:latin typeface="Times New Roman" panose="02020603050405020304" pitchFamily="18" charset="0"/>
+                <a:cs typeface="Times New Roman" panose="02020603050405020304" pitchFamily="18" charset="0"/>
+              </a:rPr>
+              <a:t>Python (threading, socket, </a:t>
+            </a:r>
+            <a:r>
+              <a:rPr lang="en-US" sz="2600" dirty="0" err="1">
+                <a:latin typeface="Times New Roman" panose="02020603050405020304" pitchFamily="18" charset="0"/>
+                <a:cs typeface="Times New Roman" panose="02020603050405020304" pitchFamily="18" charset="0"/>
+              </a:rPr>
+              <a:t>cryptography.fernet</a:t>
+            </a:r>
+            <a:r>
+              <a:rPr lang="en-US" sz="2600" dirty="0">
+                <a:latin typeface="Times New Roman" panose="02020603050405020304" pitchFamily="18" charset="0"/>
+                <a:cs typeface="Times New Roman" panose="02020603050405020304" pitchFamily="18" charset="0"/>
+              </a:rPr>
+              <a:t>, </a:t>
+            </a:r>
+            <a:r>
+              <a:rPr lang="en-US" sz="2600" dirty="0" err="1">
+                <a:latin typeface="Times New Roman" panose="02020603050405020304" pitchFamily="18" charset="0"/>
+                <a:cs typeface="Times New Roman" panose="02020603050405020304" pitchFamily="18" charset="0"/>
+              </a:rPr>
+              <a:t>hashlib</a:t>
+            </a:r>
+            <a:r>
+              <a:rPr lang="en-US" sz="2600" dirty="0">
+                <a:latin typeface="Times New Roman" panose="02020603050405020304" pitchFamily="18" charset="0"/>
+                <a:cs typeface="Times New Roman" panose="02020603050405020304" pitchFamily="18" charset="0"/>
+              </a:rPr>
+              <a:t>)</a:t>
+            </a:r>
+          </a:p>
+          <a:p>
+            <a:pPr marL="0" indent="0">
+              <a:lnSpc>
+                <a:spcPct val="150000"/>
+              </a:lnSpc>
+              <a:buNone/>
+            </a:pPr>
+            <a:r>
+              <a:rPr lang="en-US" sz="2400" b="1" dirty="0">
+                <a:latin typeface="Times New Roman" panose="02020603050405020304" pitchFamily="18" charset="0"/>
+                <a:cs typeface="Times New Roman" panose="02020603050405020304" pitchFamily="18" charset="0"/>
+              </a:rPr>
+              <a:t>HARDWARE</a:t>
+            </a:r>
+          </a:p>
+          <a:p>
+            <a:pPr>
+              <a:lnSpc>
+                <a:spcPct val="150000"/>
+              </a:lnSpc>
+            </a:pPr>
+            <a:r>
+              <a:rPr lang="en-US" sz="2600" dirty="0">
+                <a:latin typeface="Times New Roman" panose="02020603050405020304" pitchFamily="18" charset="0"/>
+                <a:cs typeface="Times New Roman" panose="02020603050405020304" pitchFamily="18" charset="0"/>
+              </a:rPr>
+              <a:t>Basic requirements for a system</a:t>
+            </a:r>
+          </a:p>
+          <a:p>
+            <a:pPr marL="0" indent="0">
+              <a:lnSpc>
+                <a:spcPct val="150000"/>
+              </a:lnSpc>
+              <a:buNone/>
+            </a:pPr>
+            <a:r>
+              <a:rPr lang="en-US" sz="2400" b="1" dirty="0">
+                <a:latin typeface="Times New Roman" panose="02020603050405020304" pitchFamily="18" charset="0"/>
+                <a:cs typeface="Times New Roman" panose="02020603050405020304" pitchFamily="18" charset="0"/>
+              </a:rPr>
+              <a:t>SPECIFICATION</a:t>
+            </a:r>
+          </a:p>
+          <a:p>
+            <a:pPr>
+              <a:lnSpc>
+                <a:spcPct val="150000"/>
+              </a:lnSpc>
+            </a:pPr>
+            <a:r>
+              <a:rPr lang="en-US" sz="2600" dirty="0">
+                <a:latin typeface="Times New Roman" panose="02020603050405020304" pitchFamily="18" charset="0"/>
+                <a:cs typeface="Times New Roman" panose="02020603050405020304" pitchFamily="18" charset="0"/>
+              </a:rPr>
+              <a:t>Minimum 4 GB ram</a:t>
+            </a:r>
+          </a:p>
+          <a:p>
+            <a:pPr>
+              <a:lnSpc>
+                <a:spcPct val="150000"/>
+              </a:lnSpc>
+            </a:pPr>
+            <a:r>
+              <a:rPr lang="en-US" sz="2600" dirty="0">
+                <a:latin typeface="Times New Roman" panose="02020603050405020304" pitchFamily="18" charset="0"/>
+                <a:cs typeface="Times New Roman" panose="02020603050405020304" pitchFamily="18" charset="0"/>
+              </a:rPr>
+              <a:t>Window(8,10 and 11 versions), Linux, Ubuntu</a:t>
+            </a:r>
+          </a:p>
+        </p:txBody>
+      </p:sp>
+    </p:spTree>
+    <p:extLst>
+      <p:ext uri="{BB962C8B-B14F-4D97-AF65-F5344CB8AC3E}">
+        <p14:creationId xmlns:p14="http://schemas.microsoft.com/office/powerpoint/2010/main" val="4290836956"/>
+      </p:ext>
+    </p:extLst>
+  </p:cSld>
+  <p:clrMapOvr>
+    <a:masterClrMapping/>
+  </p:clrMapOvr>
+  <mc:AlternateContent xmlns:mc="http://schemas.openxmlformats.org/markup-compatibility/2006">
+    <mc:Choice xmlns:p14="http://schemas.microsoft.com/office/powerpoint/2010/main" Requires="p14">
+      <p:transition spd="med" p14:dur="700">
+        <p:fade/>
+      </p:transition>
+    </mc:Choice>
+    <mc:Fallback>
+      <p:transition spd="med">
+        <p:fade/>
+      </p:transition>
+    </mc:Fallback>
+  </mc:AlternateContent>
+  <p:timing>
+    <p:tnLst>
+      <p:par>
+        <p:cTn id="1" dur="indefinite" restart="never" nodeType="tmRoot"/>
+      </p:par>
+    </p:tnLst>
+  </p:timing>
+</p:sld>
+</file>
+
+<file path=ppt/slides/slide8.xml><?xml version="1.0" encoding="utf-8"?>
+<p:sld xmlns:a="http://schemas.openxmlformats.org/drawingml/2006/main" xmlns:r="http://schemas.openxmlformats.org/officeDocument/2006/relationships" xmlns:p="http://schemas.openxmlformats.org/presentationml/2006/main">
+  <p:cSld>
+    <p:spTree>
+      <p:nvGrpSpPr>
+        <p:cNvPr id="1" name=""/>
+        <p:cNvGrpSpPr/>
+        <p:nvPr/>
+      </p:nvGrpSpPr>
+      <p:grpSpPr>
+        <a:xfrm>
+          <a:off x="0" y="0"/>
+          <a:ext cx="0" cy="0"/>
+          <a:chOff x="0" y="0"/>
+          <a:chExt cx="0" cy="0"/>
+        </a:xfrm>
+      </p:grpSpPr>
+      <p:sp>
+        <p:nvSpPr>
+          <p:cNvPr id="2" name="Title 1"/>
+          <p:cNvSpPr>
+            <a:spLocks noGrp="1"/>
+          </p:cNvSpPr>
+          <p:nvPr>
+            <p:ph type="title"/>
+          </p:nvPr>
+        </p:nvSpPr>
+        <p:spPr>
+          <a:xfrm>
+            <a:off x="4427197" y="3101763"/>
+            <a:ext cx="3337606" cy="654474"/>
           </a:xfrm>
         </p:spPr>
         <p:txBody>
@@ -7159,6 +7330,18 @@
   <p:clrMapOvr>
     <a:masterClrMapping/>
   </p:clrMapOvr>
+  <mc:AlternateContent xmlns:mc="http://schemas.openxmlformats.org/markup-compatibility/2006">
+    <mc:Choice xmlns:p14="http://schemas.microsoft.com/office/powerpoint/2010/main" Requires="p14">
+      <p:transition spd="slow" p14:dur="1500">
+        <p:random/>
+      </p:transition>
+    </mc:Choice>
+    <mc:Fallback>
+      <p:transition spd="slow">
+        <p:random/>
+      </p:transition>
+    </mc:Fallback>
+  </mc:AlternateContent>
   <p:timing>
     <p:tnLst>
       <p:par>

--- a/First Review.pptx
+++ b/First Review.pptx
@@ -5,17 +5,16 @@
     <p:sldMasterId id="2147483648" r:id="rId1"/>
   </p:sldMasterIdLst>
   <p:notesMasterIdLst>
-    <p:notesMasterId r:id="rId10"/>
+    <p:notesMasterId r:id="rId9"/>
   </p:notesMasterIdLst>
   <p:sldIdLst>
     <p:sldId id="256" r:id="rId2"/>
     <p:sldId id="270" r:id="rId3"/>
-    <p:sldId id="272" r:id="rId4"/>
+    <p:sldId id="257" r:id="rId4"/>
     <p:sldId id="258" r:id="rId5"/>
-    <p:sldId id="257" r:id="rId6"/>
-    <p:sldId id="271" r:id="rId7"/>
-    <p:sldId id="259" r:id="rId8"/>
-    <p:sldId id="269" r:id="rId9"/>
+    <p:sldId id="271" r:id="rId6"/>
+    <p:sldId id="259" r:id="rId7"/>
+    <p:sldId id="269" r:id="rId8"/>
   </p:sldIdLst>
   <p:sldSz cx="12192000" cy="6858000"/>
   <p:notesSz cx="6858000" cy="9144000"/>
@@ -216,7 +215,7 @@
             <a:fld id="{1BC5A6D6-678F-47D8-91DE-2A07AB82649C}" type="datetimeFigureOut">
               <a:rPr lang="en-US" smtClean="0"/>
               <a:pPr/>
-              <a:t>2/1/2024</a:t>
+              <a:t>2/2/2024</a:t>
             </a:fld>
             <a:endParaRPr lang="en-US"/>
           </a:p>
@@ -743,7 +742,7 @@
             <a:fld id="{CF705531-103C-4EA6-8A04-8B669A93EC46}" type="datetimeFigureOut">
               <a:rPr lang="en-US" smtClean="0"/>
               <a:pPr/>
-              <a:t>2/1/2024</a:t>
+              <a:t>2/2/2024</a:t>
             </a:fld>
             <a:endParaRPr lang="en-US"/>
           </a:p>
@@ -908,7 +907,7 @@
             <a:fld id="{CF705531-103C-4EA6-8A04-8B669A93EC46}" type="datetimeFigureOut">
               <a:rPr lang="en-US" smtClean="0"/>
               <a:pPr/>
-              <a:t>2/1/2024</a:t>
+              <a:t>2/2/2024</a:t>
             </a:fld>
             <a:endParaRPr lang="en-US"/>
           </a:p>
@@ -1083,7 +1082,7 @@
             <a:fld id="{CF705531-103C-4EA6-8A04-8B669A93EC46}" type="datetimeFigureOut">
               <a:rPr lang="en-US" smtClean="0"/>
               <a:pPr/>
-              <a:t>2/1/2024</a:t>
+              <a:t>2/2/2024</a:t>
             </a:fld>
             <a:endParaRPr lang="en-US"/>
           </a:p>
@@ -1248,7 +1247,7 @@
             <a:fld id="{CF705531-103C-4EA6-8A04-8B669A93EC46}" type="datetimeFigureOut">
               <a:rPr lang="en-US" smtClean="0"/>
               <a:pPr/>
-              <a:t>2/1/2024</a:t>
+              <a:t>2/2/2024</a:t>
             </a:fld>
             <a:endParaRPr lang="en-US"/>
           </a:p>
@@ -1490,7 +1489,7 @@
             <a:fld id="{CF705531-103C-4EA6-8A04-8B669A93EC46}" type="datetimeFigureOut">
               <a:rPr lang="en-US" smtClean="0"/>
               <a:pPr/>
-              <a:t>2/1/2024</a:t>
+              <a:t>2/2/2024</a:t>
             </a:fld>
             <a:endParaRPr lang="en-US"/>
           </a:p>
@@ -1772,7 +1771,7 @@
             <a:fld id="{CF705531-103C-4EA6-8A04-8B669A93EC46}" type="datetimeFigureOut">
               <a:rPr lang="en-US" smtClean="0"/>
               <a:pPr/>
-              <a:t>2/1/2024</a:t>
+              <a:t>2/2/2024</a:t>
             </a:fld>
             <a:endParaRPr lang="en-US"/>
           </a:p>
@@ -2193,7 +2192,7 @@
             <a:fld id="{CF705531-103C-4EA6-8A04-8B669A93EC46}" type="datetimeFigureOut">
               <a:rPr lang="en-US" smtClean="0"/>
               <a:pPr/>
-              <a:t>2/1/2024</a:t>
+              <a:t>2/2/2024</a:t>
             </a:fld>
             <a:endParaRPr lang="en-US"/>
           </a:p>
@@ -2307,7 +2306,7 @@
             <a:fld id="{CF705531-103C-4EA6-8A04-8B669A93EC46}" type="datetimeFigureOut">
               <a:rPr lang="en-US" smtClean="0"/>
               <a:pPr/>
-              <a:t>2/1/2024</a:t>
+              <a:t>2/2/2024</a:t>
             </a:fld>
             <a:endParaRPr lang="en-US"/>
           </a:p>
@@ -2399,7 +2398,7 @@
             <a:fld id="{CF705531-103C-4EA6-8A04-8B669A93EC46}" type="datetimeFigureOut">
               <a:rPr lang="en-US" smtClean="0"/>
               <a:pPr/>
-              <a:t>2/1/2024</a:t>
+              <a:t>2/2/2024</a:t>
             </a:fld>
             <a:endParaRPr lang="en-US"/>
           </a:p>
@@ -2671,7 +2670,7 @@
             <a:fld id="{CF705531-103C-4EA6-8A04-8B669A93EC46}" type="datetimeFigureOut">
               <a:rPr lang="en-US" smtClean="0"/>
               <a:pPr/>
-              <a:t>2/1/2024</a:t>
+              <a:t>2/2/2024</a:t>
             </a:fld>
             <a:endParaRPr lang="en-US"/>
           </a:p>
@@ -2920,7 +2919,7 @@
             <a:fld id="{CF705531-103C-4EA6-8A04-8B669A93EC46}" type="datetimeFigureOut">
               <a:rPr lang="en-US" smtClean="0"/>
               <a:pPr/>
-              <a:t>2/1/2024</a:t>
+              <a:t>2/2/2024</a:t>
             </a:fld>
             <a:endParaRPr lang="en-US"/>
           </a:p>
@@ -3128,7 +3127,7 @@
             <a:fld id="{CF705531-103C-4EA6-8A04-8B669A93EC46}" type="datetimeFigureOut">
               <a:rPr lang="en-US" smtClean="0"/>
               <a:pPr/>
-              <a:t>2/1/2024</a:t>
+              <a:t>2/2/2024</a:t>
             </a:fld>
             <a:endParaRPr lang="en-US"/>
           </a:p>
@@ -3528,16 +3527,22 @@
               <a:t>Secure Chat API: Encrypted Chat Application Program Interface with </a:t>
             </a:r>
             <a:r>
-              <a:rPr lang="en-US" sz="4010" b="1" dirty="0" err="1">
+              <a:rPr lang="en-US" sz="4010" b="1" dirty="0" err="1" smtClean="0">
                 <a:latin typeface="Times New Roman" pitchFamily="18" charset="0"/>
               </a:rPr>
               <a:t>Blockchain</a:t>
+            </a:r>
+            <a:r>
+              <a:rPr lang="en-US" sz="4010" b="1" dirty="0" smtClean="0">
+                <a:latin typeface="Times New Roman" pitchFamily="18" charset="0"/>
+              </a:rPr>
+              <a:t> </a:t>
             </a:r>
             <a:r>
               <a:rPr lang="en-US" sz="4010" b="1" dirty="0">
                 <a:latin typeface="Times New Roman" pitchFamily="18" charset="0"/>
               </a:rPr>
-              <a:t> Authentication</a:t>
+              <a:t>Authentication</a:t>
             </a:r>
           </a:p>
         </p:txBody>
@@ -3826,2251 +3831,36 @@
           </a:p>
         </p:txBody>
       </p:sp>
-      <p:grpSp>
-        <p:nvGrpSpPr>
-          <p:cNvPr id="3" name="Group 2"/>
-          <p:cNvGrpSpPr/>
+      <p:pic>
+        <p:nvPicPr>
+          <p:cNvPr id="4" name="Picture 3"/>
+          <p:cNvPicPr>
+            <a:picLocks noChangeAspect="1"/>
+          </p:cNvPicPr>
           <p:nvPr/>
-        </p:nvGrpSpPr>
-        <p:grpSpPr>
+        </p:nvPicPr>
+        <p:blipFill>
+          <a:blip r:embed="rId3">
+            <a:extLst>
+              <a:ext uri="{28A0092B-C50C-407E-A947-70E740481C1C}">
+                <a14:useLocalDpi xmlns:a14="http://schemas.microsoft.com/office/drawing/2010/main" val="0"/>
+              </a:ext>
+            </a:extLst>
+          </a:blip>
+          <a:stretch>
+            <a:fillRect/>
+          </a:stretch>
+        </p:blipFill>
+        <p:spPr>
           <a:xfrm>
-            <a:off x="4907221" y="77860"/>
-            <a:ext cx="2686349" cy="2102310"/>
-            <a:chOff x="4907221" y="184868"/>
-            <a:chExt cx="2686349" cy="2102310"/>
+            <a:off x="5001672" y="131839"/>
+            <a:ext cx="2188654" cy="2121592"/>
           </a:xfrm>
-        </p:grpSpPr>
-        <p:sp>
-          <p:nvSpPr>
-            <p:cNvPr id="8" name="Oval 7"/>
-            <p:cNvSpPr/>
-            <p:nvPr/>
-          </p:nvSpPr>
-          <p:spPr>
-            <a:xfrm>
-              <a:off x="5384802" y="654921"/>
-              <a:ext cx="1246909" cy="1256146"/>
-            </a:xfrm>
-            <a:prstGeom prst="ellipse">
-              <a:avLst/>
-            </a:prstGeom>
-            <a:noFill/>
-            <a:ln w="57150">
-              <a:solidFill>
-                <a:schemeClr val="tx1"/>
-              </a:solidFill>
-            </a:ln>
-          </p:spPr>
-          <p:style>
-            <a:lnRef idx="2">
-              <a:schemeClr val="accent1">
-                <a:shade val="50000"/>
-              </a:schemeClr>
-            </a:lnRef>
-            <a:fillRef idx="1">
-              <a:schemeClr val="accent1"/>
-            </a:fillRef>
-            <a:effectRef idx="0">
-              <a:schemeClr val="accent1"/>
-            </a:effectRef>
-            <a:fontRef idx="minor">
-              <a:schemeClr val="lt1"/>
-            </a:fontRef>
-          </p:style>
-          <p:txBody>
-            <a:bodyPr rtlCol="0" anchor="ctr"/>
-            <a:lstStyle/>
-            <a:p>
-              <a:pPr algn="ctr"/>
-              <a:endParaRPr lang="en-US"/>
-            </a:p>
-          </p:txBody>
-        </p:sp>
-        <p:sp>
-          <p:nvSpPr>
-            <p:cNvPr id="9" name="Arc 8"/>
-            <p:cNvSpPr/>
-            <p:nvPr/>
-          </p:nvSpPr>
-          <p:spPr>
-            <a:xfrm rot="21432389">
-              <a:off x="5784376" y="429799"/>
-              <a:ext cx="562297" cy="311105"/>
-            </a:xfrm>
-            <a:prstGeom prst="arc">
-              <a:avLst>
-                <a:gd name="adj1" fmla="val 16499577"/>
-                <a:gd name="adj2" fmla="val 20382548"/>
-              </a:avLst>
-            </a:prstGeom>
-            <a:ln w="38100">
-              <a:solidFill>
-                <a:schemeClr val="tx1"/>
-              </a:solidFill>
-            </a:ln>
-          </p:spPr>
-          <p:style>
-            <a:lnRef idx="1">
-              <a:schemeClr val="accent1"/>
-            </a:lnRef>
-            <a:fillRef idx="0">
-              <a:schemeClr val="accent1"/>
-            </a:fillRef>
-            <a:effectRef idx="0">
-              <a:schemeClr val="accent1"/>
-            </a:effectRef>
-            <a:fontRef idx="minor">
-              <a:schemeClr val="tx1"/>
-            </a:fontRef>
-          </p:style>
-          <p:txBody>
-            <a:bodyPr rtlCol="0" anchor="ctr"/>
-            <a:lstStyle/>
-            <a:p>
-              <a:pPr algn="ctr"/>
-              <a:endParaRPr lang="en-US" dirty="0"/>
-            </a:p>
-          </p:txBody>
-        </p:sp>
-        <p:sp>
-          <p:nvSpPr>
-            <p:cNvPr id="10" name="Arc 9"/>
-            <p:cNvSpPr/>
-            <p:nvPr/>
-          </p:nvSpPr>
-          <p:spPr>
-            <a:xfrm rot="1858891">
-              <a:off x="6144049" y="573309"/>
-              <a:ext cx="562297" cy="311105"/>
-            </a:xfrm>
-            <a:prstGeom prst="arc">
-              <a:avLst>
-                <a:gd name="adj1" fmla="val 16499577"/>
-                <a:gd name="adj2" fmla="val 20382548"/>
-              </a:avLst>
-            </a:prstGeom>
-            <a:ln w="38100">
-              <a:solidFill>
-                <a:schemeClr val="tx1"/>
-              </a:solidFill>
-            </a:ln>
-          </p:spPr>
-          <p:style>
-            <a:lnRef idx="1">
-              <a:schemeClr val="accent1"/>
-            </a:lnRef>
-            <a:fillRef idx="0">
-              <a:schemeClr val="accent1"/>
-            </a:fillRef>
-            <a:effectRef idx="0">
-              <a:schemeClr val="accent1"/>
-            </a:effectRef>
-            <a:fontRef idx="minor">
-              <a:schemeClr val="tx1"/>
-            </a:fontRef>
-          </p:style>
-          <p:txBody>
-            <a:bodyPr rtlCol="0" anchor="ctr"/>
-            <a:lstStyle/>
-            <a:p>
-              <a:pPr algn="ctr"/>
-              <a:endParaRPr lang="en-US" dirty="0"/>
-            </a:p>
-          </p:txBody>
-        </p:sp>
-        <p:sp>
-          <p:nvSpPr>
-            <p:cNvPr id="11" name="Arc 10"/>
-            <p:cNvSpPr/>
-            <p:nvPr/>
-          </p:nvSpPr>
-          <p:spPr>
-            <a:xfrm rot="3519574">
-              <a:off x="6350563" y="851394"/>
-              <a:ext cx="562297" cy="311105"/>
-            </a:xfrm>
-            <a:prstGeom prst="arc">
-              <a:avLst>
-                <a:gd name="adj1" fmla="val 16499577"/>
-                <a:gd name="adj2" fmla="val 20382548"/>
-              </a:avLst>
-            </a:prstGeom>
-            <a:ln w="38100">
-              <a:solidFill>
-                <a:schemeClr val="tx1"/>
-              </a:solidFill>
-            </a:ln>
-          </p:spPr>
-          <p:style>
-            <a:lnRef idx="1">
-              <a:schemeClr val="accent1"/>
-            </a:lnRef>
-            <a:fillRef idx="0">
-              <a:schemeClr val="accent1"/>
-            </a:fillRef>
-            <a:effectRef idx="0">
-              <a:schemeClr val="accent1"/>
-            </a:effectRef>
-            <a:fontRef idx="minor">
-              <a:schemeClr val="tx1"/>
-            </a:fontRef>
-          </p:style>
-          <p:txBody>
-            <a:bodyPr rtlCol="0" anchor="ctr"/>
-            <a:lstStyle/>
-            <a:p>
-              <a:pPr algn="ctr"/>
-              <a:endParaRPr lang="en-US" dirty="0"/>
-            </a:p>
-          </p:txBody>
-        </p:sp>
-        <p:sp>
-          <p:nvSpPr>
-            <p:cNvPr id="12" name="Arc 11"/>
-            <p:cNvSpPr/>
-            <p:nvPr/>
-          </p:nvSpPr>
-          <p:spPr>
-            <a:xfrm rot="5400000">
-              <a:off x="6394609" y="1220997"/>
-              <a:ext cx="562297" cy="311105"/>
-            </a:xfrm>
-            <a:prstGeom prst="arc">
-              <a:avLst>
-                <a:gd name="adj1" fmla="val 15675556"/>
-                <a:gd name="adj2" fmla="val 20382548"/>
-              </a:avLst>
-            </a:prstGeom>
-            <a:ln w="38100">
-              <a:solidFill>
-                <a:schemeClr val="tx1"/>
-              </a:solidFill>
-            </a:ln>
-          </p:spPr>
-          <p:style>
-            <a:lnRef idx="1">
-              <a:schemeClr val="accent1"/>
-            </a:lnRef>
-            <a:fillRef idx="0">
-              <a:schemeClr val="accent1"/>
-            </a:fillRef>
-            <a:effectRef idx="0">
-              <a:schemeClr val="accent1"/>
-            </a:effectRef>
-            <a:fontRef idx="minor">
-              <a:schemeClr val="tx1"/>
-            </a:fontRef>
-          </p:style>
-          <p:txBody>
-            <a:bodyPr rtlCol="0" anchor="ctr"/>
-            <a:lstStyle/>
-            <a:p>
-              <a:pPr algn="ctr"/>
-              <a:endParaRPr lang="en-US" dirty="0"/>
-            </a:p>
-          </p:txBody>
-        </p:sp>
-        <p:sp>
-          <p:nvSpPr>
-            <p:cNvPr id="13" name="Arc 12"/>
-            <p:cNvSpPr/>
-            <p:nvPr/>
-          </p:nvSpPr>
-          <p:spPr>
-            <a:xfrm rot="6783647">
-              <a:off x="6251004" y="1561740"/>
-              <a:ext cx="562297" cy="311105"/>
-            </a:xfrm>
-            <a:prstGeom prst="arc">
-              <a:avLst>
-                <a:gd name="adj1" fmla="val 16499577"/>
-                <a:gd name="adj2" fmla="val 20916484"/>
-              </a:avLst>
-            </a:prstGeom>
-            <a:ln w="38100">
-              <a:solidFill>
-                <a:schemeClr val="tx1"/>
-              </a:solidFill>
-            </a:ln>
-          </p:spPr>
-          <p:style>
-            <a:lnRef idx="1">
-              <a:schemeClr val="accent1"/>
-            </a:lnRef>
-            <a:fillRef idx="0">
-              <a:schemeClr val="accent1"/>
-            </a:fillRef>
-            <a:effectRef idx="0">
-              <a:schemeClr val="accent1"/>
-            </a:effectRef>
-            <a:fontRef idx="minor">
-              <a:schemeClr val="tx1"/>
-            </a:fontRef>
-          </p:style>
-          <p:txBody>
-            <a:bodyPr rtlCol="0" anchor="ctr"/>
-            <a:lstStyle/>
-            <a:p>
-              <a:pPr algn="ctr"/>
-              <a:endParaRPr lang="en-US" dirty="0"/>
-            </a:p>
-          </p:txBody>
-        </p:sp>
-        <p:sp>
-          <p:nvSpPr>
-            <p:cNvPr id="14" name="Arc 13"/>
-            <p:cNvSpPr/>
-            <p:nvPr/>
-          </p:nvSpPr>
-          <p:spPr>
-            <a:xfrm rot="12515886">
-              <a:off x="5260940" y="1669375"/>
-              <a:ext cx="562297" cy="311105"/>
-            </a:xfrm>
-            <a:prstGeom prst="arc">
-              <a:avLst>
-                <a:gd name="adj1" fmla="val 15259878"/>
-                <a:gd name="adj2" fmla="val 20382548"/>
-              </a:avLst>
-            </a:prstGeom>
-            <a:ln w="38100">
-              <a:solidFill>
-                <a:schemeClr val="tx1"/>
-              </a:solidFill>
-            </a:ln>
-          </p:spPr>
-          <p:style>
-            <a:lnRef idx="1">
-              <a:schemeClr val="accent1"/>
-            </a:lnRef>
-            <a:fillRef idx="0">
-              <a:schemeClr val="accent1"/>
-            </a:fillRef>
-            <a:effectRef idx="0">
-              <a:schemeClr val="accent1"/>
-            </a:effectRef>
-            <a:fontRef idx="minor">
-              <a:schemeClr val="tx1"/>
-            </a:fontRef>
-          </p:style>
-          <p:txBody>
-            <a:bodyPr rtlCol="0" anchor="ctr"/>
-            <a:lstStyle/>
-            <a:p>
-              <a:pPr algn="ctr"/>
-              <a:endParaRPr lang="en-US" dirty="0"/>
-            </a:p>
-          </p:txBody>
-        </p:sp>
-        <p:sp>
-          <p:nvSpPr>
-            <p:cNvPr id="15" name="Arc 14"/>
-            <p:cNvSpPr/>
-            <p:nvPr/>
-          </p:nvSpPr>
-          <p:spPr>
-            <a:xfrm rot="14451465">
-              <a:off x="5033931" y="1360000"/>
-              <a:ext cx="562297" cy="311105"/>
-            </a:xfrm>
-            <a:prstGeom prst="arc">
-              <a:avLst>
-                <a:gd name="adj1" fmla="val 15259878"/>
-                <a:gd name="adj2" fmla="val 19790158"/>
-              </a:avLst>
-            </a:prstGeom>
-            <a:ln w="38100">
-              <a:solidFill>
-                <a:schemeClr val="tx1"/>
-              </a:solidFill>
-            </a:ln>
-          </p:spPr>
-          <p:style>
-            <a:lnRef idx="1">
-              <a:schemeClr val="accent1"/>
-            </a:lnRef>
-            <a:fillRef idx="0">
-              <a:schemeClr val="accent1"/>
-            </a:fillRef>
-            <a:effectRef idx="0">
-              <a:schemeClr val="accent1"/>
-            </a:effectRef>
-            <a:fontRef idx="minor">
-              <a:schemeClr val="tx1"/>
-            </a:fontRef>
-          </p:style>
-          <p:txBody>
-            <a:bodyPr rtlCol="0" anchor="ctr"/>
-            <a:lstStyle/>
-            <a:p>
-              <a:pPr algn="ctr"/>
-              <a:endParaRPr lang="en-US" dirty="0"/>
-            </a:p>
-          </p:txBody>
-        </p:sp>
-        <p:sp>
-          <p:nvSpPr>
-            <p:cNvPr id="16" name="Arc 15"/>
-            <p:cNvSpPr/>
-            <p:nvPr/>
-          </p:nvSpPr>
-          <p:spPr>
-            <a:xfrm rot="15912888">
-              <a:off x="5004464" y="1031801"/>
-              <a:ext cx="562297" cy="311105"/>
-            </a:xfrm>
-            <a:prstGeom prst="arc">
-              <a:avLst>
-                <a:gd name="adj1" fmla="val 16871793"/>
-                <a:gd name="adj2" fmla="val 20523859"/>
-              </a:avLst>
-            </a:prstGeom>
-            <a:ln w="38100">
-              <a:solidFill>
-                <a:schemeClr val="tx1"/>
-              </a:solidFill>
-            </a:ln>
-          </p:spPr>
-          <p:style>
-            <a:lnRef idx="1">
-              <a:schemeClr val="accent1"/>
-            </a:lnRef>
-            <a:fillRef idx="0">
-              <a:schemeClr val="accent1"/>
-            </a:fillRef>
-            <a:effectRef idx="0">
-              <a:schemeClr val="accent1"/>
-            </a:effectRef>
-            <a:fontRef idx="minor">
-              <a:schemeClr val="tx1"/>
-            </a:fontRef>
-          </p:style>
-          <p:txBody>
-            <a:bodyPr rtlCol="0" anchor="ctr"/>
-            <a:lstStyle/>
-            <a:p>
-              <a:pPr algn="ctr"/>
-              <a:endParaRPr lang="en-US" dirty="0"/>
-            </a:p>
-          </p:txBody>
-        </p:sp>
-        <p:sp>
-          <p:nvSpPr>
-            <p:cNvPr id="17" name="Arc 16"/>
-            <p:cNvSpPr/>
-            <p:nvPr/>
-          </p:nvSpPr>
-          <p:spPr>
-            <a:xfrm rot="17733170">
-              <a:off x="5128471" y="713520"/>
-              <a:ext cx="562297" cy="311105"/>
-            </a:xfrm>
-            <a:prstGeom prst="arc">
-              <a:avLst>
-                <a:gd name="adj1" fmla="val 16989169"/>
-                <a:gd name="adj2" fmla="val 20511343"/>
-              </a:avLst>
-            </a:prstGeom>
-            <a:ln w="38100">
-              <a:solidFill>
-                <a:schemeClr val="tx1"/>
-              </a:solidFill>
-            </a:ln>
-          </p:spPr>
-          <p:style>
-            <a:lnRef idx="1">
-              <a:schemeClr val="accent1"/>
-            </a:lnRef>
-            <a:fillRef idx="0">
-              <a:schemeClr val="accent1"/>
-            </a:fillRef>
-            <a:effectRef idx="0">
-              <a:schemeClr val="accent1"/>
-            </a:effectRef>
-            <a:fontRef idx="minor">
-              <a:schemeClr val="tx1"/>
-            </a:fontRef>
-          </p:style>
-          <p:txBody>
-            <a:bodyPr rtlCol="0" anchor="ctr"/>
-            <a:lstStyle/>
-            <a:p>
-              <a:pPr algn="ctr"/>
-              <a:endParaRPr lang="en-US" dirty="0"/>
-            </a:p>
-          </p:txBody>
-        </p:sp>
-        <p:sp>
-          <p:nvSpPr>
-            <p:cNvPr id="18" name="Arc 17"/>
-            <p:cNvSpPr/>
-            <p:nvPr/>
-          </p:nvSpPr>
-          <p:spPr>
-            <a:xfrm rot="19580705">
-              <a:off x="5407365" y="492073"/>
-              <a:ext cx="562297" cy="311105"/>
-            </a:xfrm>
-            <a:prstGeom prst="arc">
-              <a:avLst>
-                <a:gd name="adj1" fmla="val 16989169"/>
-                <a:gd name="adj2" fmla="val 20511343"/>
-              </a:avLst>
-            </a:prstGeom>
-            <a:ln w="38100">
-              <a:solidFill>
-                <a:schemeClr val="tx1"/>
-              </a:solidFill>
-            </a:ln>
-          </p:spPr>
-          <p:style>
-            <a:lnRef idx="1">
-              <a:schemeClr val="accent1"/>
-            </a:lnRef>
-            <a:fillRef idx="0">
-              <a:schemeClr val="accent1"/>
-            </a:fillRef>
-            <a:effectRef idx="0">
-              <a:schemeClr val="accent1"/>
-            </a:effectRef>
-            <a:fontRef idx="minor">
-              <a:schemeClr val="tx1"/>
-            </a:fontRef>
-          </p:style>
-          <p:txBody>
-            <a:bodyPr rtlCol="0" anchor="ctr"/>
-            <a:lstStyle/>
-            <a:p>
-              <a:pPr algn="ctr"/>
-              <a:endParaRPr lang="en-US" dirty="0"/>
-            </a:p>
-          </p:txBody>
-        </p:sp>
-        <p:pic>
-          <p:nvPicPr>
-            <p:cNvPr id="19" name="Picture 18"/>
-            <p:cNvPicPr>
-              <a:picLocks noChangeAspect="1"/>
-            </p:cNvPicPr>
-            <p:nvPr/>
-          </p:nvPicPr>
-          <p:blipFill>
-            <a:blip r:embed="rId3">
-              <a:extLst>
-                <a:ext uri="{28A0092B-C50C-407E-A947-70E740481C1C}">
-                  <a14:useLocalDpi xmlns:a14="http://schemas.microsoft.com/office/drawing/2010/main" val="0"/>
-                </a:ext>
-              </a:extLst>
-            </a:blip>
-            <a:stretch>
-              <a:fillRect/>
-            </a:stretch>
-          </p:blipFill>
-          <p:spPr>
-            <a:xfrm>
-              <a:off x="5532485" y="1384211"/>
-              <a:ext cx="924054" cy="466790"/>
-            </a:xfrm>
-            <a:prstGeom prst="rect">
-              <a:avLst/>
-            </a:prstGeom>
-            <a:ln>
-              <a:noFill/>
-            </a:ln>
-          </p:spPr>
-        </p:pic>
-        <p:cxnSp>
-          <p:nvCxnSpPr>
-            <p:cNvPr id="21" name="Straight Connector 20"/>
-            <p:cNvCxnSpPr/>
-            <p:nvPr/>
-          </p:nvCxnSpPr>
-          <p:spPr>
-            <a:xfrm>
-              <a:off x="5367653" y="478587"/>
-              <a:ext cx="93460" cy="145080"/>
-            </a:xfrm>
-            <a:prstGeom prst="line">
-              <a:avLst/>
-            </a:prstGeom>
-            <a:ln w="38100">
-              <a:solidFill>
-                <a:schemeClr val="tx1"/>
-              </a:solidFill>
-            </a:ln>
-          </p:spPr>
-          <p:style>
-            <a:lnRef idx="1">
-              <a:schemeClr val="accent1"/>
-            </a:lnRef>
-            <a:fillRef idx="0">
-              <a:schemeClr val="accent1"/>
-            </a:fillRef>
-            <a:effectRef idx="0">
-              <a:schemeClr val="accent1"/>
-            </a:effectRef>
-            <a:fontRef idx="minor">
-              <a:schemeClr val="tx1"/>
-            </a:fontRef>
-          </p:style>
-        </p:cxnSp>
-        <p:cxnSp>
-          <p:nvCxnSpPr>
-            <p:cNvPr id="22" name="Straight Connector 21"/>
-            <p:cNvCxnSpPr/>
-            <p:nvPr/>
-          </p:nvCxnSpPr>
-          <p:spPr>
-            <a:xfrm>
-              <a:off x="5540485" y="377499"/>
-              <a:ext cx="93460" cy="145080"/>
-            </a:xfrm>
-            <a:prstGeom prst="line">
-              <a:avLst/>
-            </a:prstGeom>
-            <a:ln w="38100">
-              <a:solidFill>
-                <a:schemeClr val="tx1"/>
-              </a:solidFill>
-            </a:ln>
-          </p:spPr>
-          <p:style>
-            <a:lnRef idx="1">
-              <a:schemeClr val="accent1"/>
-            </a:lnRef>
-            <a:fillRef idx="0">
-              <a:schemeClr val="accent1"/>
-            </a:fillRef>
-            <a:effectRef idx="0">
-              <a:schemeClr val="accent1"/>
-            </a:effectRef>
-            <a:fontRef idx="minor">
-              <a:schemeClr val="tx1"/>
-            </a:fontRef>
-          </p:style>
-        </p:cxnSp>
-        <p:cxnSp>
-          <p:nvCxnSpPr>
-            <p:cNvPr id="23" name="Straight Connector 22"/>
-            <p:cNvCxnSpPr/>
-            <p:nvPr/>
-          </p:nvCxnSpPr>
-          <p:spPr>
-            <a:xfrm flipH="1">
-              <a:off x="5367024" y="404383"/>
-              <a:ext cx="29790" cy="82034"/>
-            </a:xfrm>
-            <a:prstGeom prst="line">
-              <a:avLst/>
-            </a:prstGeom>
-            <a:ln w="38100">
-              <a:solidFill>
-                <a:schemeClr val="tx1"/>
-              </a:solidFill>
-            </a:ln>
-          </p:spPr>
-          <p:style>
-            <a:lnRef idx="1">
-              <a:schemeClr val="accent1"/>
-            </a:lnRef>
-            <a:fillRef idx="0">
-              <a:schemeClr val="accent1"/>
-            </a:fillRef>
-            <a:effectRef idx="0">
-              <a:schemeClr val="accent1"/>
-            </a:effectRef>
-            <a:fontRef idx="minor">
-              <a:schemeClr val="tx1"/>
-            </a:fontRef>
-          </p:style>
-        </p:cxnSp>
-        <p:cxnSp>
-          <p:nvCxnSpPr>
-            <p:cNvPr id="24" name="Straight Connector 23"/>
-            <p:cNvCxnSpPr/>
-            <p:nvPr/>
-          </p:nvCxnSpPr>
-          <p:spPr>
-            <a:xfrm flipH="1" flipV="1">
-              <a:off x="5471436" y="353135"/>
-              <a:ext cx="75876" cy="33610"/>
-            </a:xfrm>
-            <a:prstGeom prst="line">
-              <a:avLst/>
-            </a:prstGeom>
-            <a:ln w="38100">
-              <a:solidFill>
-                <a:schemeClr val="tx1"/>
-              </a:solidFill>
-            </a:ln>
-          </p:spPr>
-          <p:style>
-            <a:lnRef idx="1">
-              <a:schemeClr val="accent1"/>
-            </a:lnRef>
-            <a:fillRef idx="0">
-              <a:schemeClr val="accent1"/>
-            </a:fillRef>
-            <a:effectRef idx="0">
-              <a:schemeClr val="accent1"/>
-            </a:effectRef>
-            <a:fontRef idx="minor">
-              <a:schemeClr val="tx1"/>
-            </a:fontRef>
-          </p:style>
-        </p:cxnSp>
-        <p:cxnSp>
-          <p:nvCxnSpPr>
-            <p:cNvPr id="25" name="Straight Connector 24"/>
-            <p:cNvCxnSpPr/>
-            <p:nvPr/>
-          </p:nvCxnSpPr>
-          <p:spPr>
-            <a:xfrm flipH="1">
-              <a:off x="5392567" y="354971"/>
-              <a:ext cx="94908" cy="56542"/>
-            </a:xfrm>
-            <a:prstGeom prst="line">
-              <a:avLst/>
-            </a:prstGeom>
-            <a:ln w="38100">
-              <a:solidFill>
-                <a:schemeClr val="tx1"/>
-              </a:solidFill>
-            </a:ln>
-          </p:spPr>
-          <p:style>
-            <a:lnRef idx="1">
-              <a:schemeClr val="accent1"/>
-            </a:lnRef>
-            <a:fillRef idx="0">
-              <a:schemeClr val="accent1"/>
-            </a:fillRef>
-            <a:effectRef idx="0">
-              <a:schemeClr val="accent1"/>
-            </a:effectRef>
-            <a:fontRef idx="minor">
-              <a:schemeClr val="tx1"/>
-            </a:fontRef>
-          </p:style>
-        </p:cxnSp>
-        <p:cxnSp>
-          <p:nvCxnSpPr>
-            <p:cNvPr id="27" name="Straight Connector 26"/>
-            <p:cNvCxnSpPr/>
-            <p:nvPr/>
-          </p:nvCxnSpPr>
-          <p:spPr>
-            <a:xfrm rot="19834979">
-              <a:off x="5077275" y="847767"/>
-              <a:ext cx="93460" cy="145080"/>
-            </a:xfrm>
-            <a:prstGeom prst="line">
-              <a:avLst/>
-            </a:prstGeom>
-            <a:ln w="38100">
-              <a:solidFill>
-                <a:schemeClr val="tx1"/>
-              </a:solidFill>
-            </a:ln>
-          </p:spPr>
-          <p:style>
-            <a:lnRef idx="1">
-              <a:schemeClr val="accent1"/>
-            </a:lnRef>
-            <a:fillRef idx="0">
-              <a:schemeClr val="accent1"/>
-            </a:fillRef>
-            <a:effectRef idx="0">
-              <a:schemeClr val="accent1"/>
-            </a:effectRef>
-            <a:fontRef idx="minor">
-              <a:schemeClr val="tx1"/>
-            </a:fontRef>
-          </p:style>
-        </p:cxnSp>
-        <p:cxnSp>
-          <p:nvCxnSpPr>
-            <p:cNvPr id="28" name="Straight Connector 27"/>
-            <p:cNvCxnSpPr/>
-            <p:nvPr/>
-          </p:nvCxnSpPr>
-          <p:spPr>
-            <a:xfrm rot="19834979">
-              <a:off x="5178173" y="674824"/>
-              <a:ext cx="93460" cy="145080"/>
-            </a:xfrm>
-            <a:prstGeom prst="line">
-              <a:avLst/>
-            </a:prstGeom>
-            <a:ln w="38100">
-              <a:solidFill>
-                <a:schemeClr val="tx1"/>
-              </a:solidFill>
-            </a:ln>
-          </p:spPr>
-          <p:style>
-            <a:lnRef idx="1">
-              <a:schemeClr val="accent1"/>
-            </a:lnRef>
-            <a:fillRef idx="0">
-              <a:schemeClr val="accent1"/>
-            </a:fillRef>
-            <a:effectRef idx="0">
-              <a:schemeClr val="accent1"/>
-            </a:effectRef>
-            <a:fontRef idx="minor">
-              <a:schemeClr val="tx1"/>
-            </a:fontRef>
-          </p:style>
-        </p:cxnSp>
-        <p:cxnSp>
-          <p:nvCxnSpPr>
-            <p:cNvPr id="29" name="Straight Connector 28"/>
-            <p:cNvCxnSpPr/>
-            <p:nvPr/>
-          </p:nvCxnSpPr>
-          <p:spPr>
-            <a:xfrm rot="19834979" flipH="1">
-              <a:off x="5028902" y="803140"/>
-              <a:ext cx="29790" cy="82034"/>
-            </a:xfrm>
-            <a:prstGeom prst="line">
-              <a:avLst/>
-            </a:prstGeom>
-            <a:ln w="38100">
-              <a:solidFill>
-                <a:schemeClr val="tx1"/>
-              </a:solidFill>
-            </a:ln>
-          </p:spPr>
-          <p:style>
-            <a:lnRef idx="1">
-              <a:schemeClr val="accent1"/>
-            </a:lnRef>
-            <a:fillRef idx="0">
-              <a:schemeClr val="accent1"/>
-            </a:fillRef>
-            <a:effectRef idx="0">
-              <a:schemeClr val="accent1"/>
-            </a:effectRef>
-            <a:fontRef idx="minor">
-              <a:schemeClr val="tx1"/>
-            </a:fontRef>
-          </p:style>
-        </p:cxnSp>
-        <p:cxnSp>
-          <p:nvCxnSpPr>
-            <p:cNvPr id="30" name="Straight Connector 29"/>
-            <p:cNvCxnSpPr/>
-            <p:nvPr/>
-          </p:nvCxnSpPr>
-          <p:spPr>
-            <a:xfrm rot="19834979" flipH="1" flipV="1">
-              <a:off x="5079818" y="699020"/>
-              <a:ext cx="75876" cy="33610"/>
-            </a:xfrm>
-            <a:prstGeom prst="line">
-              <a:avLst/>
-            </a:prstGeom>
-            <a:ln w="38100">
-              <a:solidFill>
-                <a:schemeClr val="tx1"/>
-              </a:solidFill>
-            </a:ln>
-          </p:spPr>
-          <p:style>
-            <a:lnRef idx="1">
-              <a:schemeClr val="accent1"/>
-            </a:lnRef>
-            <a:fillRef idx="0">
-              <a:schemeClr val="accent1"/>
-            </a:fillRef>
-            <a:effectRef idx="0">
-              <a:schemeClr val="accent1"/>
-            </a:effectRef>
-            <a:fontRef idx="minor">
-              <a:schemeClr val="tx1"/>
-            </a:fontRef>
-          </p:style>
-        </p:cxnSp>
-        <p:cxnSp>
-          <p:nvCxnSpPr>
-            <p:cNvPr id="31" name="Straight Connector 30"/>
-            <p:cNvCxnSpPr/>
-            <p:nvPr/>
-          </p:nvCxnSpPr>
-          <p:spPr>
-            <a:xfrm rot="19834979" flipH="1">
-              <a:off x="5016425" y="733205"/>
-              <a:ext cx="94908" cy="56542"/>
-            </a:xfrm>
-            <a:prstGeom prst="line">
-              <a:avLst/>
-            </a:prstGeom>
-            <a:ln w="38100">
-              <a:solidFill>
-                <a:schemeClr val="tx1"/>
-              </a:solidFill>
-            </a:ln>
-          </p:spPr>
-          <p:style>
-            <a:lnRef idx="1">
-              <a:schemeClr val="accent1"/>
-            </a:lnRef>
-            <a:fillRef idx="0">
-              <a:schemeClr val="accent1"/>
-            </a:fillRef>
-            <a:effectRef idx="0">
-              <a:schemeClr val="accent1"/>
-            </a:effectRef>
-            <a:fontRef idx="minor">
-              <a:schemeClr val="tx1"/>
-            </a:fontRef>
-          </p:style>
-        </p:cxnSp>
-        <p:cxnSp>
-          <p:nvCxnSpPr>
-            <p:cNvPr id="33" name="Straight Connector 32"/>
-            <p:cNvCxnSpPr/>
-            <p:nvPr/>
-          </p:nvCxnSpPr>
-          <p:spPr>
-            <a:xfrm>
-              <a:off x="4955687" y="1390916"/>
-              <a:ext cx="184571" cy="6168"/>
-            </a:xfrm>
-            <a:prstGeom prst="line">
-              <a:avLst/>
-            </a:prstGeom>
-            <a:ln w="38100">
-              <a:solidFill>
-                <a:schemeClr val="tx1"/>
-              </a:solidFill>
-            </a:ln>
-          </p:spPr>
-          <p:style>
-            <a:lnRef idx="1">
-              <a:schemeClr val="accent1"/>
-            </a:lnRef>
-            <a:fillRef idx="0">
-              <a:schemeClr val="accent1"/>
-            </a:fillRef>
-            <a:effectRef idx="0">
-              <a:schemeClr val="accent1"/>
-            </a:effectRef>
-            <a:fontRef idx="minor">
-              <a:schemeClr val="tx1"/>
-            </a:fontRef>
-          </p:style>
-        </p:cxnSp>
-        <p:cxnSp>
-          <p:nvCxnSpPr>
-            <p:cNvPr id="34" name="Straight Connector 33"/>
-            <p:cNvCxnSpPr/>
-            <p:nvPr/>
-          </p:nvCxnSpPr>
-          <p:spPr>
-            <a:xfrm>
-              <a:off x="4970338" y="1178000"/>
-              <a:ext cx="184571" cy="6168"/>
-            </a:xfrm>
-            <a:prstGeom prst="line">
-              <a:avLst/>
-            </a:prstGeom>
-            <a:ln w="38100">
-              <a:solidFill>
-                <a:schemeClr val="tx1"/>
-              </a:solidFill>
-            </a:ln>
-          </p:spPr>
-          <p:style>
-            <a:lnRef idx="1">
-              <a:schemeClr val="accent1"/>
-            </a:lnRef>
-            <a:fillRef idx="0">
-              <a:schemeClr val="accent1"/>
-            </a:fillRef>
-            <a:effectRef idx="0">
-              <a:schemeClr val="accent1"/>
-            </a:effectRef>
-            <a:fontRef idx="minor">
-              <a:schemeClr val="tx1"/>
-            </a:fontRef>
-          </p:style>
-        </p:cxnSp>
-        <p:cxnSp>
-          <p:nvCxnSpPr>
-            <p:cNvPr id="35" name="Straight Connector 34"/>
-            <p:cNvCxnSpPr/>
-            <p:nvPr/>
-          </p:nvCxnSpPr>
-          <p:spPr>
-            <a:xfrm>
-              <a:off x="4907617" y="1320286"/>
-              <a:ext cx="67724" cy="74027"/>
-            </a:xfrm>
-            <a:prstGeom prst="line">
-              <a:avLst/>
-            </a:prstGeom>
-            <a:ln w="38100">
-              <a:solidFill>
-                <a:schemeClr val="tx1"/>
-              </a:solidFill>
-            </a:ln>
-          </p:spPr>
-          <p:style>
-            <a:lnRef idx="1">
-              <a:schemeClr val="accent1"/>
-            </a:lnRef>
-            <a:fillRef idx="0">
-              <a:schemeClr val="accent1"/>
-            </a:fillRef>
-            <a:effectRef idx="0">
-              <a:schemeClr val="accent1"/>
-            </a:effectRef>
-            <a:fontRef idx="minor">
-              <a:schemeClr val="tx1"/>
-            </a:fontRef>
-          </p:style>
-        </p:cxnSp>
-        <p:cxnSp>
-          <p:nvCxnSpPr>
-            <p:cNvPr id="36" name="Straight Connector 35"/>
-            <p:cNvCxnSpPr/>
-            <p:nvPr/>
-          </p:nvCxnSpPr>
-          <p:spPr>
-            <a:xfrm flipH="1">
-              <a:off x="4907221" y="1177630"/>
-              <a:ext cx="75404" cy="46110"/>
-            </a:xfrm>
-            <a:prstGeom prst="line">
-              <a:avLst/>
-            </a:prstGeom>
-            <a:ln w="38100">
-              <a:solidFill>
-                <a:schemeClr val="tx1"/>
-              </a:solidFill>
-            </a:ln>
-          </p:spPr>
-          <p:style>
-            <a:lnRef idx="1">
-              <a:schemeClr val="accent1"/>
-            </a:lnRef>
-            <a:fillRef idx="0">
-              <a:schemeClr val="accent1"/>
-            </a:fillRef>
-            <a:effectRef idx="0">
-              <a:schemeClr val="accent1"/>
-            </a:effectRef>
-            <a:fontRef idx="minor">
-              <a:schemeClr val="tx1"/>
-            </a:fontRef>
-          </p:style>
-        </p:cxnSp>
-        <p:cxnSp>
-          <p:nvCxnSpPr>
-            <p:cNvPr id="37" name="Straight Connector 36"/>
-            <p:cNvCxnSpPr/>
-            <p:nvPr/>
-          </p:nvCxnSpPr>
-          <p:spPr>
-            <a:xfrm flipH="1">
-              <a:off x="4911367" y="1210794"/>
-              <a:ext cx="7134" cy="117545"/>
-            </a:xfrm>
-            <a:prstGeom prst="line">
-              <a:avLst/>
-            </a:prstGeom>
-            <a:ln w="38100">
-              <a:solidFill>
-                <a:schemeClr val="tx1"/>
-              </a:solidFill>
-            </a:ln>
-          </p:spPr>
-          <p:style>
-            <a:lnRef idx="1">
-              <a:schemeClr val="accent1"/>
-            </a:lnRef>
-            <a:fillRef idx="0">
-              <a:schemeClr val="accent1"/>
-            </a:fillRef>
-            <a:effectRef idx="0">
-              <a:schemeClr val="accent1"/>
-            </a:effectRef>
-            <a:fontRef idx="minor">
-              <a:schemeClr val="tx1"/>
-            </a:fontRef>
-          </p:style>
-        </p:cxnSp>
-        <p:cxnSp>
-          <p:nvCxnSpPr>
-            <p:cNvPr id="39" name="Straight Connector 38"/>
-            <p:cNvCxnSpPr/>
-            <p:nvPr/>
-          </p:nvCxnSpPr>
-          <p:spPr>
-            <a:xfrm flipV="1">
-              <a:off x="5177552" y="1798874"/>
-              <a:ext cx="123685" cy="94876"/>
-            </a:xfrm>
-            <a:prstGeom prst="line">
-              <a:avLst/>
-            </a:prstGeom>
-            <a:ln w="38100">
-              <a:solidFill>
-                <a:schemeClr val="tx1"/>
-              </a:solidFill>
-            </a:ln>
-          </p:spPr>
-          <p:style>
-            <a:lnRef idx="1">
-              <a:schemeClr val="accent1"/>
-            </a:lnRef>
-            <a:fillRef idx="0">
-              <a:schemeClr val="accent1"/>
-            </a:fillRef>
-            <a:effectRef idx="0">
-              <a:schemeClr val="accent1"/>
-            </a:effectRef>
-            <a:fontRef idx="minor">
-              <a:schemeClr val="tx1"/>
-            </a:fontRef>
-          </p:style>
-        </p:cxnSp>
-        <p:cxnSp>
-          <p:nvCxnSpPr>
-            <p:cNvPr id="40" name="Straight Connector 39"/>
-            <p:cNvCxnSpPr/>
-            <p:nvPr/>
-          </p:nvCxnSpPr>
-          <p:spPr>
-            <a:xfrm flipV="1">
-              <a:off x="5072895" y="1617811"/>
-              <a:ext cx="150202" cy="96846"/>
-            </a:xfrm>
-            <a:prstGeom prst="line">
-              <a:avLst/>
-            </a:prstGeom>
-            <a:ln w="38100">
-              <a:solidFill>
-                <a:schemeClr val="tx1"/>
-              </a:solidFill>
-            </a:ln>
-          </p:spPr>
-          <p:style>
-            <a:lnRef idx="1">
-              <a:schemeClr val="accent1"/>
-            </a:lnRef>
-            <a:fillRef idx="0">
-              <a:schemeClr val="accent1"/>
-            </a:fillRef>
-            <a:effectRef idx="0">
-              <a:schemeClr val="accent1"/>
-            </a:effectRef>
-            <a:fontRef idx="minor">
-              <a:schemeClr val="tx1"/>
-            </a:fontRef>
-          </p:style>
-        </p:cxnSp>
-        <p:cxnSp>
-          <p:nvCxnSpPr>
-            <p:cNvPr id="41" name="Straight Connector 40"/>
-            <p:cNvCxnSpPr/>
-            <p:nvPr/>
-          </p:nvCxnSpPr>
-          <p:spPr>
-            <a:xfrm>
-              <a:off x="5100729" y="1863532"/>
-              <a:ext cx="82180" cy="20789"/>
-            </a:xfrm>
-            <a:prstGeom prst="line">
-              <a:avLst/>
-            </a:prstGeom>
-            <a:ln w="38100">
-              <a:solidFill>
-                <a:schemeClr val="tx1"/>
-              </a:solidFill>
-            </a:ln>
-          </p:spPr>
-          <p:style>
-            <a:lnRef idx="1">
-              <a:schemeClr val="accent1"/>
-            </a:lnRef>
-            <a:fillRef idx="0">
-              <a:schemeClr val="accent1"/>
-            </a:fillRef>
-            <a:effectRef idx="0">
-              <a:schemeClr val="accent1"/>
-            </a:effectRef>
-            <a:fontRef idx="minor">
-              <a:schemeClr val="tx1"/>
-            </a:fontRef>
-          </p:style>
-        </p:cxnSp>
-        <p:cxnSp>
-          <p:nvCxnSpPr>
-            <p:cNvPr id="42" name="Straight Connector 41"/>
-            <p:cNvCxnSpPr/>
-            <p:nvPr/>
-          </p:nvCxnSpPr>
-          <p:spPr>
-            <a:xfrm flipH="1">
-              <a:off x="5047671" y="1707583"/>
-              <a:ext cx="34798" cy="78625"/>
-            </a:xfrm>
-            <a:prstGeom prst="line">
-              <a:avLst/>
-            </a:prstGeom>
-            <a:ln w="38100">
-              <a:solidFill>
-                <a:schemeClr val="tx1"/>
-              </a:solidFill>
-            </a:ln>
-          </p:spPr>
-          <p:style>
-            <a:lnRef idx="1">
-              <a:schemeClr val="accent1"/>
-            </a:lnRef>
-            <a:fillRef idx="0">
-              <a:schemeClr val="accent1"/>
-            </a:fillRef>
-            <a:effectRef idx="0">
-              <a:schemeClr val="accent1"/>
-            </a:effectRef>
-            <a:fontRef idx="minor">
-              <a:schemeClr val="tx1"/>
-            </a:fontRef>
-          </p:style>
-        </p:cxnSp>
-        <p:cxnSp>
-          <p:nvCxnSpPr>
-            <p:cNvPr id="43" name="Straight Connector 42"/>
-            <p:cNvCxnSpPr/>
-            <p:nvPr/>
-          </p:nvCxnSpPr>
-          <p:spPr>
-            <a:xfrm>
-              <a:off x="5049572" y="1769587"/>
-              <a:ext cx="58538" cy="98346"/>
-            </a:xfrm>
-            <a:prstGeom prst="line">
-              <a:avLst/>
-            </a:prstGeom>
-            <a:ln w="38100">
-              <a:solidFill>
-                <a:schemeClr val="tx1"/>
-              </a:solidFill>
-            </a:ln>
-          </p:spPr>
-          <p:style>
-            <a:lnRef idx="1">
-              <a:schemeClr val="accent1"/>
-            </a:lnRef>
-            <a:fillRef idx="0">
-              <a:schemeClr val="accent1"/>
-            </a:fillRef>
-            <a:effectRef idx="0">
-              <a:schemeClr val="accent1"/>
-            </a:effectRef>
-            <a:fontRef idx="minor">
-              <a:schemeClr val="tx1"/>
-            </a:fontRef>
-          </p:style>
-        </p:cxnSp>
-        <p:cxnSp>
-          <p:nvCxnSpPr>
-            <p:cNvPr id="45" name="Straight Connector 44"/>
-            <p:cNvCxnSpPr/>
-            <p:nvPr/>
-          </p:nvCxnSpPr>
-          <p:spPr>
-            <a:xfrm rot="1853527">
-              <a:off x="5779531" y="283716"/>
-              <a:ext cx="104828" cy="165161"/>
-            </a:xfrm>
-            <a:prstGeom prst="line">
-              <a:avLst/>
-            </a:prstGeom>
-            <a:ln w="38100">
-              <a:solidFill>
-                <a:schemeClr val="tx1"/>
-              </a:solidFill>
-            </a:ln>
-          </p:spPr>
-          <p:style>
-            <a:lnRef idx="1">
-              <a:schemeClr val="accent1"/>
-            </a:lnRef>
-            <a:fillRef idx="0">
-              <a:schemeClr val="accent1"/>
-            </a:fillRef>
-            <a:effectRef idx="0">
-              <a:schemeClr val="accent1"/>
-            </a:effectRef>
-            <a:fontRef idx="minor">
-              <a:schemeClr val="tx1"/>
-            </a:fontRef>
-          </p:style>
-        </p:cxnSp>
-        <p:cxnSp>
-          <p:nvCxnSpPr>
-            <p:cNvPr id="46" name="Straight Connector 45"/>
-            <p:cNvCxnSpPr/>
-            <p:nvPr/>
-          </p:nvCxnSpPr>
-          <p:spPr>
-            <a:xfrm>
-              <a:off x="6054805" y="269297"/>
-              <a:ext cx="18292" cy="176103"/>
-            </a:xfrm>
-            <a:prstGeom prst="line">
-              <a:avLst/>
-            </a:prstGeom>
-            <a:ln w="38100">
-              <a:solidFill>
-                <a:schemeClr val="tx1"/>
-              </a:solidFill>
-            </a:ln>
-          </p:spPr>
-          <p:style>
-            <a:lnRef idx="1">
-              <a:schemeClr val="accent1"/>
-            </a:lnRef>
-            <a:fillRef idx="0">
-              <a:schemeClr val="accent1"/>
-            </a:fillRef>
-            <a:effectRef idx="0">
-              <a:schemeClr val="accent1"/>
-            </a:effectRef>
-            <a:fontRef idx="minor">
-              <a:schemeClr val="tx1"/>
-            </a:fontRef>
-          </p:style>
-        </p:cxnSp>
-        <p:cxnSp>
-          <p:nvCxnSpPr>
-            <p:cNvPr id="47" name="Straight Connector 46"/>
-            <p:cNvCxnSpPr/>
-            <p:nvPr/>
-          </p:nvCxnSpPr>
-          <p:spPr>
-            <a:xfrm rot="1853527" flipH="1">
-              <a:off x="5845788" y="197621"/>
-              <a:ext cx="33414" cy="93389"/>
-            </a:xfrm>
-            <a:prstGeom prst="line">
-              <a:avLst/>
-            </a:prstGeom>
-            <a:ln w="38100">
-              <a:solidFill>
-                <a:schemeClr val="tx1"/>
-              </a:solidFill>
-            </a:ln>
-          </p:spPr>
-          <p:style>
-            <a:lnRef idx="1">
-              <a:schemeClr val="accent1"/>
-            </a:lnRef>
-            <a:fillRef idx="0">
-              <a:schemeClr val="accent1"/>
-            </a:fillRef>
-            <a:effectRef idx="0">
-              <a:schemeClr val="accent1"/>
-            </a:effectRef>
-            <a:fontRef idx="minor">
-              <a:schemeClr val="tx1"/>
-            </a:fontRef>
-          </p:style>
-        </p:cxnSp>
-        <p:cxnSp>
-          <p:nvCxnSpPr>
-            <p:cNvPr id="48" name="Straight Connector 47"/>
-            <p:cNvCxnSpPr/>
-            <p:nvPr/>
-          </p:nvCxnSpPr>
-          <p:spPr>
-            <a:xfrm rot="1853527" flipH="1" flipV="1">
-              <a:off x="5986725" y="224865"/>
-              <a:ext cx="85105" cy="38262"/>
-            </a:xfrm>
-            <a:prstGeom prst="line">
-              <a:avLst/>
-            </a:prstGeom>
-            <a:ln w="38100">
-              <a:solidFill>
-                <a:schemeClr val="tx1"/>
-              </a:solidFill>
-            </a:ln>
-          </p:spPr>
-          <p:style>
-            <a:lnRef idx="1">
-              <a:schemeClr val="accent1"/>
-            </a:lnRef>
-            <a:fillRef idx="0">
-              <a:schemeClr val="accent1"/>
-            </a:fillRef>
-            <a:effectRef idx="0">
-              <a:schemeClr val="accent1"/>
-            </a:effectRef>
-            <a:fontRef idx="minor">
-              <a:schemeClr val="tx1"/>
-            </a:fontRef>
-          </p:style>
-        </p:cxnSp>
-        <p:cxnSp>
-          <p:nvCxnSpPr>
-            <p:cNvPr id="49" name="Straight Connector 48"/>
-            <p:cNvCxnSpPr/>
-            <p:nvPr/>
-          </p:nvCxnSpPr>
-          <p:spPr>
-            <a:xfrm rot="1853527" flipH="1">
-              <a:off x="5901523" y="184868"/>
-              <a:ext cx="106453" cy="64368"/>
-            </a:xfrm>
-            <a:prstGeom prst="line">
-              <a:avLst/>
-            </a:prstGeom>
-            <a:ln w="38100">
-              <a:solidFill>
-                <a:schemeClr val="tx1"/>
-              </a:solidFill>
-            </a:ln>
-          </p:spPr>
-          <p:style>
-            <a:lnRef idx="1">
-              <a:schemeClr val="accent1"/>
-            </a:lnRef>
-            <a:fillRef idx="0">
-              <a:schemeClr val="accent1"/>
-            </a:fillRef>
-            <a:effectRef idx="0">
-              <a:schemeClr val="accent1"/>
-            </a:effectRef>
-            <a:fontRef idx="minor">
-              <a:schemeClr val="tx1"/>
-            </a:fontRef>
-          </p:style>
-        </p:cxnSp>
-        <p:cxnSp>
-          <p:nvCxnSpPr>
-            <p:cNvPr id="51" name="Straight Connector 50"/>
-            <p:cNvCxnSpPr/>
-            <p:nvPr/>
-          </p:nvCxnSpPr>
-          <p:spPr>
-            <a:xfrm flipH="1">
-              <a:off x="6288254" y="332578"/>
-              <a:ext cx="103002" cy="168630"/>
-            </a:xfrm>
-            <a:prstGeom prst="line">
-              <a:avLst/>
-            </a:prstGeom>
-            <a:ln w="38100">
-              <a:solidFill>
-                <a:schemeClr val="tx1"/>
-              </a:solidFill>
-            </a:ln>
-          </p:spPr>
-          <p:style>
-            <a:lnRef idx="1">
-              <a:schemeClr val="accent1"/>
-            </a:lnRef>
-            <a:fillRef idx="0">
-              <a:schemeClr val="accent1"/>
-            </a:fillRef>
-            <a:effectRef idx="0">
-              <a:schemeClr val="accent1"/>
-            </a:effectRef>
-            <a:fontRef idx="minor">
-              <a:schemeClr val="tx1"/>
-            </a:fontRef>
-          </p:style>
-        </p:cxnSp>
-        <p:cxnSp>
-          <p:nvCxnSpPr>
-            <p:cNvPr id="52" name="Straight Connector 51"/>
-            <p:cNvCxnSpPr/>
-            <p:nvPr/>
-          </p:nvCxnSpPr>
-          <p:spPr>
-            <a:xfrm flipH="1">
-              <a:off x="6497592" y="436977"/>
-              <a:ext cx="85756" cy="178527"/>
-            </a:xfrm>
-            <a:prstGeom prst="line">
-              <a:avLst/>
-            </a:prstGeom>
-            <a:ln w="38100">
-              <a:solidFill>
-                <a:schemeClr val="tx1"/>
-              </a:solidFill>
-            </a:ln>
-          </p:spPr>
-          <p:style>
-            <a:lnRef idx="1">
-              <a:schemeClr val="accent1"/>
-            </a:lnRef>
-            <a:fillRef idx="0">
-              <a:schemeClr val="accent1"/>
-            </a:fillRef>
-            <a:effectRef idx="0">
-              <a:schemeClr val="accent1"/>
-            </a:effectRef>
-            <a:fontRef idx="minor">
-              <a:schemeClr val="tx1"/>
-            </a:fontRef>
-          </p:style>
-        </p:cxnSp>
-        <p:cxnSp>
-          <p:nvCxnSpPr>
-            <p:cNvPr id="53" name="Straight Connector 52"/>
-            <p:cNvCxnSpPr/>
-            <p:nvPr/>
-          </p:nvCxnSpPr>
-          <p:spPr>
-            <a:xfrm flipH="1">
-              <a:off x="6382829" y="318098"/>
-              <a:ext cx="100026" cy="18290"/>
-            </a:xfrm>
-            <a:prstGeom prst="line">
-              <a:avLst/>
-            </a:prstGeom>
-            <a:ln w="38100">
-              <a:solidFill>
-                <a:schemeClr val="tx1"/>
-              </a:solidFill>
-            </a:ln>
-          </p:spPr>
-          <p:style>
-            <a:lnRef idx="1">
-              <a:schemeClr val="accent1"/>
-            </a:lnRef>
-            <a:fillRef idx="0">
-              <a:schemeClr val="accent1"/>
-            </a:fillRef>
-            <a:effectRef idx="0">
-              <a:schemeClr val="accent1"/>
-            </a:effectRef>
-            <a:fontRef idx="minor">
-              <a:schemeClr val="tx1"/>
-            </a:fontRef>
-          </p:style>
-        </p:cxnSp>
-        <p:cxnSp>
-          <p:nvCxnSpPr>
-            <p:cNvPr id="54" name="Straight Connector 53"/>
-            <p:cNvCxnSpPr/>
-            <p:nvPr/>
-          </p:nvCxnSpPr>
-          <p:spPr>
-            <a:xfrm flipH="1" flipV="1">
-              <a:off x="6573665" y="358904"/>
-              <a:ext cx="3558" cy="89632"/>
-            </a:xfrm>
-            <a:prstGeom prst="line">
-              <a:avLst/>
-            </a:prstGeom>
-            <a:ln w="38100">
-              <a:solidFill>
-                <a:schemeClr val="tx1"/>
-              </a:solidFill>
-            </a:ln>
-          </p:spPr>
-          <p:style>
-            <a:lnRef idx="1">
-              <a:schemeClr val="accent1"/>
-            </a:lnRef>
-            <a:fillRef idx="0">
-              <a:schemeClr val="accent1"/>
-            </a:fillRef>
-            <a:effectRef idx="0">
-              <a:schemeClr val="accent1"/>
-            </a:effectRef>
-            <a:fontRef idx="minor">
-              <a:schemeClr val="tx1"/>
-            </a:fontRef>
-          </p:style>
-        </p:cxnSp>
-        <p:cxnSp>
-          <p:nvCxnSpPr>
-            <p:cNvPr id="55" name="Straight Connector 54"/>
-            <p:cNvCxnSpPr/>
-            <p:nvPr/>
-          </p:nvCxnSpPr>
-          <p:spPr>
-            <a:xfrm flipH="1" flipV="1">
-              <a:off x="6473322" y="318142"/>
-              <a:ext cx="106552" cy="56750"/>
-            </a:xfrm>
-            <a:prstGeom prst="line">
-              <a:avLst/>
-            </a:prstGeom>
-            <a:ln w="38100">
-              <a:solidFill>
-                <a:schemeClr val="tx1"/>
-              </a:solidFill>
-            </a:ln>
-          </p:spPr>
-          <p:style>
-            <a:lnRef idx="1">
-              <a:schemeClr val="accent1"/>
-            </a:lnRef>
-            <a:fillRef idx="0">
-              <a:schemeClr val="accent1"/>
-            </a:fillRef>
-            <a:effectRef idx="0">
-              <a:schemeClr val="accent1"/>
-            </a:effectRef>
-            <a:fontRef idx="minor">
-              <a:schemeClr val="tx1"/>
-            </a:fontRef>
-          </p:style>
-        </p:cxnSp>
-        <p:cxnSp>
-          <p:nvCxnSpPr>
-            <p:cNvPr id="57" name="Straight Connector 56"/>
-            <p:cNvCxnSpPr/>
-            <p:nvPr/>
-          </p:nvCxnSpPr>
-          <p:spPr>
-            <a:xfrm rot="5731244">
-              <a:off x="6689183" y="663472"/>
-              <a:ext cx="93460" cy="145080"/>
-            </a:xfrm>
-            <a:prstGeom prst="line">
-              <a:avLst/>
-            </a:prstGeom>
-            <a:ln w="38100">
-              <a:solidFill>
-                <a:schemeClr val="tx1"/>
-              </a:solidFill>
-            </a:ln>
-          </p:spPr>
-          <p:style>
-            <a:lnRef idx="1">
-              <a:schemeClr val="accent1"/>
-            </a:lnRef>
-            <a:fillRef idx="0">
-              <a:schemeClr val="accent1"/>
-            </a:fillRef>
-            <a:effectRef idx="0">
-              <a:schemeClr val="accent1"/>
-            </a:effectRef>
-            <a:fontRef idx="minor">
-              <a:schemeClr val="tx1"/>
-            </a:fontRef>
-          </p:style>
-        </p:cxnSp>
-        <p:cxnSp>
-          <p:nvCxnSpPr>
-            <p:cNvPr id="58" name="Straight Connector 57"/>
-            <p:cNvCxnSpPr/>
-            <p:nvPr/>
-          </p:nvCxnSpPr>
-          <p:spPr>
-            <a:xfrm rot="5731244">
-              <a:off x="6773175" y="845228"/>
-              <a:ext cx="93460" cy="145080"/>
-            </a:xfrm>
-            <a:prstGeom prst="line">
-              <a:avLst/>
-            </a:prstGeom>
-            <a:ln w="38100">
-              <a:solidFill>
-                <a:schemeClr val="tx1"/>
-              </a:solidFill>
-            </a:ln>
-          </p:spPr>
-          <p:style>
-            <a:lnRef idx="1">
-              <a:schemeClr val="accent1"/>
-            </a:lnRef>
-            <a:fillRef idx="0">
-              <a:schemeClr val="accent1"/>
-            </a:fillRef>
-            <a:effectRef idx="0">
-              <a:schemeClr val="accent1"/>
-            </a:effectRef>
-            <a:fontRef idx="minor">
-              <a:schemeClr val="tx1"/>
-            </a:fontRef>
-          </p:style>
-        </p:cxnSp>
-        <p:cxnSp>
-          <p:nvCxnSpPr>
-            <p:cNvPr id="59" name="Straight Connector 58"/>
-            <p:cNvCxnSpPr/>
-            <p:nvPr/>
-          </p:nvCxnSpPr>
-          <p:spPr>
-            <a:xfrm rot="5731244" flipH="1">
-              <a:off x="6829378" y="672853"/>
-              <a:ext cx="29790" cy="82034"/>
-            </a:xfrm>
-            <a:prstGeom prst="line">
-              <a:avLst/>
-            </a:prstGeom>
-            <a:ln w="38100">
-              <a:solidFill>
-                <a:schemeClr val="tx1"/>
-              </a:solidFill>
-            </a:ln>
-          </p:spPr>
-          <p:style>
-            <a:lnRef idx="1">
-              <a:schemeClr val="accent1"/>
-            </a:lnRef>
-            <a:fillRef idx="0">
-              <a:schemeClr val="accent1"/>
-            </a:fillRef>
-            <a:effectRef idx="0">
-              <a:schemeClr val="accent1"/>
-            </a:effectRef>
-            <a:fontRef idx="minor">
-              <a:schemeClr val="tx1"/>
-            </a:fontRef>
-          </p:style>
-        </p:cxnSp>
-        <p:cxnSp>
-          <p:nvCxnSpPr>
-            <p:cNvPr id="60" name="Straight Connector 59"/>
-            <p:cNvCxnSpPr/>
-            <p:nvPr/>
-          </p:nvCxnSpPr>
-          <p:spPr>
-            <a:xfrm rot="5731244" flipH="1" flipV="1">
-              <a:off x="6869183" y="831189"/>
-              <a:ext cx="75876" cy="33610"/>
-            </a:xfrm>
-            <a:prstGeom prst="line">
-              <a:avLst/>
-            </a:prstGeom>
-            <a:ln w="38100">
-              <a:solidFill>
-                <a:schemeClr val="tx1"/>
-              </a:solidFill>
-            </a:ln>
-          </p:spPr>
-          <p:style>
-            <a:lnRef idx="1">
-              <a:schemeClr val="accent1"/>
-            </a:lnRef>
-            <a:fillRef idx="0">
-              <a:schemeClr val="accent1"/>
-            </a:fillRef>
-            <a:effectRef idx="0">
-              <a:schemeClr val="accent1"/>
-            </a:effectRef>
-            <a:fontRef idx="minor">
-              <a:schemeClr val="tx1"/>
-            </a:fontRef>
-          </p:style>
-        </p:cxnSp>
-        <p:cxnSp>
-          <p:nvCxnSpPr>
-            <p:cNvPr id="61" name="Straight Connector 60"/>
-            <p:cNvCxnSpPr/>
-            <p:nvPr/>
-          </p:nvCxnSpPr>
-          <p:spPr>
-            <a:xfrm rot="5731244" flipH="1">
-              <a:off x="6853099" y="749412"/>
-              <a:ext cx="94908" cy="56542"/>
-            </a:xfrm>
-            <a:prstGeom prst="line">
-              <a:avLst/>
-            </a:prstGeom>
-            <a:ln w="38100">
-              <a:solidFill>
-                <a:schemeClr val="tx1"/>
-              </a:solidFill>
-            </a:ln>
-          </p:spPr>
-          <p:style>
-            <a:lnRef idx="1">
-              <a:schemeClr val="accent1"/>
-            </a:lnRef>
-            <a:fillRef idx="0">
-              <a:schemeClr val="accent1"/>
-            </a:fillRef>
-            <a:effectRef idx="0">
-              <a:schemeClr val="accent1"/>
-            </a:effectRef>
-            <a:fontRef idx="minor">
-              <a:schemeClr val="tx1"/>
-            </a:fontRef>
-          </p:style>
-        </p:cxnSp>
-        <p:cxnSp>
-          <p:nvCxnSpPr>
-            <p:cNvPr id="63" name="Straight Connector 62"/>
-            <p:cNvCxnSpPr/>
-            <p:nvPr/>
-          </p:nvCxnSpPr>
-          <p:spPr>
-            <a:xfrm rot="7352018">
-              <a:off x="6856033" y="1072719"/>
-              <a:ext cx="95719" cy="159905"/>
-            </a:xfrm>
-            <a:prstGeom prst="line">
-              <a:avLst/>
-            </a:prstGeom>
-            <a:ln w="38100">
-              <a:solidFill>
-                <a:schemeClr val="tx1"/>
-              </a:solidFill>
-            </a:ln>
-          </p:spPr>
-          <p:style>
-            <a:lnRef idx="1">
-              <a:schemeClr val="accent1"/>
-            </a:lnRef>
-            <a:fillRef idx="0">
-              <a:schemeClr val="accent1"/>
-            </a:fillRef>
-            <a:effectRef idx="0">
-              <a:schemeClr val="accent1"/>
-            </a:effectRef>
-            <a:fontRef idx="minor">
-              <a:schemeClr val="tx1"/>
-            </a:fontRef>
-          </p:style>
-        </p:cxnSp>
-        <p:cxnSp>
-          <p:nvCxnSpPr>
-            <p:cNvPr id="64" name="Straight Connector 63"/>
-            <p:cNvCxnSpPr/>
-            <p:nvPr/>
-          </p:nvCxnSpPr>
-          <p:spPr>
-            <a:xfrm rot="7352018">
-              <a:off x="6854772" y="1281871"/>
-              <a:ext cx="95719" cy="159905"/>
-            </a:xfrm>
-            <a:prstGeom prst="line">
-              <a:avLst/>
-            </a:prstGeom>
-            <a:ln w="38100">
-              <a:solidFill>
-                <a:schemeClr val="tx1"/>
-              </a:solidFill>
-            </a:ln>
-          </p:spPr>
-          <p:style>
-            <a:lnRef idx="1">
-              <a:schemeClr val="accent1"/>
-            </a:lnRef>
-            <a:fillRef idx="0">
-              <a:schemeClr val="accent1"/>
-            </a:fillRef>
-            <a:effectRef idx="0">
-              <a:schemeClr val="accent1"/>
-            </a:effectRef>
-            <a:fontRef idx="minor">
-              <a:schemeClr val="tx1"/>
-            </a:fontRef>
-          </p:style>
-        </p:cxnSp>
-        <p:cxnSp>
-          <p:nvCxnSpPr>
-            <p:cNvPr id="65" name="Straight Connector 64"/>
-            <p:cNvCxnSpPr/>
-            <p:nvPr/>
-          </p:nvCxnSpPr>
-          <p:spPr>
-            <a:xfrm rot="7352018" flipH="1">
-              <a:off x="7004763" y="1142102"/>
-              <a:ext cx="30510" cy="90417"/>
-            </a:xfrm>
-            <a:prstGeom prst="line">
-              <a:avLst/>
-            </a:prstGeom>
-            <a:ln w="38100">
-              <a:solidFill>
-                <a:schemeClr val="tx1"/>
-              </a:solidFill>
-            </a:ln>
-          </p:spPr>
-          <p:style>
-            <a:lnRef idx="1">
-              <a:schemeClr val="accent1"/>
-            </a:lnRef>
-            <a:fillRef idx="0">
-              <a:schemeClr val="accent1"/>
-            </a:fillRef>
-            <a:effectRef idx="0">
-              <a:schemeClr val="accent1"/>
-            </a:effectRef>
-            <a:fontRef idx="minor">
-              <a:schemeClr val="tx1"/>
-            </a:fontRef>
-          </p:style>
-        </p:cxnSp>
-        <p:cxnSp>
-          <p:nvCxnSpPr>
-            <p:cNvPr id="66" name="Straight Connector 65"/>
-            <p:cNvCxnSpPr/>
-            <p:nvPr/>
-          </p:nvCxnSpPr>
-          <p:spPr>
-            <a:xfrm rot="7352018" flipH="1" flipV="1">
-              <a:off x="6981081" y="1323568"/>
-              <a:ext cx="77710" cy="37044"/>
-            </a:xfrm>
-            <a:prstGeom prst="line">
-              <a:avLst/>
-            </a:prstGeom>
-            <a:ln w="38100">
-              <a:solidFill>
-                <a:schemeClr val="tx1"/>
-              </a:solidFill>
-            </a:ln>
-          </p:spPr>
-          <p:style>
-            <a:lnRef idx="1">
-              <a:schemeClr val="accent1"/>
-            </a:lnRef>
-            <a:fillRef idx="0">
-              <a:schemeClr val="accent1"/>
-            </a:fillRef>
-            <a:effectRef idx="0">
-              <a:schemeClr val="accent1"/>
-            </a:effectRef>
-            <a:fontRef idx="minor">
-              <a:schemeClr val="tx1"/>
-            </a:fontRef>
-          </p:style>
-        </p:cxnSp>
-        <p:cxnSp>
-          <p:nvCxnSpPr>
-            <p:cNvPr id="67" name="Straight Connector 66"/>
-            <p:cNvCxnSpPr/>
-            <p:nvPr/>
-          </p:nvCxnSpPr>
-          <p:spPr>
-            <a:xfrm rot="7352018" flipH="1">
-              <a:off x="6997173" y="1243163"/>
-              <a:ext cx="97202" cy="62320"/>
-            </a:xfrm>
-            <a:prstGeom prst="line">
-              <a:avLst/>
-            </a:prstGeom>
-            <a:ln w="38100">
-              <a:solidFill>
-                <a:schemeClr val="tx1"/>
-              </a:solidFill>
-            </a:ln>
-          </p:spPr>
-          <p:style>
-            <a:lnRef idx="1">
-              <a:schemeClr val="accent1"/>
-            </a:lnRef>
-            <a:fillRef idx="0">
-              <a:schemeClr val="accent1"/>
-            </a:fillRef>
-            <a:effectRef idx="0">
-              <a:schemeClr val="accent1"/>
-            </a:effectRef>
-            <a:fontRef idx="minor">
-              <a:schemeClr val="tx1"/>
-            </a:fontRef>
-          </p:style>
-        </p:cxnSp>
-        <p:cxnSp>
-          <p:nvCxnSpPr>
-            <p:cNvPr id="69" name="Straight Connector 68"/>
-            <p:cNvCxnSpPr/>
-            <p:nvPr/>
-          </p:nvCxnSpPr>
-          <p:spPr>
-            <a:xfrm rot="9031265">
-              <a:off x="6789325" y="1567305"/>
-              <a:ext cx="93460" cy="145080"/>
-            </a:xfrm>
-            <a:prstGeom prst="line">
-              <a:avLst/>
-            </a:prstGeom>
-            <a:ln w="38100">
-              <a:solidFill>
-                <a:schemeClr val="tx1"/>
-              </a:solidFill>
-            </a:ln>
-          </p:spPr>
-          <p:style>
-            <a:lnRef idx="1">
-              <a:schemeClr val="accent1"/>
-            </a:lnRef>
-            <a:fillRef idx="0">
-              <a:schemeClr val="accent1"/>
-            </a:fillRef>
-            <a:effectRef idx="0">
-              <a:schemeClr val="accent1"/>
-            </a:effectRef>
-            <a:fontRef idx="minor">
-              <a:schemeClr val="tx1"/>
-            </a:fontRef>
-          </p:style>
-        </p:cxnSp>
-        <p:cxnSp>
-          <p:nvCxnSpPr>
-            <p:cNvPr id="70" name="Straight Connector 69"/>
-            <p:cNvCxnSpPr/>
-            <p:nvPr/>
-          </p:nvCxnSpPr>
-          <p:spPr>
-            <a:xfrm rot="9031265">
-              <a:off x="6688614" y="1740357"/>
-              <a:ext cx="93460" cy="145080"/>
-            </a:xfrm>
-            <a:prstGeom prst="line">
-              <a:avLst/>
-            </a:prstGeom>
-            <a:ln w="38100">
-              <a:solidFill>
-                <a:schemeClr val="tx1"/>
-              </a:solidFill>
-            </a:ln>
-          </p:spPr>
-          <p:style>
-            <a:lnRef idx="1">
-              <a:schemeClr val="accent1"/>
-            </a:lnRef>
-            <a:fillRef idx="0">
-              <a:schemeClr val="accent1"/>
-            </a:fillRef>
-            <a:effectRef idx="0">
-              <a:schemeClr val="accent1"/>
-            </a:effectRef>
-            <a:fontRef idx="minor">
-              <a:schemeClr val="tx1"/>
-            </a:fontRef>
-          </p:style>
-        </p:cxnSp>
-        <p:cxnSp>
-          <p:nvCxnSpPr>
-            <p:cNvPr id="71" name="Straight Connector 70"/>
-            <p:cNvCxnSpPr/>
-            <p:nvPr/>
-          </p:nvCxnSpPr>
-          <p:spPr>
-            <a:xfrm rot="9031265" flipH="1">
-              <a:off x="6901450" y="1674891"/>
-              <a:ext cx="29790" cy="82034"/>
-            </a:xfrm>
-            <a:prstGeom prst="line">
-              <a:avLst/>
-            </a:prstGeom>
-            <a:ln w="38100">
-              <a:solidFill>
-                <a:schemeClr val="tx1"/>
-              </a:solidFill>
-            </a:ln>
-          </p:spPr>
-          <p:style>
-            <a:lnRef idx="1">
-              <a:schemeClr val="accent1"/>
-            </a:lnRef>
-            <a:fillRef idx="0">
-              <a:schemeClr val="accent1"/>
-            </a:fillRef>
-            <a:effectRef idx="0">
-              <a:schemeClr val="accent1"/>
-            </a:effectRef>
-            <a:fontRef idx="minor">
-              <a:schemeClr val="tx1"/>
-            </a:fontRef>
-          </p:style>
-        </p:cxnSp>
-        <p:cxnSp>
-          <p:nvCxnSpPr>
-            <p:cNvPr id="72" name="Straight Connector 71"/>
-            <p:cNvCxnSpPr/>
-            <p:nvPr/>
-          </p:nvCxnSpPr>
-          <p:spPr>
-            <a:xfrm rot="9031265" flipH="1" flipV="1">
-              <a:off x="6804587" y="1827515"/>
-              <a:ext cx="75876" cy="33610"/>
-            </a:xfrm>
-            <a:prstGeom prst="line">
-              <a:avLst/>
-            </a:prstGeom>
-            <a:ln w="38100">
-              <a:solidFill>
-                <a:schemeClr val="tx1"/>
-              </a:solidFill>
-            </a:ln>
-          </p:spPr>
-          <p:style>
-            <a:lnRef idx="1">
-              <a:schemeClr val="accent1"/>
-            </a:lnRef>
-            <a:fillRef idx="0">
-              <a:schemeClr val="accent1"/>
-            </a:fillRef>
-            <a:effectRef idx="0">
-              <a:schemeClr val="accent1"/>
-            </a:effectRef>
-            <a:fontRef idx="minor">
-              <a:schemeClr val="tx1"/>
-            </a:fontRef>
-          </p:style>
-        </p:cxnSp>
-        <p:cxnSp>
-          <p:nvCxnSpPr>
-            <p:cNvPr id="73" name="Straight Connector 72"/>
-            <p:cNvCxnSpPr/>
-            <p:nvPr/>
-          </p:nvCxnSpPr>
-          <p:spPr>
-            <a:xfrm rot="9031265" flipH="1">
-              <a:off x="6848899" y="1770340"/>
-              <a:ext cx="94908" cy="56542"/>
-            </a:xfrm>
-            <a:prstGeom prst="line">
-              <a:avLst/>
-            </a:prstGeom>
-            <a:ln w="38100">
-              <a:solidFill>
-                <a:schemeClr val="tx1"/>
-              </a:solidFill>
-            </a:ln>
-          </p:spPr>
-          <p:style>
-            <a:lnRef idx="1">
-              <a:schemeClr val="accent1"/>
-            </a:lnRef>
-            <a:fillRef idx="0">
-              <a:schemeClr val="accent1"/>
-            </a:fillRef>
-            <a:effectRef idx="0">
-              <a:schemeClr val="accent1"/>
-            </a:effectRef>
-            <a:fontRef idx="minor">
-              <a:schemeClr val="tx1"/>
-            </a:fontRef>
-          </p:style>
-        </p:cxnSp>
-        <p:sp>
-          <p:nvSpPr>
-            <p:cNvPr id="74" name="Rectangle 73"/>
-            <p:cNvSpPr/>
-            <p:nvPr/>
-          </p:nvSpPr>
-          <p:spPr>
-            <a:xfrm>
-              <a:off x="4918501" y="1980121"/>
-              <a:ext cx="2106057" cy="307057"/>
-            </a:xfrm>
-            <a:prstGeom prst="rect">
-              <a:avLst/>
-            </a:prstGeom>
-            <a:noFill/>
-            <a:ln w="38100">
-              <a:solidFill>
-                <a:schemeClr val="tx1"/>
-              </a:solidFill>
-            </a:ln>
-          </p:spPr>
-          <p:style>
-            <a:lnRef idx="2">
-              <a:schemeClr val="accent1">
-                <a:shade val="50000"/>
-              </a:schemeClr>
-            </a:lnRef>
-            <a:fillRef idx="1">
-              <a:schemeClr val="accent1"/>
-            </a:fillRef>
-            <a:effectRef idx="0">
-              <a:schemeClr val="accent1"/>
-            </a:effectRef>
-            <a:fontRef idx="minor">
-              <a:schemeClr val="lt1"/>
-            </a:fontRef>
-          </p:style>
-          <p:txBody>
-            <a:bodyPr rtlCol="0" anchor="ctr"/>
-            <a:lstStyle/>
-            <a:p>
-              <a:pPr algn="ctr"/>
-              <a:endParaRPr lang="en-US" sz="1100" b="1" spc="-150" dirty="0">
-                <a:solidFill>
-                  <a:sysClr val="windowText" lastClr="000000"/>
-                </a:solidFill>
-                <a:latin typeface="Arial Black" panose="020B0A04020102020204" pitchFamily="34" charset="0"/>
-              </a:endParaRPr>
-            </a:p>
-          </p:txBody>
-        </p:sp>
-        <p:sp>
-          <p:nvSpPr>
-            <p:cNvPr id="75" name="TextBox 74"/>
-            <p:cNvSpPr txBox="1"/>
-            <p:nvPr/>
-          </p:nvSpPr>
-          <p:spPr>
-            <a:xfrm>
-              <a:off x="4941479" y="2021997"/>
-              <a:ext cx="2652091" cy="230832"/>
-            </a:xfrm>
-            <a:prstGeom prst="rect">
-              <a:avLst/>
-            </a:prstGeom>
-            <a:noFill/>
-          </p:spPr>
-          <p:txBody>
-            <a:bodyPr wrap="square" rtlCol="0">
-              <a:spAutoFit/>
-            </a:bodyPr>
-            <a:lstStyle/>
-            <a:p>
-              <a:r>
-                <a:rPr lang="en-US" sz="900" b="1" dirty="0">
-                  <a:latin typeface="Franklin Gothic Heavy" panose="020B0903020102020204" pitchFamily="34" charset="0"/>
-                  <a:cs typeface="Cascadia Mono SemiBold" panose="020B0609020000020004" pitchFamily="49" charset="0"/>
-                </a:rPr>
-                <a:t>PROGRESS THROUGH KNOWLEDGE</a:t>
-              </a:r>
-            </a:p>
-          </p:txBody>
-        </p:sp>
-        <p:pic>
-          <p:nvPicPr>
-            <p:cNvPr id="76" name="Picture 75"/>
-            <p:cNvPicPr>
-              <a:picLocks noChangeAspect="1"/>
-            </p:cNvPicPr>
-            <p:nvPr/>
-          </p:nvPicPr>
-          <p:blipFill>
-            <a:blip r:embed="rId4">
-              <a:extLst>
-                <a:ext uri="{28A0092B-C50C-407E-A947-70E740481C1C}">
-                  <a14:useLocalDpi xmlns:a14="http://schemas.microsoft.com/office/drawing/2010/main" val="0"/>
-                </a:ext>
-              </a:extLst>
-            </a:blip>
-            <a:stretch>
-              <a:fillRect/>
-            </a:stretch>
-          </p:blipFill>
-          <p:spPr>
-            <a:xfrm>
-              <a:off x="5391346" y="664503"/>
-              <a:ext cx="1247083" cy="666843"/>
-            </a:xfrm>
-            <a:prstGeom prst="rect">
-              <a:avLst/>
-            </a:prstGeom>
-            <a:ln>
-              <a:noFill/>
-            </a:ln>
-          </p:spPr>
-        </p:pic>
-      </p:grpSp>
+          <a:prstGeom prst="rect">
+            <a:avLst/>
+          </a:prstGeom>
+        </p:spPr>
+      </p:pic>
     </p:spTree>
     <p:extLst>
       <p:ext uri="{BB962C8B-B14F-4D97-AF65-F5344CB8AC3E}">
@@ -6081,11 +3871,11 @@
   <p:clrMapOvr>
     <a:masterClrMapping/>
   </p:clrMapOvr>
-  <mc:AlternateContent xmlns:mc="http://schemas.openxmlformats.org/markup-compatibility/2006">
-    <mc:Choice xmlns:p14="http://schemas.microsoft.com/office/powerpoint/2010/main" Requires="p14">
+  <mc:AlternateContent xmlns:mc="http://schemas.openxmlformats.org/markup-compatibility/2006" xmlns:p14="http://schemas.microsoft.com/office/powerpoint/2010/main">
+    <mc:Choice Requires="p14">
       <p:transition p14:dur="0"/>
     </mc:Choice>
-    <mc:Fallback>
+    <mc:Fallback xmlns="">
       <p:transition/>
     </mc:Fallback>
   </mc:AlternateContent>
@@ -6188,11 +3978,18 @@
               <a:buChar char="Ø"/>
             </a:pPr>
             <a:r>
+              <a:rPr lang="en-US" sz="2400" dirty="0" err="1" smtClean="0">
+                <a:latin typeface="Times New Roman" panose="02020603050405020304" pitchFamily="18" charset="0"/>
+                <a:cs typeface="Times New Roman" panose="02020603050405020304" pitchFamily="18" charset="0"/>
+              </a:rPr>
+              <a:t>Blockchain</a:t>
+            </a:r>
+            <a:r>
               <a:rPr lang="en-US" sz="2400" dirty="0" smtClean="0">
                 <a:latin typeface="Times New Roman" panose="02020603050405020304" pitchFamily="18" charset="0"/>
                 <a:cs typeface="Times New Roman" panose="02020603050405020304" pitchFamily="18" charset="0"/>
               </a:rPr>
-              <a:t>Software Development</a:t>
+              <a:t> Technology</a:t>
             </a:r>
             <a:endParaRPr lang="en-US" sz="2400" dirty="0">
               <a:latin typeface="Times New Roman" panose="02020603050405020304" pitchFamily="18" charset="0"/>
@@ -6211,13 +4008,13 @@
   <p:clrMapOvr>
     <a:masterClrMapping/>
   </p:clrMapOvr>
-  <mc:AlternateContent xmlns:mc="http://schemas.openxmlformats.org/markup-compatibility/2006">
-    <mc:Choice xmlns:p14="http://schemas.microsoft.com/office/powerpoint/2010/main" Requires="p14">
+  <mc:AlternateContent xmlns:mc="http://schemas.openxmlformats.org/markup-compatibility/2006" xmlns:p14="http://schemas.microsoft.com/office/powerpoint/2010/main">
+    <mc:Choice Requires="p14">
       <p:transition spd="med" p14:dur="700">
         <p:fade/>
       </p:transition>
     </mc:Choice>
-    <mc:Fallback>
+    <mc:Fallback xmlns="">
       <p:transition spd="med">
         <p:fade/>
       </p:transition>
@@ -6262,8 +4059,8 @@
         </p:nvSpPr>
         <p:spPr>
           <a:xfrm>
-            <a:off x="609600" y="245455"/>
-            <a:ext cx="10972800" cy="673812"/>
+            <a:off x="609600" y="194655"/>
+            <a:ext cx="10972800" cy="799742"/>
           </a:xfrm>
         </p:spPr>
         <p:txBody>
@@ -6273,48 +4070,39 @@
           <a:lstStyle/>
           <a:p>
             <a:r>
-              <a:rPr lang="en-US" sz="3600" dirty="0">
-                <a:latin typeface="Times New Roman" panose="02020603050405020304" pitchFamily="18" charset="0"/>
-                <a:cs typeface="Times New Roman" panose="02020603050405020304" pitchFamily="18" charset="0"/>
-              </a:rPr>
-              <a:t> </a:t>
-            </a:r>
-            <a:r>
               <a:rPr lang="en-US" sz="3600" b="1" dirty="0">
                 <a:latin typeface="Times New Roman" panose="02020603050405020304" pitchFamily="18" charset="0"/>
                 <a:cs typeface="Times New Roman" panose="02020603050405020304" pitchFamily="18" charset="0"/>
               </a:rPr>
-              <a:t>ABSTRACT</a:t>
-            </a:r>
-            <a:endParaRPr lang="en-US" sz="3600" dirty="0">
-              <a:latin typeface="Times New Roman" pitchFamily="18" charset="0"/>
-            </a:endParaRPr>
-          </a:p>
-        </p:txBody>
-      </p:sp>
-      <p:sp>
-        <p:nvSpPr>
-          <p:cNvPr id="4" name="Text Placeholder 3"/>
-          <p:cNvSpPr>
-            <a:spLocks noGrp="1"/>
-          </p:cNvSpPr>
-          <p:nvPr>
-            <p:ph idx="1"/>
-          </p:nvPr>
+              <a:t>OBJECTIVE</a:t>
+            </a:r>
+            <a:endParaRPr lang="en-US" sz="3600" b="1" dirty="0"/>
+          </a:p>
+        </p:txBody>
+      </p:sp>
+      <p:sp>
+        <p:nvSpPr>
+          <p:cNvPr id="5" name="TextBox 4"/>
+          <p:cNvSpPr txBox="1"/>
+          <p:nvPr/>
         </p:nvSpPr>
         <p:spPr>
           <a:xfrm>
-            <a:off x="559340" y="1273228"/>
-            <a:ext cx="11073319" cy="4783443"/>
+            <a:off x="693905" y="1345746"/>
+            <a:ext cx="10804190" cy="3970318"/>
           </a:xfrm>
+          <a:prstGeom prst="rect">
+            <a:avLst/>
+          </a:prstGeom>
+          <a:noFill/>
         </p:spPr>
         <p:txBody>
-          <a:bodyPr>
-            <a:noAutofit/>
+          <a:bodyPr wrap="square" rtlCol="0">
+            <a:spAutoFit/>
           </a:bodyPr>
           <a:lstStyle/>
           <a:p>
-            <a:pPr algn="just">
+            <a:pPr marL="342900" indent="-342900" algn="just">
               <a:lnSpc>
                 <a:spcPct val="150000"/>
               </a:lnSpc>
@@ -6322,15 +4110,36 @@
               <a:buChar char="Ø"/>
             </a:pPr>
             <a:r>
+              <a:rPr lang="en-US" sz="2400" dirty="0" smtClean="0">
+                <a:latin typeface="Times New Roman" panose="02020603050405020304" pitchFamily="18" charset="0"/>
+                <a:cs typeface="Times New Roman" panose="02020603050405020304" pitchFamily="18" charset="0"/>
+              </a:rPr>
+              <a:t>To develop </a:t>
+            </a:r>
+            <a:r>
               <a:rPr lang="en-US" sz="2400" dirty="0">
                 <a:latin typeface="Times New Roman" panose="02020603050405020304" pitchFamily="18" charset="0"/>
                 <a:cs typeface="Times New Roman" panose="02020603050405020304" pitchFamily="18" charset="0"/>
               </a:rPr>
-              <a:t>The "Secure Chat API" introduces a robust and privacy-focused Encrypted Chat Application Program Interface (API) enhanced by Blockchain Authentication. </a:t>
-            </a:r>
-          </a:p>
-          <a:p>
-            <a:pPr algn="just">
+              <a:t>a highly secure and reliable Chat API</a:t>
+            </a:r>
+            <a:r>
+              <a:rPr lang="en-US" sz="2400" dirty="0" smtClean="0">
+                <a:latin typeface="Times New Roman" panose="02020603050405020304" pitchFamily="18" charset="0"/>
+                <a:cs typeface="Times New Roman" panose="02020603050405020304" pitchFamily="18" charset="0"/>
+              </a:rPr>
+              <a:t>, designed </a:t>
+            </a:r>
+            <a:r>
+              <a:rPr lang="en-US" sz="2400" dirty="0">
+                <a:latin typeface="Times New Roman" panose="02020603050405020304" pitchFamily="18" charset="0"/>
+                <a:cs typeface="Times New Roman" panose="02020603050405020304" pitchFamily="18" charset="0"/>
+              </a:rPr>
+              <a:t>to facilitate encrypted communication within a Chat Application. </a:t>
+            </a:r>
+          </a:p>
+          <a:p>
+            <a:pPr marL="342900" indent="-342900" algn="just">
               <a:lnSpc>
                 <a:spcPct val="150000"/>
               </a:lnSpc>
@@ -6338,15 +4147,22 @@
               <a:buChar char="Ø"/>
             </a:pPr>
             <a:r>
+              <a:rPr lang="en-US" sz="2400" dirty="0" smtClean="0">
+                <a:latin typeface="Times New Roman" panose="02020603050405020304" pitchFamily="18" charset="0"/>
+                <a:cs typeface="Times New Roman" panose="02020603050405020304" pitchFamily="18" charset="0"/>
+              </a:rPr>
+              <a:t>To implement robust </a:t>
+            </a:r>
+            <a:r>
               <a:rPr lang="en-US" sz="2400" dirty="0">
                 <a:latin typeface="Times New Roman" panose="02020603050405020304" pitchFamily="18" charset="0"/>
                 <a:cs typeface="Times New Roman" panose="02020603050405020304" pitchFamily="18" charset="0"/>
               </a:rPr>
-              <a:t>This API facilitates the development of secure communication applications by integrating end-to-end encryption protocols, ensuring the confidentiality and integrity of user messages. </a:t>
-            </a:r>
-          </a:p>
-          <a:p>
-            <a:pPr algn="just">
+              <a:t>encryption protocols among the various platforms without implementing the actual cryptographic technique.</a:t>
+            </a:r>
+          </a:p>
+          <a:p>
+            <a:pPr marL="342900" indent="-342900" algn="just">
               <a:lnSpc>
                 <a:spcPct val="150000"/>
               </a:lnSpc>
@@ -6358,7 +4174,7 @@
                 <a:latin typeface="Times New Roman" panose="02020603050405020304" pitchFamily="18" charset="0"/>
                 <a:cs typeface="Times New Roman" panose="02020603050405020304" pitchFamily="18" charset="0"/>
               </a:rPr>
-              <a:t>This integration marks a significant step towards fostering trust in communication platforms by prioritizing user privacy and security in the evolving landscape of digital communication.</a:t>
+              <a:t>To integrate Blockchain Authentication mechanisms to enhance user identity verification and authentication, thereby fortifying the overall security posture of the Chat API. </a:t>
             </a:r>
           </a:p>
         </p:txBody>
@@ -6366,22 +4182,22 @@
     </p:spTree>
     <p:extLst>
       <p:ext uri="{BB962C8B-B14F-4D97-AF65-F5344CB8AC3E}">
-        <p14:creationId xmlns:p14="http://schemas.microsoft.com/office/powerpoint/2010/main" val="3927590374"/>
+        <p14:creationId xmlns:p14="http://schemas.microsoft.com/office/powerpoint/2010/main" val="1613798898"/>
       </p:ext>
     </p:extLst>
   </p:cSld>
   <p:clrMapOvr>
     <a:masterClrMapping/>
   </p:clrMapOvr>
-  <mc:AlternateContent xmlns:mc="http://schemas.openxmlformats.org/markup-compatibility/2006">
-    <mc:Choice xmlns:p14="http://schemas.microsoft.com/office/powerpoint/2010/main" Requires="p14">
-      <p:transition spd="med" p14:dur="700">
-        <p:fade/>
+  <mc:AlternateContent xmlns:mc="http://schemas.openxmlformats.org/markup-compatibility/2006" xmlns:p14="http://schemas.microsoft.com/office/powerpoint/2010/main">
+    <mc:Choice Requires="p14">
+      <p:transition spd="slow" p14:dur="800">
+        <p:circle/>
       </p:transition>
     </mc:Choice>
-    <mc:Fallback>
-      <p:transition spd="med">
-        <p:fade/>
+    <mc:Fallback xmlns="">
+      <p:transition spd="slow">
+        <p:circle/>
       </p:transition>
     </mc:Fallback>
   </mc:AlternateContent>
@@ -6502,13 +4318,13 @@
   <p:clrMapOvr>
     <a:masterClrMapping/>
   </p:clrMapOvr>
-  <mc:AlternateContent xmlns:mc="http://schemas.openxmlformats.org/markup-compatibility/2006">
-    <mc:Choice xmlns:p14="http://schemas.microsoft.com/office/powerpoint/2010/main" Requires="p14">
+  <mc:AlternateContent xmlns:mc="http://schemas.openxmlformats.org/markup-compatibility/2006" xmlns:p14="http://schemas.microsoft.com/office/powerpoint/2010/main">
+    <mc:Choice Requires="p14">
       <p:transition spd="slow" p14:dur="1500">
         <p:split orient="vert"/>
       </p:transition>
     </mc:Choice>
-    <mc:Fallback>
+    <mc:Fallback xmlns="">
       <p:transition spd="slow">
         <p:split orient="vert"/>
       </p:transition>
@@ -6553,8 +4369,8 @@
         </p:nvSpPr>
         <p:spPr>
           <a:xfrm>
-            <a:off x="609600" y="194655"/>
-            <a:ext cx="10972800" cy="799742"/>
+            <a:off x="609600" y="245455"/>
+            <a:ext cx="10972800" cy="673812"/>
           </a:xfrm>
         </p:spPr>
         <p:txBody>
@@ -6564,26 +4380,41 @@
           <a:lstStyle/>
           <a:p>
             <a:r>
+              <a:rPr lang="en-US" sz="3600" dirty="0">
+                <a:latin typeface="Times New Roman" panose="02020603050405020304" pitchFamily="18" charset="0"/>
+                <a:cs typeface="Times New Roman" panose="02020603050405020304" pitchFamily="18" charset="0"/>
+              </a:rPr>
+              <a:t> </a:t>
+            </a:r>
+            <a:r>
               <a:rPr lang="en-US" sz="3600" b="1" dirty="0">
                 <a:latin typeface="Times New Roman" panose="02020603050405020304" pitchFamily="18" charset="0"/>
                 <a:cs typeface="Times New Roman" panose="02020603050405020304" pitchFamily="18" charset="0"/>
               </a:rPr>
-              <a:t>OBJECTIVE</a:t>
-            </a:r>
-            <a:endParaRPr lang="en-US" sz="3600" b="1" dirty="0"/>
-          </a:p>
-        </p:txBody>
-      </p:sp>
-      <p:sp>
-        <p:nvSpPr>
-          <p:cNvPr id="5" name="TextBox 4"/>
+              <a:t>BASE PAPERS</a:t>
+            </a:r>
+            <a:endParaRPr lang="en-US" sz="3600" dirty="0">
+              <a:latin typeface="Times New Roman" pitchFamily="18" charset="0"/>
+            </a:endParaRPr>
+          </a:p>
+        </p:txBody>
+      </p:sp>
+      <p:sp>
+        <p:nvSpPr>
+          <p:cNvPr id="3" name="TextBox 2">
+            <a:extLst>
+              <a:ext uri="{FF2B5EF4-FFF2-40B4-BE49-F238E27FC236}">
+                <a16:creationId xmlns:a16="http://schemas.microsoft.com/office/drawing/2014/main" id="{A8CC6EC7-53F3-9BB9-DC3B-4702CB186EB2}"/>
+              </a:ext>
+            </a:extLst>
+          </p:cNvPr>
           <p:cNvSpPr txBox="1"/>
           <p:nvPr/>
         </p:nvSpPr>
         <p:spPr>
           <a:xfrm>
-            <a:off x="1067942" y="1345746"/>
-            <a:ext cx="10056115" cy="4467057"/>
+            <a:off x="649432" y="1508766"/>
+            <a:ext cx="10893136" cy="4524315"/>
           </a:xfrm>
           <a:prstGeom prst="rect">
             <a:avLst/>
@@ -6596,77 +4427,229 @@
           </a:bodyPr>
           <a:lstStyle/>
           <a:p>
-            <a:pPr marL="342900" indent="-342900" algn="just">
+            <a:pPr marL="285750" indent="-285750" algn="just">
               <a:lnSpc>
                 <a:spcPct val="150000"/>
               </a:lnSpc>
               <a:buFont typeface="Wingdings" panose="05000000000000000000" pitchFamily="2" charset="2"/>
-              <a:buChar char="Ø"/>
+              <a:buChar char="v"/>
             </a:pPr>
             <a:r>
+              <a:rPr lang="en-IN" sz="2400" dirty="0">
+                <a:latin typeface="Times New Roman" panose="02020603050405020304" pitchFamily="18" charset="0"/>
+                <a:cs typeface="Times New Roman" panose="02020603050405020304" pitchFamily="18" charset="0"/>
+              </a:rPr>
+              <a:t>[1]. Mirza K. B. Shuhan1, Tariqul Islam2. </a:t>
+            </a:r>
+            <a:r>
+              <a:rPr lang="en-IN" sz="2400" dirty="0" smtClean="0">
+                <a:latin typeface="Times New Roman" panose="02020603050405020304" pitchFamily="18" charset="0"/>
+                <a:cs typeface="Times New Roman" panose="02020603050405020304" pitchFamily="18" charset="0"/>
+              </a:rPr>
+              <a:t>IEEE (</a:t>
+            </a:r>
+            <a:r>
+              <a:rPr lang="en-IN" sz="2400" dirty="0" smtClean="0">
+                <a:latin typeface="Times New Roman" panose="02020603050405020304" pitchFamily="18" charset="0"/>
+                <a:cs typeface="Times New Roman" panose="02020603050405020304" pitchFamily="18" charset="0"/>
+                <a:hlinkClick r:id="rId2"/>
+              </a:rPr>
+              <a:t>arXiv:2308.04452v1</a:t>
+            </a:r>
+            <a:r>
+              <a:rPr lang="en-IN" sz="2400" dirty="0" smtClean="0">
+                <a:latin typeface="Times New Roman" panose="02020603050405020304" pitchFamily="18" charset="0"/>
+                <a:cs typeface="Times New Roman" panose="02020603050405020304" pitchFamily="18" charset="0"/>
+              </a:rPr>
+              <a:t>) </a:t>
+            </a:r>
+            <a:r>
+              <a:rPr lang="en-IN" sz="2400" dirty="0">
+                <a:latin typeface="Times New Roman" panose="02020603050405020304" pitchFamily="18" charset="0"/>
+                <a:cs typeface="Times New Roman" panose="02020603050405020304" pitchFamily="18" charset="0"/>
+              </a:rPr>
+              <a:t>[cs.CR] 5 Aug 2023. </a:t>
+            </a:r>
+            <a:r>
               <a:rPr lang="en-US" sz="2400" dirty="0">
                 <a:latin typeface="Times New Roman" panose="02020603050405020304" pitchFamily="18" charset="0"/>
                 <a:cs typeface="Times New Roman" panose="02020603050405020304" pitchFamily="18" charset="0"/>
               </a:rPr>
-              <a:t>Develop a highly secure and reliable Chat API, named Secure Chat API, designed to facilitate encrypted communication within a Chat Application. </a:t>
-            </a:r>
-          </a:p>
-          <a:p>
-            <a:pPr marL="342900" indent="-342900" algn="just">
+              <a:t>Quarks: A Secure and </a:t>
+            </a:r>
+            <a:r>
+              <a:rPr lang="en-US" sz="2400" dirty="0" smtClean="0">
+                <a:latin typeface="Times New Roman" panose="02020603050405020304" pitchFamily="18" charset="0"/>
+                <a:cs typeface="Times New Roman" panose="02020603050405020304" pitchFamily="18" charset="0"/>
+              </a:rPr>
+              <a:t>Decentralized Block-chain Based </a:t>
+            </a:r>
+            <a:r>
+              <a:rPr lang="en-US" sz="2400" dirty="0">
+                <a:latin typeface="Times New Roman" panose="02020603050405020304" pitchFamily="18" charset="0"/>
+                <a:cs typeface="Times New Roman" panose="02020603050405020304" pitchFamily="18" charset="0"/>
+              </a:rPr>
+              <a:t>Messaging Network</a:t>
+            </a:r>
+          </a:p>
+          <a:p>
+            <a:pPr marL="285750" indent="-285750" algn="just">
               <a:lnSpc>
                 <a:spcPct val="150000"/>
               </a:lnSpc>
               <a:buFont typeface="Wingdings" panose="05000000000000000000" pitchFamily="2" charset="2"/>
-              <a:buChar char="Ø"/>
+              <a:buChar char="v"/>
             </a:pPr>
             <a:r>
+              <a:rPr lang="en-IN" sz="2400" dirty="0" smtClean="0">
+                <a:latin typeface="Times New Roman" panose="02020603050405020304" pitchFamily="18" charset="0"/>
+                <a:cs typeface="Times New Roman" panose="02020603050405020304" pitchFamily="18" charset="0"/>
+              </a:rPr>
+              <a:t>[2]. </a:t>
+            </a:r>
+            <a:r>
+              <a:rPr lang="en-IN" sz="2400" dirty="0">
+                <a:latin typeface="Times New Roman" panose="02020603050405020304" pitchFamily="18" charset="0"/>
+                <a:cs typeface="Times New Roman" panose="02020603050405020304" pitchFamily="18" charset="0"/>
+              </a:rPr>
+              <a:t>Samira </a:t>
+            </a:r>
+            <a:r>
+              <a:rPr lang="en-IN" sz="2400" dirty="0" err="1">
+                <a:latin typeface="Times New Roman" panose="02020603050405020304" pitchFamily="18" charset="0"/>
+                <a:cs typeface="Times New Roman" panose="02020603050405020304" pitchFamily="18" charset="0"/>
+              </a:rPr>
+              <a:t>Prabhune</a:t>
+            </a:r>
+            <a:r>
+              <a:rPr lang="en-IN" sz="2400" dirty="0">
+                <a:latin typeface="Times New Roman" panose="02020603050405020304" pitchFamily="18" charset="0"/>
+                <a:cs typeface="Times New Roman" panose="02020603050405020304" pitchFamily="18" charset="0"/>
+              </a:rPr>
+              <a:t>, </a:t>
+            </a:r>
+            <a:r>
+              <a:rPr lang="en-IN" sz="2400" dirty="0" err="1">
+                <a:latin typeface="Times New Roman" panose="02020603050405020304" pitchFamily="18" charset="0"/>
+                <a:cs typeface="Times New Roman" panose="02020603050405020304" pitchFamily="18" charset="0"/>
+              </a:rPr>
+              <a:t>Sonal</a:t>
+            </a:r>
+            <a:r>
+              <a:rPr lang="en-IN" sz="2400" dirty="0">
+                <a:latin typeface="Times New Roman" panose="02020603050405020304" pitchFamily="18" charset="0"/>
+                <a:cs typeface="Times New Roman" panose="02020603050405020304" pitchFamily="18" charset="0"/>
+              </a:rPr>
+              <a:t> Sharma. IEEE (</a:t>
+            </a:r>
+            <a:r>
+              <a:rPr lang="en-IN" sz="2400" dirty="0">
+                <a:latin typeface="Times New Roman" panose="02020603050405020304" pitchFamily="18" charset="0"/>
+                <a:cs typeface="Times New Roman" panose="02020603050405020304" pitchFamily="18" charset="0"/>
+                <a:hlinkClick r:id="rId3"/>
+              </a:rPr>
+              <a:t>9725597</a:t>
+            </a:r>
+            <a:r>
+              <a:rPr lang="en-IN" sz="2400" dirty="0">
+                <a:latin typeface="Times New Roman" panose="02020603050405020304" pitchFamily="18" charset="0"/>
+                <a:cs typeface="Times New Roman" panose="02020603050405020304" pitchFamily="18" charset="0"/>
+              </a:rPr>
+              <a:t>). </a:t>
+            </a:r>
+            <a:r>
+              <a:rPr lang="en-US" sz="2400" dirty="0" smtClean="0">
+                <a:latin typeface="Times New Roman" panose="02020603050405020304" pitchFamily="18" charset="0"/>
+                <a:cs typeface="Times New Roman" panose="02020603050405020304" pitchFamily="18" charset="0"/>
+              </a:rPr>
+              <a:t>End-to-End </a:t>
+            </a:r>
+            <a:r>
               <a:rPr lang="en-US" sz="2400" dirty="0">
                 <a:latin typeface="Times New Roman" panose="02020603050405020304" pitchFamily="18" charset="0"/>
                 <a:cs typeface="Times New Roman" panose="02020603050405020304" pitchFamily="18" charset="0"/>
               </a:rPr>
-              <a:t>The primary focus will be on implementing robust encryption protocols among the various platforms without implementing the actual cryptographic technique.</a:t>
-            </a:r>
-          </a:p>
-          <a:p>
-            <a:pPr marL="342900" indent="-342900" algn="just">
+              <a:t>Encryption for Chat App with Dynamic Encryption Key</a:t>
+            </a:r>
+          </a:p>
+          <a:p>
+            <a:pPr marL="285750" indent="-285750" algn="just">
               <a:lnSpc>
                 <a:spcPct val="150000"/>
               </a:lnSpc>
               <a:buFont typeface="Wingdings" panose="05000000000000000000" pitchFamily="2" charset="2"/>
-              <a:buChar char="Ø"/>
+              <a:buChar char="v"/>
             </a:pPr>
             <a:r>
+              <a:rPr lang="en-IN" sz="2400" dirty="0" smtClean="0">
+                <a:latin typeface="Times New Roman" panose="02020603050405020304" pitchFamily="18" charset="0"/>
+                <a:cs typeface="Times New Roman" panose="02020603050405020304" pitchFamily="18" charset="0"/>
+              </a:rPr>
+              <a:t>[3]. </a:t>
+            </a:r>
+            <a:r>
+              <a:rPr lang="sv-SE" sz="2400" dirty="0">
+                <a:latin typeface="Times New Roman" panose="02020603050405020304" pitchFamily="18" charset="0"/>
+                <a:cs typeface="Times New Roman" panose="02020603050405020304" pitchFamily="18" charset="0"/>
+              </a:rPr>
+              <a:t>Ammar Hammad Ali, Ali Makki Sagheer</a:t>
+            </a:r>
+            <a:r>
+              <a:rPr lang="en-IN" sz="2400" dirty="0">
+                <a:latin typeface="Times New Roman" panose="02020603050405020304" pitchFamily="18" charset="0"/>
+                <a:cs typeface="Times New Roman" panose="02020603050405020304" pitchFamily="18" charset="0"/>
+              </a:rPr>
+              <a:t>. IASJ (</a:t>
+            </a:r>
+            <a:r>
+              <a:rPr lang="en-IN" sz="2400" dirty="0">
+                <a:latin typeface="Times New Roman" panose="02020603050405020304" pitchFamily="18" charset="0"/>
+                <a:cs typeface="Times New Roman" panose="02020603050405020304" pitchFamily="18" charset="0"/>
+                <a:hlinkClick r:id="rId4"/>
+              </a:rPr>
+              <a:t>doi:10.25195/2017/4315</a:t>
+            </a:r>
+            <a:r>
+              <a:rPr lang="en-IN" sz="2400" dirty="0">
+                <a:latin typeface="Times New Roman" panose="02020603050405020304" pitchFamily="18" charset="0"/>
+                <a:cs typeface="Times New Roman" panose="02020603050405020304" pitchFamily="18" charset="0"/>
+              </a:rPr>
+              <a:t>) Vol.[43] Issue[1] 2017. </a:t>
+            </a:r>
+            <a:r>
               <a:rPr lang="en-US" sz="2400" dirty="0">
                 <a:latin typeface="Times New Roman" panose="02020603050405020304" pitchFamily="18" charset="0"/>
                 <a:cs typeface="Times New Roman" panose="02020603050405020304" pitchFamily="18" charset="0"/>
               </a:rPr>
-              <a:t>To integrate Blockchain Authentication mechanisms to enhance user identity verification and authentication, thereby fortifying the overall security posture of the Chat API. </a:t>
-            </a:r>
+              <a:t>Design of Secure Chatting Application with End to End Encryption for Android </a:t>
+            </a:r>
+            <a:r>
+              <a:rPr lang="en-US" sz="2400" dirty="0" smtClean="0">
+                <a:latin typeface="Times New Roman" panose="02020603050405020304" pitchFamily="18" charset="0"/>
+                <a:cs typeface="Times New Roman" panose="02020603050405020304" pitchFamily="18" charset="0"/>
+              </a:rPr>
+              <a:t>Platform</a:t>
+            </a:r>
+            <a:endParaRPr lang="en-US" sz="2400" dirty="0">
+              <a:latin typeface="Times New Roman" panose="02020603050405020304" pitchFamily="18" charset="0"/>
+              <a:cs typeface="Times New Roman" panose="02020603050405020304" pitchFamily="18" charset="0"/>
+            </a:endParaRPr>
           </a:p>
         </p:txBody>
       </p:sp>
     </p:spTree>
     <p:extLst>
       <p:ext uri="{BB962C8B-B14F-4D97-AF65-F5344CB8AC3E}">
-        <p14:creationId xmlns:p14="http://schemas.microsoft.com/office/powerpoint/2010/main" val="1613798898"/>
+        <p14:creationId xmlns:p14="http://schemas.microsoft.com/office/powerpoint/2010/main" val="135775123"/>
       </p:ext>
     </p:extLst>
   </p:cSld>
   <p:clrMapOvr>
     <a:masterClrMapping/>
   </p:clrMapOvr>
-  <mc:AlternateContent xmlns:mc="http://schemas.openxmlformats.org/markup-compatibility/2006">
-    <mc:Choice xmlns:p14="http://schemas.microsoft.com/office/powerpoint/2010/main" Requires="p14">
-      <p:transition spd="slow" p14:dur="800">
-        <p:circle/>
-      </p:transition>
-    </mc:Choice>
-    <mc:Fallback>
-      <p:transition spd="slow">
-        <p:circle/>
-      </p:transition>
-    </mc:Fallback>
-  </mc:AlternateContent>
+  <p:transition spd="slow">
+    <p:wipe/>
+  </p:transition>
   <p:timing>
     <p:tnLst>
       <p:par>
@@ -6707,7 +4690,7 @@
         <p:spPr>
           <a:xfrm>
             <a:off x="609600" y="245455"/>
-            <a:ext cx="10972800" cy="673812"/>
+            <a:ext cx="10972800" cy="1143000"/>
           </a:xfrm>
         </p:spPr>
         <p:txBody>
@@ -6717,276 +4700,235 @@
           <a:lstStyle/>
           <a:p>
             <a:r>
-              <a:rPr lang="en-US" sz="3600" dirty="0">
-                <a:latin typeface="Times New Roman" panose="02020603050405020304" pitchFamily="18" charset="0"/>
-                <a:cs typeface="Times New Roman" panose="02020603050405020304" pitchFamily="18" charset="0"/>
-              </a:rPr>
-              <a:t> </a:t>
-            </a:r>
-            <a:r>
               <a:rPr lang="en-US" sz="3600" b="1" dirty="0">
-                <a:latin typeface="Times New Roman" panose="02020603050405020304" pitchFamily="18" charset="0"/>
-                <a:cs typeface="Times New Roman" panose="02020603050405020304" pitchFamily="18" charset="0"/>
-              </a:rPr>
-              <a:t>BASE PAPERS</a:t>
-            </a:r>
-            <a:endParaRPr lang="en-US" sz="3600" dirty="0">
-              <a:latin typeface="Times New Roman" pitchFamily="18" charset="0"/>
-            </a:endParaRPr>
-          </a:p>
-        </p:txBody>
-      </p:sp>
-      <p:sp>
-        <p:nvSpPr>
-          <p:cNvPr id="3" name="TextBox 2">
-            <a:extLst>
-              <a:ext uri="{FF2B5EF4-FFF2-40B4-BE49-F238E27FC236}">
-                <a16:creationId xmlns:a16="http://schemas.microsoft.com/office/drawing/2014/main" id="{A8CC6EC7-53F3-9BB9-DC3B-4702CB186EB2}"/>
-              </a:ext>
-            </a:extLst>
-          </p:cNvPr>
-          <p:cNvSpPr txBox="1"/>
-          <p:nvPr/>
+                <a:latin typeface="Times New Roman" pitchFamily="18" charset="0"/>
+              </a:rPr>
+              <a:t>SOFTWARE AND HARDWARE REQUIREMENTS</a:t>
+            </a:r>
+          </a:p>
+        </p:txBody>
+      </p:sp>
+      <p:sp>
+        <p:nvSpPr>
+          <p:cNvPr id="12" name="Content Placeholder 11"/>
+          <p:cNvSpPr>
+            <a:spLocks noGrp="1"/>
+          </p:cNvSpPr>
+          <p:nvPr>
+            <p:ph idx="1"/>
+          </p:nvPr>
         </p:nvSpPr>
         <p:spPr>
           <a:xfrm>
-            <a:off x="887384" y="1469856"/>
-            <a:ext cx="10893136" cy="4524315"/>
+            <a:off x="609600" y="1347284"/>
+            <a:ext cx="10972800" cy="5129716"/>
           </a:xfrm>
-          <a:prstGeom prst="rect">
-            <a:avLst/>
-          </a:prstGeom>
-          <a:noFill/>
         </p:spPr>
         <p:txBody>
-          <a:bodyPr wrap="square" rtlCol="0">
-            <a:spAutoFit/>
+          <a:bodyPr>
+            <a:normAutofit fontScale="92500" lnSpcReduction="10000"/>
           </a:bodyPr>
           <a:lstStyle/>
           <a:p>
-            <a:pPr marL="285750" indent="-285750">
+            <a:pPr>
               <a:lnSpc>
                 <a:spcPct val="150000"/>
               </a:lnSpc>
-              <a:buFont typeface="Wingdings" panose="05000000000000000000" pitchFamily="2" charset="2"/>
-              <a:buChar char="v"/>
+              <a:buNone/>
             </a:pPr>
             <a:r>
-              <a:rPr lang="en-IN" sz="2400" dirty="0">
-                <a:latin typeface="Times New Roman" panose="02020603050405020304" pitchFamily="18" charset="0"/>
-                <a:cs typeface="Times New Roman" panose="02020603050405020304" pitchFamily="18" charset="0"/>
-              </a:rPr>
-              <a:t>[1]. Mirza K. B. Shuhan1, Tariqul Islam2. </a:t>
-            </a:r>
-            <a:r>
-              <a:rPr lang="en-IN" sz="2400" dirty="0" smtClean="0">
-                <a:latin typeface="Times New Roman" panose="02020603050405020304" pitchFamily="18" charset="0"/>
-                <a:cs typeface="Times New Roman" panose="02020603050405020304" pitchFamily="18" charset="0"/>
-              </a:rPr>
-              <a:t>IEEE (</a:t>
-            </a:r>
-            <a:r>
-              <a:rPr lang="en-IN" sz="2400" dirty="0" smtClean="0">
-                <a:latin typeface="Times New Roman" panose="02020603050405020304" pitchFamily="18" charset="0"/>
-                <a:cs typeface="Times New Roman" panose="02020603050405020304" pitchFamily="18" charset="0"/>
-                <a:hlinkClick r:id="rId2"/>
-              </a:rPr>
-              <a:t>arXiv:2308.04452v1</a:t>
-            </a:r>
-            <a:r>
-              <a:rPr lang="en-IN" sz="2400" dirty="0" smtClean="0">
-                <a:latin typeface="Times New Roman" panose="02020603050405020304" pitchFamily="18" charset="0"/>
-                <a:cs typeface="Times New Roman" panose="02020603050405020304" pitchFamily="18" charset="0"/>
-              </a:rPr>
-              <a:t>) </a:t>
-            </a:r>
-            <a:r>
-              <a:rPr lang="en-IN" sz="2400" dirty="0">
-                <a:latin typeface="Times New Roman" panose="02020603050405020304" pitchFamily="18" charset="0"/>
-                <a:cs typeface="Times New Roman" panose="02020603050405020304" pitchFamily="18" charset="0"/>
-              </a:rPr>
-              <a:t>[cs.CR] 5 Aug 2023. </a:t>
-            </a:r>
-            <a:r>
-              <a:rPr lang="en-US" sz="2400" dirty="0">
-                <a:latin typeface="Times New Roman" panose="02020603050405020304" pitchFamily="18" charset="0"/>
-                <a:cs typeface="Times New Roman" panose="02020603050405020304" pitchFamily="18" charset="0"/>
-              </a:rPr>
-              <a:t>Quarks: A Secure and </a:t>
-            </a:r>
-            <a:r>
-              <a:rPr lang="en-US" sz="2400" dirty="0" smtClean="0">
-                <a:latin typeface="Times New Roman" panose="02020603050405020304" pitchFamily="18" charset="0"/>
-                <a:cs typeface="Times New Roman" panose="02020603050405020304" pitchFamily="18" charset="0"/>
-              </a:rPr>
-              <a:t>Decentralized Block-chain Based </a:t>
-            </a:r>
-            <a:r>
-              <a:rPr lang="en-US" sz="2400" dirty="0">
-                <a:latin typeface="Times New Roman" panose="02020603050405020304" pitchFamily="18" charset="0"/>
-                <a:cs typeface="Times New Roman" panose="02020603050405020304" pitchFamily="18" charset="0"/>
-              </a:rPr>
-              <a:t>Messaging Network</a:t>
-            </a:r>
-          </a:p>
-          <a:p>
-            <a:pPr marL="285750" indent="-285750">
+              <a:rPr lang="en-US" sz="2400" b="1" dirty="0">
+                <a:latin typeface="Times New Roman" panose="02020603050405020304" pitchFamily="18" charset="0"/>
+                <a:cs typeface="Times New Roman" panose="02020603050405020304" pitchFamily="18" charset="0"/>
+              </a:rPr>
+              <a:t>FRONT END </a:t>
+            </a:r>
+          </a:p>
+          <a:p>
+            <a:pPr>
               <a:lnSpc>
                 <a:spcPct val="150000"/>
               </a:lnSpc>
-              <a:buFont typeface="Wingdings" panose="05000000000000000000" pitchFamily="2" charset="2"/>
-              <a:buChar char="v"/>
             </a:pPr>
             <a:r>
-              <a:rPr lang="en-IN" sz="2400" dirty="0" smtClean="0">
-                <a:latin typeface="Times New Roman" panose="02020603050405020304" pitchFamily="18" charset="0"/>
-                <a:cs typeface="Times New Roman" panose="02020603050405020304" pitchFamily="18" charset="0"/>
-              </a:rPr>
-              <a:t>[2]. </a:t>
-            </a:r>
-            <a:r>
-              <a:rPr lang="en-IN" sz="2400" dirty="0">
-                <a:latin typeface="Times New Roman" panose="02020603050405020304" pitchFamily="18" charset="0"/>
-                <a:cs typeface="Times New Roman" panose="02020603050405020304" pitchFamily="18" charset="0"/>
-              </a:rPr>
-              <a:t>Samira </a:t>
-            </a:r>
-            <a:r>
-              <a:rPr lang="en-IN" sz="2400" dirty="0" err="1">
-                <a:latin typeface="Times New Roman" panose="02020603050405020304" pitchFamily="18" charset="0"/>
-                <a:cs typeface="Times New Roman" panose="02020603050405020304" pitchFamily="18" charset="0"/>
-              </a:rPr>
-              <a:t>Prabhune</a:t>
-            </a:r>
-            <a:r>
-              <a:rPr lang="en-IN" sz="2400" dirty="0">
-                <a:latin typeface="Times New Roman" panose="02020603050405020304" pitchFamily="18" charset="0"/>
-                <a:cs typeface="Times New Roman" panose="02020603050405020304" pitchFamily="18" charset="0"/>
-              </a:rPr>
-              <a:t>, </a:t>
-            </a:r>
-            <a:r>
-              <a:rPr lang="en-IN" sz="2400" dirty="0" err="1">
-                <a:latin typeface="Times New Roman" panose="02020603050405020304" pitchFamily="18" charset="0"/>
-                <a:cs typeface="Times New Roman" panose="02020603050405020304" pitchFamily="18" charset="0"/>
-              </a:rPr>
-              <a:t>Sonal</a:t>
-            </a:r>
-            <a:r>
-              <a:rPr lang="en-IN" sz="2400" dirty="0">
-                <a:latin typeface="Times New Roman" panose="02020603050405020304" pitchFamily="18" charset="0"/>
-                <a:cs typeface="Times New Roman" panose="02020603050405020304" pitchFamily="18" charset="0"/>
-              </a:rPr>
-              <a:t> Sharma. IEEE (</a:t>
-            </a:r>
-            <a:r>
-              <a:rPr lang="en-IN" sz="2400" dirty="0">
-                <a:latin typeface="Times New Roman" panose="02020603050405020304" pitchFamily="18" charset="0"/>
-                <a:cs typeface="Times New Roman" panose="02020603050405020304" pitchFamily="18" charset="0"/>
-                <a:hlinkClick r:id="rId3"/>
-              </a:rPr>
-              <a:t>9725597</a:t>
-            </a:r>
-            <a:r>
-              <a:rPr lang="en-IN" sz="2400" dirty="0">
-                <a:latin typeface="Times New Roman" panose="02020603050405020304" pitchFamily="18" charset="0"/>
-                <a:cs typeface="Times New Roman" panose="02020603050405020304" pitchFamily="18" charset="0"/>
-              </a:rPr>
-              <a:t>). </a:t>
-            </a:r>
-            <a:r>
-              <a:rPr lang="en-US" sz="2400" dirty="0" smtClean="0">
-                <a:latin typeface="Times New Roman" panose="02020603050405020304" pitchFamily="18" charset="0"/>
-                <a:cs typeface="Times New Roman" panose="02020603050405020304" pitchFamily="18" charset="0"/>
-              </a:rPr>
-              <a:t>End-to-End </a:t>
-            </a:r>
-            <a:r>
-              <a:rPr lang="en-US" sz="2400" dirty="0">
-                <a:latin typeface="Times New Roman" panose="02020603050405020304" pitchFamily="18" charset="0"/>
-                <a:cs typeface="Times New Roman" panose="02020603050405020304" pitchFamily="18" charset="0"/>
-              </a:rPr>
-              <a:t>Encryption for Chat App with Dynamic Encryption Key</a:t>
-            </a:r>
-          </a:p>
-          <a:p>
-            <a:pPr marL="285750" indent="-285750">
+              <a:rPr lang="en-US" sz="2600" dirty="0">
+                <a:latin typeface="Times New Roman" panose="02020603050405020304" pitchFamily="18" charset="0"/>
+                <a:cs typeface="Times New Roman" panose="02020603050405020304" pitchFamily="18" charset="0"/>
+              </a:rPr>
+              <a:t>Python (Toolkit Interface - </a:t>
+            </a:r>
+            <a:r>
+              <a:rPr lang="en-US" sz="2600" dirty="0" err="1">
+                <a:latin typeface="Times New Roman" panose="02020603050405020304" pitchFamily="18" charset="0"/>
+                <a:cs typeface="Times New Roman" panose="02020603050405020304" pitchFamily="18" charset="0"/>
+              </a:rPr>
+              <a:t>Tkinter</a:t>
+            </a:r>
+            <a:r>
+              <a:rPr lang="en-US" sz="2600" dirty="0">
+                <a:latin typeface="Times New Roman" panose="02020603050405020304" pitchFamily="18" charset="0"/>
+                <a:cs typeface="Times New Roman" panose="02020603050405020304" pitchFamily="18" charset="0"/>
+              </a:rPr>
+              <a:t>)</a:t>
+            </a:r>
+            <a:endParaRPr lang="en-US" sz="2600" b="1" dirty="0">
+              <a:latin typeface="Times New Roman" panose="02020603050405020304" pitchFamily="18" charset="0"/>
+              <a:cs typeface="Times New Roman" panose="02020603050405020304" pitchFamily="18" charset="0"/>
+            </a:endParaRPr>
+          </a:p>
+          <a:p>
+            <a:pPr>
               <a:lnSpc>
                 <a:spcPct val="150000"/>
               </a:lnSpc>
-              <a:buFont typeface="Wingdings" panose="05000000000000000000" pitchFamily="2" charset="2"/>
-              <a:buChar char="v"/>
+              <a:buNone/>
             </a:pPr>
             <a:r>
-              <a:rPr lang="en-IN" sz="2400" dirty="0" smtClean="0">
-                <a:latin typeface="Times New Roman" panose="02020603050405020304" pitchFamily="18" charset="0"/>
-                <a:cs typeface="Times New Roman" panose="02020603050405020304" pitchFamily="18" charset="0"/>
-              </a:rPr>
-              <a:t>[3]. </a:t>
-            </a:r>
-            <a:r>
-              <a:rPr lang="sv-SE" sz="2400" dirty="0">
-                <a:latin typeface="Times New Roman" panose="02020603050405020304" pitchFamily="18" charset="0"/>
-                <a:cs typeface="Times New Roman" panose="02020603050405020304" pitchFamily="18" charset="0"/>
-              </a:rPr>
-              <a:t>Ammar Hammad Ali, Ali Makki Sagheer</a:t>
-            </a:r>
-            <a:r>
-              <a:rPr lang="en-IN" sz="2400" dirty="0">
-                <a:latin typeface="Times New Roman" panose="02020603050405020304" pitchFamily="18" charset="0"/>
-                <a:cs typeface="Times New Roman" panose="02020603050405020304" pitchFamily="18" charset="0"/>
-              </a:rPr>
-              <a:t>. IASJ (</a:t>
-            </a:r>
-            <a:r>
-              <a:rPr lang="en-IN" sz="2400" dirty="0">
-                <a:latin typeface="Times New Roman" panose="02020603050405020304" pitchFamily="18" charset="0"/>
-                <a:cs typeface="Times New Roman" panose="02020603050405020304" pitchFamily="18" charset="0"/>
-                <a:hlinkClick r:id="rId4"/>
-              </a:rPr>
-              <a:t>doi:10.25195/2017/4315</a:t>
-            </a:r>
-            <a:r>
-              <a:rPr lang="en-IN" sz="2400" dirty="0">
-                <a:latin typeface="Times New Roman" panose="02020603050405020304" pitchFamily="18" charset="0"/>
-                <a:cs typeface="Times New Roman" panose="02020603050405020304" pitchFamily="18" charset="0"/>
-              </a:rPr>
-              <a:t>) Vol.[43] Issue[1] 2017. </a:t>
-            </a:r>
-            <a:r>
-              <a:rPr lang="en-US" sz="2400" dirty="0">
-                <a:latin typeface="Times New Roman" panose="02020603050405020304" pitchFamily="18" charset="0"/>
-                <a:cs typeface="Times New Roman" panose="02020603050405020304" pitchFamily="18" charset="0"/>
-              </a:rPr>
-              <a:t>Design of Secure Chatting Application with End to End Encryption for Android </a:t>
-            </a:r>
-            <a:r>
-              <a:rPr lang="en-US" sz="2400" dirty="0" smtClean="0">
-                <a:latin typeface="Times New Roman" panose="02020603050405020304" pitchFamily="18" charset="0"/>
-                <a:cs typeface="Times New Roman" panose="02020603050405020304" pitchFamily="18" charset="0"/>
-              </a:rPr>
-              <a:t>Platform</a:t>
-            </a:r>
-            <a:endParaRPr lang="en-US" sz="2400" dirty="0">
-              <a:latin typeface="Times New Roman" panose="02020603050405020304" pitchFamily="18" charset="0"/>
-              <a:cs typeface="Times New Roman" panose="02020603050405020304" pitchFamily="18" charset="0"/>
-            </a:endParaRPr>
+              <a:rPr lang="en-US" sz="2400" b="1" dirty="0">
+                <a:latin typeface="Times New Roman" panose="02020603050405020304" pitchFamily="18" charset="0"/>
+                <a:cs typeface="Times New Roman" panose="02020603050405020304" pitchFamily="18" charset="0"/>
+              </a:rPr>
+              <a:t>BACK END</a:t>
+            </a:r>
+          </a:p>
+          <a:p>
+            <a:pPr>
+              <a:lnSpc>
+                <a:spcPct val="150000"/>
+              </a:lnSpc>
+            </a:pPr>
+            <a:r>
+              <a:rPr lang="en-US" sz="2600" dirty="0">
+                <a:latin typeface="Times New Roman" panose="02020603050405020304" pitchFamily="18" charset="0"/>
+                <a:cs typeface="Times New Roman" panose="02020603050405020304" pitchFamily="18" charset="0"/>
+              </a:rPr>
+              <a:t>Python (threading, socket, </a:t>
+            </a:r>
+            <a:r>
+              <a:rPr lang="en-US" sz="2600" dirty="0" err="1">
+                <a:latin typeface="Times New Roman" panose="02020603050405020304" pitchFamily="18" charset="0"/>
+                <a:cs typeface="Times New Roman" panose="02020603050405020304" pitchFamily="18" charset="0"/>
+              </a:rPr>
+              <a:t>cryptography.fernet</a:t>
+            </a:r>
+            <a:r>
+              <a:rPr lang="en-US" sz="2600" dirty="0">
+                <a:latin typeface="Times New Roman" panose="02020603050405020304" pitchFamily="18" charset="0"/>
+                <a:cs typeface="Times New Roman" panose="02020603050405020304" pitchFamily="18" charset="0"/>
+              </a:rPr>
+              <a:t>, </a:t>
+            </a:r>
+            <a:r>
+              <a:rPr lang="en-US" sz="2600" dirty="0" err="1">
+                <a:latin typeface="Times New Roman" panose="02020603050405020304" pitchFamily="18" charset="0"/>
+                <a:cs typeface="Times New Roman" panose="02020603050405020304" pitchFamily="18" charset="0"/>
+              </a:rPr>
+              <a:t>hashlib</a:t>
+            </a:r>
+            <a:r>
+              <a:rPr lang="en-US" sz="2600" dirty="0">
+                <a:latin typeface="Times New Roman" panose="02020603050405020304" pitchFamily="18" charset="0"/>
+                <a:cs typeface="Times New Roman" panose="02020603050405020304" pitchFamily="18" charset="0"/>
+              </a:rPr>
+              <a:t>)</a:t>
+            </a:r>
+          </a:p>
+          <a:p>
+            <a:pPr marL="0" indent="0">
+              <a:lnSpc>
+                <a:spcPct val="150000"/>
+              </a:lnSpc>
+              <a:buNone/>
+            </a:pPr>
+            <a:r>
+              <a:rPr lang="en-US" sz="2400" b="1" dirty="0">
+                <a:latin typeface="Times New Roman" panose="02020603050405020304" pitchFamily="18" charset="0"/>
+                <a:cs typeface="Times New Roman" panose="02020603050405020304" pitchFamily="18" charset="0"/>
+              </a:rPr>
+              <a:t>HARDWARE</a:t>
+            </a:r>
+          </a:p>
+          <a:p>
+            <a:pPr>
+              <a:lnSpc>
+                <a:spcPct val="150000"/>
+              </a:lnSpc>
+            </a:pPr>
+            <a:r>
+              <a:rPr lang="en-US" sz="2600" dirty="0">
+                <a:latin typeface="Times New Roman" panose="02020603050405020304" pitchFamily="18" charset="0"/>
+                <a:cs typeface="Times New Roman" panose="02020603050405020304" pitchFamily="18" charset="0"/>
+              </a:rPr>
+              <a:t>Basic requirements for a system</a:t>
+            </a:r>
+          </a:p>
+          <a:p>
+            <a:pPr marL="0" indent="0">
+              <a:lnSpc>
+                <a:spcPct val="150000"/>
+              </a:lnSpc>
+              <a:buNone/>
+            </a:pPr>
+            <a:r>
+              <a:rPr lang="en-US" sz="2400" b="1" dirty="0">
+                <a:latin typeface="Times New Roman" panose="02020603050405020304" pitchFamily="18" charset="0"/>
+                <a:cs typeface="Times New Roman" panose="02020603050405020304" pitchFamily="18" charset="0"/>
+              </a:rPr>
+              <a:t>SPECIFICATION</a:t>
+            </a:r>
+          </a:p>
+          <a:p>
+            <a:pPr>
+              <a:lnSpc>
+                <a:spcPct val="150000"/>
+              </a:lnSpc>
+            </a:pPr>
+            <a:r>
+              <a:rPr lang="en-US" sz="2600" dirty="0">
+                <a:latin typeface="Times New Roman" panose="02020603050405020304" pitchFamily="18" charset="0"/>
+                <a:cs typeface="Times New Roman" panose="02020603050405020304" pitchFamily="18" charset="0"/>
+              </a:rPr>
+              <a:t>Minimum 4 GB ram</a:t>
+            </a:r>
+          </a:p>
+          <a:p>
+            <a:pPr>
+              <a:lnSpc>
+                <a:spcPct val="150000"/>
+              </a:lnSpc>
+            </a:pPr>
+            <a:r>
+              <a:rPr lang="en-US" sz="2600" dirty="0">
+                <a:latin typeface="Times New Roman" panose="02020603050405020304" pitchFamily="18" charset="0"/>
+                <a:cs typeface="Times New Roman" panose="02020603050405020304" pitchFamily="18" charset="0"/>
+              </a:rPr>
+              <a:t>Window(8,10 and 11 versions), Linux, Ubuntu</a:t>
+            </a:r>
           </a:p>
         </p:txBody>
       </p:sp>
     </p:spTree>
     <p:extLst>
       <p:ext uri="{BB962C8B-B14F-4D97-AF65-F5344CB8AC3E}">
-        <p14:creationId xmlns:p14="http://schemas.microsoft.com/office/powerpoint/2010/main" val="135775123"/>
+        <p14:creationId xmlns:p14="http://schemas.microsoft.com/office/powerpoint/2010/main" val="4290836956"/>
       </p:ext>
     </p:extLst>
   </p:cSld>
   <p:clrMapOvr>
     <a:masterClrMapping/>
   </p:clrMapOvr>
-  <p:transition spd="slow">
-    <p:wipe/>
-  </p:transition>
+  <mc:AlternateContent xmlns:mc="http://schemas.openxmlformats.org/markup-compatibility/2006" xmlns:p14="http://schemas.microsoft.com/office/powerpoint/2010/main">
+    <mc:Choice Requires="p14">
+      <p:transition spd="med" p14:dur="700">
+        <p:fade/>
+      </p:transition>
+    </mc:Choice>
+    <mc:Fallback xmlns="">
+      <p:transition spd="med">
+        <p:fade/>
+      </p:transition>
+    </mc:Fallback>
+  </mc:AlternateContent>
   <p:timing>
     <p:tnLst>
       <p:par>
@@ -7026,285 +4968,6 @@
         </p:nvSpPr>
         <p:spPr>
           <a:xfrm>
-            <a:off x="609600" y="245455"/>
-            <a:ext cx="10972800" cy="1143000"/>
-          </a:xfrm>
-        </p:spPr>
-        <p:txBody>
-          <a:bodyPr>
-            <a:normAutofit/>
-          </a:bodyPr>
-          <a:lstStyle/>
-          <a:p>
-            <a:r>
-              <a:rPr lang="en-US" sz="3600" b="1" dirty="0">
-                <a:latin typeface="Times New Roman" pitchFamily="18" charset="0"/>
-              </a:rPr>
-              <a:t>SOFTWARE AND HARDWARE REQUIREMENTS</a:t>
-            </a:r>
-          </a:p>
-        </p:txBody>
-      </p:sp>
-      <p:sp>
-        <p:nvSpPr>
-          <p:cNvPr id="12" name="Content Placeholder 11"/>
-          <p:cNvSpPr>
-            <a:spLocks noGrp="1"/>
-          </p:cNvSpPr>
-          <p:nvPr>
-            <p:ph idx="1"/>
-          </p:nvPr>
-        </p:nvSpPr>
-        <p:spPr>
-          <a:xfrm>
-            <a:off x="609600" y="1347284"/>
-            <a:ext cx="10972800" cy="5129716"/>
-          </a:xfrm>
-        </p:spPr>
-        <p:txBody>
-          <a:bodyPr>
-            <a:normAutofit fontScale="92500" lnSpcReduction="10000"/>
-          </a:bodyPr>
-          <a:lstStyle/>
-          <a:p>
-            <a:pPr>
-              <a:lnSpc>
-                <a:spcPct val="150000"/>
-              </a:lnSpc>
-              <a:buNone/>
-            </a:pPr>
-            <a:r>
-              <a:rPr lang="en-US" sz="2400" b="1" dirty="0">
-                <a:latin typeface="Times New Roman" panose="02020603050405020304" pitchFamily="18" charset="0"/>
-                <a:cs typeface="Times New Roman" panose="02020603050405020304" pitchFamily="18" charset="0"/>
-              </a:rPr>
-              <a:t>FRONT END </a:t>
-            </a:r>
-          </a:p>
-          <a:p>
-            <a:pPr>
-              <a:lnSpc>
-                <a:spcPct val="150000"/>
-              </a:lnSpc>
-            </a:pPr>
-            <a:r>
-              <a:rPr lang="en-US" sz="2600" dirty="0">
-                <a:latin typeface="Times New Roman" panose="02020603050405020304" pitchFamily="18" charset="0"/>
-                <a:cs typeface="Times New Roman" panose="02020603050405020304" pitchFamily="18" charset="0"/>
-              </a:rPr>
-              <a:t>Python (Toolkit Interface - </a:t>
-            </a:r>
-            <a:r>
-              <a:rPr lang="en-US" sz="2600" dirty="0" err="1">
-                <a:latin typeface="Times New Roman" panose="02020603050405020304" pitchFamily="18" charset="0"/>
-                <a:cs typeface="Times New Roman" panose="02020603050405020304" pitchFamily="18" charset="0"/>
-              </a:rPr>
-              <a:t>Tkinter</a:t>
-            </a:r>
-            <a:r>
-              <a:rPr lang="en-US" sz="2600" dirty="0">
-                <a:latin typeface="Times New Roman" panose="02020603050405020304" pitchFamily="18" charset="0"/>
-                <a:cs typeface="Times New Roman" panose="02020603050405020304" pitchFamily="18" charset="0"/>
-              </a:rPr>
-              <a:t>)</a:t>
-            </a:r>
-            <a:endParaRPr lang="en-US" sz="2600" b="1" dirty="0">
-              <a:latin typeface="Times New Roman" panose="02020603050405020304" pitchFamily="18" charset="0"/>
-              <a:cs typeface="Times New Roman" panose="02020603050405020304" pitchFamily="18" charset="0"/>
-            </a:endParaRPr>
-          </a:p>
-          <a:p>
-            <a:pPr>
-              <a:lnSpc>
-                <a:spcPct val="150000"/>
-              </a:lnSpc>
-              <a:buNone/>
-            </a:pPr>
-            <a:r>
-              <a:rPr lang="en-US" sz="2400" b="1" dirty="0">
-                <a:latin typeface="Times New Roman" panose="02020603050405020304" pitchFamily="18" charset="0"/>
-                <a:cs typeface="Times New Roman" panose="02020603050405020304" pitchFamily="18" charset="0"/>
-              </a:rPr>
-              <a:t>BACK END</a:t>
-            </a:r>
-          </a:p>
-          <a:p>
-            <a:pPr>
-              <a:lnSpc>
-                <a:spcPct val="150000"/>
-              </a:lnSpc>
-            </a:pPr>
-            <a:r>
-              <a:rPr lang="en-US" sz="2600" dirty="0">
-                <a:latin typeface="Times New Roman" panose="02020603050405020304" pitchFamily="18" charset="0"/>
-                <a:cs typeface="Times New Roman" panose="02020603050405020304" pitchFamily="18" charset="0"/>
-              </a:rPr>
-              <a:t>Python (threading, socket, </a:t>
-            </a:r>
-            <a:r>
-              <a:rPr lang="en-US" sz="2600" dirty="0" err="1">
-                <a:latin typeface="Times New Roman" panose="02020603050405020304" pitchFamily="18" charset="0"/>
-                <a:cs typeface="Times New Roman" panose="02020603050405020304" pitchFamily="18" charset="0"/>
-              </a:rPr>
-              <a:t>cryptography.fernet</a:t>
-            </a:r>
-            <a:r>
-              <a:rPr lang="en-US" sz="2600" dirty="0">
-                <a:latin typeface="Times New Roman" panose="02020603050405020304" pitchFamily="18" charset="0"/>
-                <a:cs typeface="Times New Roman" panose="02020603050405020304" pitchFamily="18" charset="0"/>
-              </a:rPr>
-              <a:t>, </a:t>
-            </a:r>
-            <a:r>
-              <a:rPr lang="en-US" sz="2600" dirty="0" err="1">
-                <a:latin typeface="Times New Roman" panose="02020603050405020304" pitchFamily="18" charset="0"/>
-                <a:cs typeface="Times New Roman" panose="02020603050405020304" pitchFamily="18" charset="0"/>
-              </a:rPr>
-              <a:t>hashlib</a:t>
-            </a:r>
-            <a:r>
-              <a:rPr lang="en-US" sz="2600" dirty="0">
-                <a:latin typeface="Times New Roman" panose="02020603050405020304" pitchFamily="18" charset="0"/>
-                <a:cs typeface="Times New Roman" panose="02020603050405020304" pitchFamily="18" charset="0"/>
-              </a:rPr>
-              <a:t>)</a:t>
-            </a:r>
-          </a:p>
-          <a:p>
-            <a:pPr marL="0" indent="0">
-              <a:lnSpc>
-                <a:spcPct val="150000"/>
-              </a:lnSpc>
-              <a:buNone/>
-            </a:pPr>
-            <a:r>
-              <a:rPr lang="en-US" sz="2400" b="1" dirty="0">
-                <a:latin typeface="Times New Roman" panose="02020603050405020304" pitchFamily="18" charset="0"/>
-                <a:cs typeface="Times New Roman" panose="02020603050405020304" pitchFamily="18" charset="0"/>
-              </a:rPr>
-              <a:t>HARDWARE</a:t>
-            </a:r>
-          </a:p>
-          <a:p>
-            <a:pPr>
-              <a:lnSpc>
-                <a:spcPct val="150000"/>
-              </a:lnSpc>
-            </a:pPr>
-            <a:r>
-              <a:rPr lang="en-US" sz="2600" dirty="0">
-                <a:latin typeface="Times New Roman" panose="02020603050405020304" pitchFamily="18" charset="0"/>
-                <a:cs typeface="Times New Roman" panose="02020603050405020304" pitchFamily="18" charset="0"/>
-              </a:rPr>
-              <a:t>Basic requirements for a system</a:t>
-            </a:r>
-          </a:p>
-          <a:p>
-            <a:pPr marL="0" indent="0">
-              <a:lnSpc>
-                <a:spcPct val="150000"/>
-              </a:lnSpc>
-              <a:buNone/>
-            </a:pPr>
-            <a:r>
-              <a:rPr lang="en-US" sz="2400" b="1" dirty="0">
-                <a:latin typeface="Times New Roman" panose="02020603050405020304" pitchFamily="18" charset="0"/>
-                <a:cs typeface="Times New Roman" panose="02020603050405020304" pitchFamily="18" charset="0"/>
-              </a:rPr>
-              <a:t>SPECIFICATION</a:t>
-            </a:r>
-          </a:p>
-          <a:p>
-            <a:pPr>
-              <a:lnSpc>
-                <a:spcPct val="150000"/>
-              </a:lnSpc>
-            </a:pPr>
-            <a:r>
-              <a:rPr lang="en-US" sz="2600" dirty="0">
-                <a:latin typeface="Times New Roman" panose="02020603050405020304" pitchFamily="18" charset="0"/>
-                <a:cs typeface="Times New Roman" panose="02020603050405020304" pitchFamily="18" charset="0"/>
-              </a:rPr>
-              <a:t>Minimum 4 GB ram</a:t>
-            </a:r>
-          </a:p>
-          <a:p>
-            <a:pPr>
-              <a:lnSpc>
-                <a:spcPct val="150000"/>
-              </a:lnSpc>
-            </a:pPr>
-            <a:r>
-              <a:rPr lang="en-US" sz="2600" dirty="0">
-                <a:latin typeface="Times New Roman" panose="02020603050405020304" pitchFamily="18" charset="0"/>
-                <a:cs typeface="Times New Roman" panose="02020603050405020304" pitchFamily="18" charset="0"/>
-              </a:rPr>
-              <a:t>Window(8,10 and 11 versions), Linux, Ubuntu</a:t>
-            </a:r>
-          </a:p>
-        </p:txBody>
-      </p:sp>
-    </p:spTree>
-    <p:extLst>
-      <p:ext uri="{BB962C8B-B14F-4D97-AF65-F5344CB8AC3E}">
-        <p14:creationId xmlns:p14="http://schemas.microsoft.com/office/powerpoint/2010/main" val="4290836956"/>
-      </p:ext>
-    </p:extLst>
-  </p:cSld>
-  <p:clrMapOvr>
-    <a:masterClrMapping/>
-  </p:clrMapOvr>
-  <mc:AlternateContent xmlns:mc="http://schemas.openxmlformats.org/markup-compatibility/2006">
-    <mc:Choice xmlns:p14="http://schemas.microsoft.com/office/powerpoint/2010/main" Requires="p14">
-      <p:transition spd="med" p14:dur="700">
-        <p:fade/>
-      </p:transition>
-    </mc:Choice>
-    <mc:Fallback>
-      <p:transition spd="med">
-        <p:fade/>
-      </p:transition>
-    </mc:Fallback>
-  </mc:AlternateContent>
-  <p:timing>
-    <p:tnLst>
-      <p:par>
-        <p:cTn id="1" dur="indefinite" restart="never" nodeType="tmRoot"/>
-      </p:par>
-    </p:tnLst>
-  </p:timing>
-</p:sld>
-</file>
-
-<file path=ppt/slides/slide8.xml><?xml version="1.0" encoding="utf-8"?>
-<p:sld xmlns:a="http://schemas.openxmlformats.org/drawingml/2006/main" xmlns:r="http://schemas.openxmlformats.org/officeDocument/2006/relationships" xmlns:p="http://schemas.openxmlformats.org/presentationml/2006/main">
-  <p:cSld>
-    <p:spTree>
-      <p:nvGrpSpPr>
-        <p:cNvPr id="1" name=""/>
-        <p:cNvGrpSpPr/>
-        <p:nvPr/>
-      </p:nvGrpSpPr>
-      <p:grpSpPr>
-        <a:xfrm>
-          <a:off x="0" y="0"/>
-          <a:ext cx="0" cy="0"/>
-          <a:chOff x="0" y="0"/>
-          <a:chExt cx="0" cy="0"/>
-        </a:xfrm>
-      </p:grpSpPr>
-      <p:sp>
-        <p:nvSpPr>
-          <p:cNvPr id="2" name="Title 1"/>
-          <p:cNvSpPr>
-            <a:spLocks noGrp="1"/>
-          </p:cNvSpPr>
-          <p:nvPr>
-            <p:ph type="title"/>
-          </p:nvPr>
-        </p:nvSpPr>
-        <p:spPr>
-          <a:xfrm>
             <a:off x="4427197" y="3101763"/>
             <a:ext cx="3337606" cy="654474"/>
           </a:xfrm>
@@ -7330,13 +4993,13 @@
   <p:clrMapOvr>
     <a:masterClrMapping/>
   </p:clrMapOvr>
-  <mc:AlternateContent xmlns:mc="http://schemas.openxmlformats.org/markup-compatibility/2006">
-    <mc:Choice xmlns:p14="http://schemas.microsoft.com/office/powerpoint/2010/main" Requires="p14">
+  <mc:AlternateContent xmlns:mc="http://schemas.openxmlformats.org/markup-compatibility/2006" xmlns:p14="http://schemas.microsoft.com/office/powerpoint/2010/main">
+    <mc:Choice Requires="p14">
       <p:transition spd="slow" p14:dur="1500">
         <p:random/>
       </p:transition>
     </mc:Choice>
-    <mc:Fallback>
+    <mc:Fallback xmlns="">
       <p:transition spd="slow">
         <p:random/>
       </p:transition>
